--- a/프론트엔드기초(PPT)/CSS3 8강_CSS 플렉스박스 레이아웃.pptx
+++ b/프론트엔드기초(PPT)/CSS3 8강_CSS 플렉스박스 레이아웃.pptx
@@ -116,6 +116,22 @@
       </a:defRPr>
     </a:lvl9pPr>
   </p:defaultTextStyle>
+  <p:extLst>
+    <p:ext uri="{EFAFB233-063F-42B5-8137-9DF3F51BA10A}">
+      <p15:sldGuideLst xmlns:p15="http://schemas.microsoft.com/office/powerpoint/2012/main">
+        <p15:guide id="1" orient="horz" pos="2160">
+          <p15:clr>
+            <a:srgbClr val="A4A3A4"/>
+          </p15:clr>
+        </p15:guide>
+        <p15:guide id="2" pos="2880">
+          <p15:clr>
+            <a:srgbClr val="A4A3A4"/>
+          </p15:clr>
+        </p15:guide>
+      </p15:sldGuideLst>
+    </p:ext>
+  </p:extLst>
 </p:presentation>
 </file>
 
@@ -201,7 +217,7 @@
           <a:p>
             <a:fld id="{3547FDC5-66A3-47B5-9CCE-43836CF927EE}" type="datetimeFigureOut">
               <a:rPr lang="ko-KR" altLang="en-US" smtClean="0"/>
-              <a:t>2020-04-13</a:t>
+              <a:t>2020-10-09</a:t>
             </a:fld>
             <a:endParaRPr lang="ko-KR" altLang="en-US"/>
           </a:p>
@@ -265,38 +281,37 @@
           <a:p>
             <a:pPr lvl="0"/>
             <a:r>
-              <a:rPr lang="ko-KR" altLang="en-US" smtClean="0"/>
+              <a:rPr lang="ko-KR" altLang="en-US"/>
               <a:t>마스터 텍스트 스타일을 편집합니다</a:t>
             </a:r>
           </a:p>
           <a:p>
             <a:pPr lvl="1"/>
             <a:r>
-              <a:rPr lang="ko-KR" altLang="en-US" smtClean="0"/>
+              <a:rPr lang="ko-KR" altLang="en-US"/>
               <a:t>둘째 수준</a:t>
             </a:r>
           </a:p>
           <a:p>
             <a:pPr lvl="2"/>
             <a:r>
-              <a:rPr lang="ko-KR" altLang="en-US" smtClean="0"/>
+              <a:rPr lang="ko-KR" altLang="en-US"/>
               <a:t>셋째 수준</a:t>
             </a:r>
           </a:p>
           <a:p>
             <a:pPr lvl="3"/>
             <a:r>
-              <a:rPr lang="ko-KR" altLang="en-US" smtClean="0"/>
+              <a:rPr lang="ko-KR" altLang="en-US"/>
               <a:t>넷째 수준</a:t>
             </a:r>
           </a:p>
           <a:p>
             <a:pPr lvl="4"/>
             <a:r>
-              <a:rPr lang="ko-KR" altLang="en-US" smtClean="0"/>
+              <a:rPr lang="ko-KR" altLang="en-US"/>
               <a:t>다섯째 수준</a:t>
             </a:r>
-            <a:endParaRPr lang="ko-KR" altLang="en-US"/>
           </a:p>
         </p:txBody>
       </p:sp>
@@ -507,10 +522,9 @@
           <a:lstStyle/>
           <a:p>
             <a:r>
-              <a:rPr lang="ko-KR" altLang="en-US" smtClean="0"/>
+              <a:rPr lang="ko-KR" altLang="en-US"/>
               <a:t>마스터 제목 스타일 편집</a:t>
             </a:r>
-            <a:endParaRPr lang="ko-KR" altLang="en-US"/>
           </a:p>
         </p:txBody>
       </p:sp>
@@ -626,10 +640,9 @@
           </a:lstStyle>
           <a:p>
             <a:r>
-              <a:rPr lang="ko-KR" altLang="en-US" smtClean="0"/>
+              <a:rPr lang="ko-KR" altLang="en-US"/>
               <a:t>마스터 부제목 스타일 편집</a:t>
             </a:r>
-            <a:endParaRPr lang="ko-KR" altLang="en-US"/>
           </a:p>
         </p:txBody>
       </p:sp>
@@ -650,7 +663,7 @@
           <a:p>
             <a:fld id="{FB30EDBD-1C2D-4C1E-B459-B60219FAB484}" type="datetimeFigureOut">
               <a:rPr lang="ko-KR" altLang="en-US" smtClean="0"/>
-              <a:t>2020-04-13</a:t>
+              <a:t>2020-10-09</a:t>
             </a:fld>
             <a:endParaRPr lang="ko-KR" altLang="en-US"/>
           </a:p>
@@ -739,10 +752,9 @@
           <a:lstStyle/>
           <a:p>
             <a:r>
-              <a:rPr lang="ko-KR" altLang="en-US" smtClean="0"/>
+              <a:rPr lang="ko-KR" altLang="en-US"/>
               <a:t>마스터 제목 스타일 편집</a:t>
             </a:r>
-            <a:endParaRPr lang="ko-KR" altLang="en-US"/>
           </a:p>
         </p:txBody>
       </p:sp>
@@ -763,38 +775,37 @@
           <a:p>
             <a:pPr lvl="0"/>
             <a:r>
-              <a:rPr lang="ko-KR" altLang="en-US" smtClean="0"/>
+              <a:rPr lang="ko-KR" altLang="en-US"/>
               <a:t>마스터 텍스트 스타일을 편집합니다</a:t>
             </a:r>
           </a:p>
           <a:p>
             <a:pPr lvl="1"/>
             <a:r>
-              <a:rPr lang="ko-KR" altLang="en-US" smtClean="0"/>
+              <a:rPr lang="ko-KR" altLang="en-US"/>
               <a:t>둘째 수준</a:t>
             </a:r>
           </a:p>
           <a:p>
             <a:pPr lvl="2"/>
             <a:r>
-              <a:rPr lang="ko-KR" altLang="en-US" smtClean="0"/>
+              <a:rPr lang="ko-KR" altLang="en-US"/>
               <a:t>셋째 수준</a:t>
             </a:r>
           </a:p>
           <a:p>
             <a:pPr lvl="3"/>
             <a:r>
-              <a:rPr lang="ko-KR" altLang="en-US" smtClean="0"/>
+              <a:rPr lang="ko-KR" altLang="en-US"/>
               <a:t>넷째 수준</a:t>
             </a:r>
           </a:p>
           <a:p>
             <a:pPr lvl="4"/>
             <a:r>
-              <a:rPr lang="ko-KR" altLang="en-US" smtClean="0"/>
+              <a:rPr lang="ko-KR" altLang="en-US"/>
               <a:t>다섯째 수준</a:t>
             </a:r>
-            <a:endParaRPr lang="ko-KR" altLang="en-US"/>
           </a:p>
         </p:txBody>
       </p:sp>
@@ -815,7 +826,7 @@
           <a:p>
             <a:fld id="{FB30EDBD-1C2D-4C1E-B459-B60219FAB484}" type="datetimeFigureOut">
               <a:rPr lang="ko-KR" altLang="en-US" smtClean="0"/>
-              <a:t>2020-04-13</a:t>
+              <a:t>2020-10-09</a:t>
             </a:fld>
             <a:endParaRPr lang="ko-KR" altLang="en-US"/>
           </a:p>
@@ -909,10 +920,9 @@
           <a:lstStyle/>
           <a:p>
             <a:r>
-              <a:rPr lang="ko-KR" altLang="en-US" smtClean="0"/>
+              <a:rPr lang="ko-KR" altLang="en-US"/>
               <a:t>마스터 제목 스타일 편집</a:t>
             </a:r>
-            <a:endParaRPr lang="ko-KR" altLang="en-US"/>
           </a:p>
         </p:txBody>
       </p:sp>
@@ -938,38 +948,37 @@
           <a:p>
             <a:pPr lvl="0"/>
             <a:r>
-              <a:rPr lang="ko-KR" altLang="en-US" smtClean="0"/>
+              <a:rPr lang="ko-KR" altLang="en-US"/>
               <a:t>마스터 텍스트 스타일을 편집합니다</a:t>
             </a:r>
           </a:p>
           <a:p>
             <a:pPr lvl="1"/>
             <a:r>
-              <a:rPr lang="ko-KR" altLang="en-US" smtClean="0"/>
+              <a:rPr lang="ko-KR" altLang="en-US"/>
               <a:t>둘째 수준</a:t>
             </a:r>
           </a:p>
           <a:p>
             <a:pPr lvl="2"/>
             <a:r>
-              <a:rPr lang="ko-KR" altLang="en-US" smtClean="0"/>
+              <a:rPr lang="ko-KR" altLang="en-US"/>
               <a:t>셋째 수준</a:t>
             </a:r>
           </a:p>
           <a:p>
             <a:pPr lvl="3"/>
             <a:r>
-              <a:rPr lang="ko-KR" altLang="en-US" smtClean="0"/>
+              <a:rPr lang="ko-KR" altLang="en-US"/>
               <a:t>넷째 수준</a:t>
             </a:r>
           </a:p>
           <a:p>
             <a:pPr lvl="4"/>
             <a:r>
-              <a:rPr lang="ko-KR" altLang="en-US" smtClean="0"/>
+              <a:rPr lang="ko-KR" altLang="en-US"/>
               <a:t>다섯째 수준</a:t>
             </a:r>
-            <a:endParaRPr lang="ko-KR" altLang="en-US"/>
           </a:p>
         </p:txBody>
       </p:sp>
@@ -990,7 +999,7 @@
           <a:p>
             <a:fld id="{FB30EDBD-1C2D-4C1E-B459-B60219FAB484}" type="datetimeFigureOut">
               <a:rPr lang="ko-KR" altLang="en-US" smtClean="0"/>
-              <a:t>2020-04-13</a:t>
+              <a:t>2020-10-09</a:t>
             </a:fld>
             <a:endParaRPr lang="ko-KR" altLang="en-US"/>
           </a:p>
@@ -1079,10 +1088,9 @@
           <a:lstStyle/>
           <a:p>
             <a:r>
-              <a:rPr lang="ko-KR" altLang="en-US" smtClean="0"/>
+              <a:rPr lang="ko-KR" altLang="en-US"/>
               <a:t>마스터 제목 스타일 편집</a:t>
             </a:r>
-            <a:endParaRPr lang="ko-KR" altLang="en-US"/>
           </a:p>
         </p:txBody>
       </p:sp>
@@ -1103,38 +1111,37 @@
           <a:p>
             <a:pPr lvl="0"/>
             <a:r>
-              <a:rPr lang="ko-KR" altLang="en-US" smtClean="0"/>
+              <a:rPr lang="ko-KR" altLang="en-US"/>
               <a:t>마스터 텍스트 스타일을 편집합니다</a:t>
             </a:r>
           </a:p>
           <a:p>
             <a:pPr lvl="1"/>
             <a:r>
-              <a:rPr lang="ko-KR" altLang="en-US" smtClean="0"/>
+              <a:rPr lang="ko-KR" altLang="en-US"/>
               <a:t>둘째 수준</a:t>
             </a:r>
           </a:p>
           <a:p>
             <a:pPr lvl="2"/>
             <a:r>
-              <a:rPr lang="ko-KR" altLang="en-US" smtClean="0"/>
+              <a:rPr lang="ko-KR" altLang="en-US"/>
               <a:t>셋째 수준</a:t>
             </a:r>
           </a:p>
           <a:p>
             <a:pPr lvl="3"/>
             <a:r>
-              <a:rPr lang="ko-KR" altLang="en-US" smtClean="0"/>
+              <a:rPr lang="ko-KR" altLang="en-US"/>
               <a:t>넷째 수준</a:t>
             </a:r>
           </a:p>
           <a:p>
             <a:pPr lvl="4"/>
             <a:r>
-              <a:rPr lang="ko-KR" altLang="en-US" smtClean="0"/>
+              <a:rPr lang="ko-KR" altLang="en-US"/>
               <a:t>다섯째 수준</a:t>
             </a:r>
-            <a:endParaRPr lang="ko-KR" altLang="en-US"/>
           </a:p>
         </p:txBody>
       </p:sp>
@@ -1155,7 +1162,7 @@
           <a:p>
             <a:fld id="{FB30EDBD-1C2D-4C1E-B459-B60219FAB484}" type="datetimeFigureOut">
               <a:rPr lang="ko-KR" altLang="en-US" smtClean="0"/>
-              <a:t>2020-04-13</a:t>
+              <a:t>2020-10-09</a:t>
             </a:fld>
             <a:endParaRPr lang="ko-KR" altLang="en-US"/>
           </a:p>
@@ -1253,10 +1260,9 @@
           </a:lstStyle>
           <a:p>
             <a:r>
-              <a:rPr lang="ko-KR" altLang="en-US" smtClean="0"/>
+              <a:rPr lang="ko-KR" altLang="en-US"/>
               <a:t>마스터 제목 스타일 편집</a:t>
             </a:r>
-            <a:endParaRPr lang="ko-KR" altLang="en-US"/>
           </a:p>
         </p:txBody>
       </p:sp>
@@ -1373,7 +1379,7 @@
           <a:p>
             <a:pPr lvl="0"/>
             <a:r>
-              <a:rPr lang="ko-KR" altLang="en-US" smtClean="0"/>
+              <a:rPr lang="ko-KR" altLang="en-US"/>
               <a:t>마스터 텍스트 스타일을 편집합니다</a:t>
             </a:r>
           </a:p>
@@ -1396,7 +1402,7 @@
           <a:p>
             <a:fld id="{FB30EDBD-1C2D-4C1E-B459-B60219FAB484}" type="datetimeFigureOut">
               <a:rPr lang="ko-KR" altLang="en-US" smtClean="0"/>
-              <a:t>2020-04-13</a:t>
+              <a:t>2020-10-09</a:t>
             </a:fld>
             <a:endParaRPr lang="ko-KR" altLang="en-US"/>
           </a:p>
@@ -1485,10 +1491,9 @@
           <a:lstStyle/>
           <a:p>
             <a:r>
-              <a:rPr lang="ko-KR" altLang="en-US" smtClean="0"/>
+              <a:rPr lang="ko-KR" altLang="en-US"/>
               <a:t>마스터 제목 스타일 편집</a:t>
             </a:r>
-            <a:endParaRPr lang="ko-KR" altLang="en-US"/>
           </a:p>
         </p:txBody>
       </p:sp>
@@ -1542,38 +1547,37 @@
           <a:p>
             <a:pPr lvl="0"/>
             <a:r>
-              <a:rPr lang="ko-KR" altLang="en-US" smtClean="0"/>
+              <a:rPr lang="ko-KR" altLang="en-US"/>
               <a:t>마스터 텍스트 스타일을 편집합니다</a:t>
             </a:r>
           </a:p>
           <a:p>
             <a:pPr lvl="1"/>
             <a:r>
-              <a:rPr lang="ko-KR" altLang="en-US" smtClean="0"/>
+              <a:rPr lang="ko-KR" altLang="en-US"/>
               <a:t>둘째 수준</a:t>
             </a:r>
           </a:p>
           <a:p>
             <a:pPr lvl="2"/>
             <a:r>
-              <a:rPr lang="ko-KR" altLang="en-US" smtClean="0"/>
+              <a:rPr lang="ko-KR" altLang="en-US"/>
               <a:t>셋째 수준</a:t>
             </a:r>
           </a:p>
           <a:p>
             <a:pPr lvl="3"/>
             <a:r>
-              <a:rPr lang="ko-KR" altLang="en-US" smtClean="0"/>
+              <a:rPr lang="ko-KR" altLang="en-US"/>
               <a:t>넷째 수준</a:t>
             </a:r>
           </a:p>
           <a:p>
             <a:pPr lvl="4"/>
             <a:r>
-              <a:rPr lang="ko-KR" altLang="en-US" smtClean="0"/>
+              <a:rPr lang="ko-KR" altLang="en-US"/>
               <a:t>다섯째 수준</a:t>
             </a:r>
-            <a:endParaRPr lang="ko-KR" altLang="en-US"/>
           </a:p>
         </p:txBody>
       </p:sp>
@@ -1627,38 +1631,37 @@
           <a:p>
             <a:pPr lvl="0"/>
             <a:r>
-              <a:rPr lang="ko-KR" altLang="en-US" smtClean="0"/>
+              <a:rPr lang="ko-KR" altLang="en-US"/>
               <a:t>마스터 텍스트 스타일을 편집합니다</a:t>
             </a:r>
           </a:p>
           <a:p>
             <a:pPr lvl="1"/>
             <a:r>
-              <a:rPr lang="ko-KR" altLang="en-US" smtClean="0"/>
+              <a:rPr lang="ko-KR" altLang="en-US"/>
               <a:t>둘째 수준</a:t>
             </a:r>
           </a:p>
           <a:p>
             <a:pPr lvl="2"/>
             <a:r>
-              <a:rPr lang="ko-KR" altLang="en-US" smtClean="0"/>
+              <a:rPr lang="ko-KR" altLang="en-US"/>
               <a:t>셋째 수준</a:t>
             </a:r>
           </a:p>
           <a:p>
             <a:pPr lvl="3"/>
             <a:r>
-              <a:rPr lang="ko-KR" altLang="en-US" smtClean="0"/>
+              <a:rPr lang="ko-KR" altLang="en-US"/>
               <a:t>넷째 수준</a:t>
             </a:r>
           </a:p>
           <a:p>
             <a:pPr lvl="4"/>
             <a:r>
-              <a:rPr lang="ko-KR" altLang="en-US" smtClean="0"/>
+              <a:rPr lang="ko-KR" altLang="en-US"/>
               <a:t>다섯째 수준</a:t>
             </a:r>
-            <a:endParaRPr lang="ko-KR" altLang="en-US"/>
           </a:p>
         </p:txBody>
       </p:sp>
@@ -1679,7 +1682,7 @@
           <a:p>
             <a:fld id="{FB30EDBD-1C2D-4C1E-B459-B60219FAB484}" type="datetimeFigureOut">
               <a:rPr lang="ko-KR" altLang="en-US" smtClean="0"/>
-              <a:t>2020-04-13</a:t>
+              <a:t>2020-10-09</a:t>
             </a:fld>
             <a:endParaRPr lang="ko-KR" altLang="en-US"/>
           </a:p>
@@ -1772,10 +1775,9 @@
           </a:lstStyle>
           <a:p>
             <a:r>
-              <a:rPr lang="ko-KR" altLang="en-US" smtClean="0"/>
+              <a:rPr lang="ko-KR" altLang="en-US"/>
               <a:t>마스터 제목 스타일 편집</a:t>
             </a:r>
-            <a:endParaRPr lang="ko-KR" altLang="en-US"/>
           </a:p>
         </p:txBody>
       </p:sp>
@@ -1838,7 +1840,7 @@
           <a:p>
             <a:pPr lvl="0"/>
             <a:r>
-              <a:rPr lang="ko-KR" altLang="en-US" smtClean="0"/>
+              <a:rPr lang="ko-KR" altLang="en-US"/>
               <a:t>마스터 텍스트 스타일을 편집합니다</a:t>
             </a:r>
           </a:p>
@@ -1894,38 +1896,37 @@
           <a:p>
             <a:pPr lvl="0"/>
             <a:r>
-              <a:rPr lang="ko-KR" altLang="en-US" smtClean="0"/>
+              <a:rPr lang="ko-KR" altLang="en-US"/>
               <a:t>마스터 텍스트 스타일을 편집합니다</a:t>
             </a:r>
           </a:p>
           <a:p>
             <a:pPr lvl="1"/>
             <a:r>
-              <a:rPr lang="ko-KR" altLang="en-US" smtClean="0"/>
+              <a:rPr lang="ko-KR" altLang="en-US"/>
               <a:t>둘째 수준</a:t>
             </a:r>
           </a:p>
           <a:p>
             <a:pPr lvl="2"/>
             <a:r>
-              <a:rPr lang="ko-KR" altLang="en-US" smtClean="0"/>
+              <a:rPr lang="ko-KR" altLang="en-US"/>
               <a:t>셋째 수준</a:t>
             </a:r>
           </a:p>
           <a:p>
             <a:pPr lvl="3"/>
             <a:r>
-              <a:rPr lang="ko-KR" altLang="en-US" smtClean="0"/>
+              <a:rPr lang="ko-KR" altLang="en-US"/>
               <a:t>넷째 수준</a:t>
             </a:r>
           </a:p>
           <a:p>
             <a:pPr lvl="4"/>
             <a:r>
-              <a:rPr lang="ko-KR" altLang="en-US" smtClean="0"/>
+              <a:rPr lang="ko-KR" altLang="en-US"/>
               <a:t>다섯째 수준</a:t>
             </a:r>
-            <a:endParaRPr lang="ko-KR" altLang="en-US"/>
           </a:p>
         </p:txBody>
       </p:sp>
@@ -1988,7 +1989,7 @@
           <a:p>
             <a:pPr lvl="0"/>
             <a:r>
-              <a:rPr lang="ko-KR" altLang="en-US" smtClean="0"/>
+              <a:rPr lang="ko-KR" altLang="en-US"/>
               <a:t>마스터 텍스트 스타일을 편집합니다</a:t>
             </a:r>
           </a:p>
@@ -2044,38 +2045,37 @@
           <a:p>
             <a:pPr lvl="0"/>
             <a:r>
-              <a:rPr lang="ko-KR" altLang="en-US" smtClean="0"/>
+              <a:rPr lang="ko-KR" altLang="en-US"/>
               <a:t>마스터 텍스트 스타일을 편집합니다</a:t>
             </a:r>
           </a:p>
           <a:p>
             <a:pPr lvl="1"/>
             <a:r>
-              <a:rPr lang="ko-KR" altLang="en-US" smtClean="0"/>
+              <a:rPr lang="ko-KR" altLang="en-US"/>
               <a:t>둘째 수준</a:t>
             </a:r>
           </a:p>
           <a:p>
             <a:pPr lvl="2"/>
             <a:r>
-              <a:rPr lang="ko-KR" altLang="en-US" smtClean="0"/>
+              <a:rPr lang="ko-KR" altLang="en-US"/>
               <a:t>셋째 수준</a:t>
             </a:r>
           </a:p>
           <a:p>
             <a:pPr lvl="3"/>
             <a:r>
-              <a:rPr lang="ko-KR" altLang="en-US" smtClean="0"/>
+              <a:rPr lang="ko-KR" altLang="en-US"/>
               <a:t>넷째 수준</a:t>
             </a:r>
           </a:p>
           <a:p>
             <a:pPr lvl="4"/>
             <a:r>
-              <a:rPr lang="ko-KR" altLang="en-US" smtClean="0"/>
+              <a:rPr lang="ko-KR" altLang="en-US"/>
               <a:t>다섯째 수준</a:t>
             </a:r>
-            <a:endParaRPr lang="ko-KR" altLang="en-US"/>
           </a:p>
         </p:txBody>
       </p:sp>
@@ -2096,7 +2096,7 @@
           <a:p>
             <a:fld id="{FB30EDBD-1C2D-4C1E-B459-B60219FAB484}" type="datetimeFigureOut">
               <a:rPr lang="ko-KR" altLang="en-US" smtClean="0"/>
-              <a:t>2020-04-13</a:t>
+              <a:t>2020-10-09</a:t>
             </a:fld>
             <a:endParaRPr lang="ko-KR" altLang="en-US"/>
           </a:p>
@@ -2185,10 +2185,9 @@
           <a:lstStyle/>
           <a:p>
             <a:r>
-              <a:rPr lang="ko-KR" altLang="en-US" smtClean="0"/>
+              <a:rPr lang="ko-KR" altLang="en-US"/>
               <a:t>마스터 제목 스타일 편집</a:t>
             </a:r>
-            <a:endParaRPr lang="ko-KR" altLang="en-US"/>
           </a:p>
         </p:txBody>
       </p:sp>
@@ -2209,7 +2208,7 @@
           <a:p>
             <a:fld id="{FB30EDBD-1C2D-4C1E-B459-B60219FAB484}" type="datetimeFigureOut">
               <a:rPr lang="ko-KR" altLang="en-US" smtClean="0"/>
-              <a:t>2020-04-13</a:t>
+              <a:t>2020-10-09</a:t>
             </a:fld>
             <a:endParaRPr lang="ko-KR" altLang="en-US"/>
           </a:p>
@@ -2299,7 +2298,7 @@
           <a:p>
             <a:fld id="{FB30EDBD-1C2D-4C1E-B459-B60219FAB484}" type="datetimeFigureOut">
               <a:rPr lang="ko-KR" altLang="en-US" smtClean="0"/>
-              <a:t>2020-04-13</a:t>
+              <a:t>2020-10-09</a:t>
             </a:fld>
             <a:endParaRPr lang="ko-KR" altLang="en-US"/>
           </a:p>
@@ -2397,10 +2396,9 @@
           </a:lstStyle>
           <a:p>
             <a:r>
-              <a:rPr lang="ko-KR" altLang="en-US" smtClean="0"/>
+              <a:rPr lang="ko-KR" altLang="en-US"/>
               <a:t>마스터 제목 스타일 편집</a:t>
             </a:r>
-            <a:endParaRPr lang="ko-KR" altLang="en-US"/>
           </a:p>
         </p:txBody>
       </p:sp>
@@ -2454,38 +2452,37 @@
           <a:p>
             <a:pPr lvl="0"/>
             <a:r>
-              <a:rPr lang="ko-KR" altLang="en-US" smtClean="0"/>
+              <a:rPr lang="ko-KR" altLang="en-US"/>
               <a:t>마스터 텍스트 스타일을 편집합니다</a:t>
             </a:r>
           </a:p>
           <a:p>
             <a:pPr lvl="1"/>
             <a:r>
-              <a:rPr lang="ko-KR" altLang="en-US" smtClean="0"/>
+              <a:rPr lang="ko-KR" altLang="en-US"/>
               <a:t>둘째 수준</a:t>
             </a:r>
           </a:p>
           <a:p>
             <a:pPr lvl="2"/>
             <a:r>
-              <a:rPr lang="ko-KR" altLang="en-US" smtClean="0"/>
+              <a:rPr lang="ko-KR" altLang="en-US"/>
               <a:t>셋째 수준</a:t>
             </a:r>
           </a:p>
           <a:p>
             <a:pPr lvl="3"/>
             <a:r>
-              <a:rPr lang="ko-KR" altLang="en-US" smtClean="0"/>
+              <a:rPr lang="ko-KR" altLang="en-US"/>
               <a:t>넷째 수준</a:t>
             </a:r>
           </a:p>
           <a:p>
             <a:pPr lvl="4"/>
             <a:r>
-              <a:rPr lang="ko-KR" altLang="en-US" smtClean="0"/>
+              <a:rPr lang="ko-KR" altLang="en-US"/>
               <a:t>다섯째 수준</a:t>
             </a:r>
-            <a:endParaRPr lang="ko-KR" altLang="en-US"/>
           </a:p>
         </p:txBody>
       </p:sp>
@@ -2548,7 +2545,7 @@
           <a:p>
             <a:pPr lvl="0"/>
             <a:r>
-              <a:rPr lang="ko-KR" altLang="en-US" smtClean="0"/>
+              <a:rPr lang="ko-KR" altLang="en-US"/>
               <a:t>마스터 텍스트 스타일을 편집합니다</a:t>
             </a:r>
           </a:p>
@@ -2571,7 +2568,7 @@
           <a:p>
             <a:fld id="{FB30EDBD-1C2D-4C1E-B459-B60219FAB484}" type="datetimeFigureOut">
               <a:rPr lang="ko-KR" altLang="en-US" smtClean="0"/>
-              <a:t>2020-04-13</a:t>
+              <a:t>2020-10-09</a:t>
             </a:fld>
             <a:endParaRPr lang="ko-KR" altLang="en-US"/>
           </a:p>
@@ -2669,10 +2666,9 @@
           </a:lstStyle>
           <a:p>
             <a:r>
-              <a:rPr lang="ko-KR" altLang="en-US" smtClean="0"/>
+              <a:rPr lang="ko-KR" altLang="en-US"/>
               <a:t>마스터 제목 스타일 편집</a:t>
             </a:r>
-            <a:endParaRPr lang="ko-KR" altLang="en-US"/>
           </a:p>
         </p:txBody>
       </p:sp>
@@ -2796,7 +2792,7 @@
           <a:p>
             <a:pPr lvl="0"/>
             <a:r>
-              <a:rPr lang="ko-KR" altLang="en-US" smtClean="0"/>
+              <a:rPr lang="ko-KR" altLang="en-US"/>
               <a:t>마스터 텍스트 스타일을 편집합니다</a:t>
             </a:r>
           </a:p>
@@ -2819,7 +2815,7 @@
           <a:p>
             <a:fld id="{FB30EDBD-1C2D-4C1E-B459-B60219FAB484}" type="datetimeFigureOut">
               <a:rPr lang="ko-KR" altLang="en-US" smtClean="0"/>
-              <a:t>2020-04-13</a:t>
+              <a:t>2020-10-09</a:t>
             </a:fld>
             <a:endParaRPr lang="ko-KR" altLang="en-US"/>
           </a:p>
@@ -2923,10 +2919,9 @@
           <a:lstStyle/>
           <a:p>
             <a:r>
-              <a:rPr lang="ko-KR" altLang="en-US" smtClean="0"/>
+              <a:rPr lang="ko-KR" altLang="en-US"/>
               <a:t>마스터 제목 스타일 편집</a:t>
             </a:r>
-            <a:endParaRPr lang="ko-KR" altLang="en-US"/>
           </a:p>
         </p:txBody>
       </p:sp>
@@ -2957,38 +2952,37 @@
           <a:p>
             <a:pPr lvl="0"/>
             <a:r>
-              <a:rPr lang="ko-KR" altLang="en-US" smtClean="0"/>
+              <a:rPr lang="ko-KR" altLang="en-US"/>
               <a:t>마스터 텍스트 스타일을 편집합니다</a:t>
             </a:r>
           </a:p>
           <a:p>
             <a:pPr lvl="1"/>
             <a:r>
-              <a:rPr lang="ko-KR" altLang="en-US" smtClean="0"/>
+              <a:rPr lang="ko-KR" altLang="en-US"/>
               <a:t>둘째 수준</a:t>
             </a:r>
           </a:p>
           <a:p>
             <a:pPr lvl="2"/>
             <a:r>
-              <a:rPr lang="ko-KR" altLang="en-US" smtClean="0"/>
+              <a:rPr lang="ko-KR" altLang="en-US"/>
               <a:t>셋째 수준</a:t>
             </a:r>
           </a:p>
           <a:p>
             <a:pPr lvl="3"/>
             <a:r>
-              <a:rPr lang="ko-KR" altLang="en-US" smtClean="0"/>
+              <a:rPr lang="ko-KR" altLang="en-US"/>
               <a:t>넷째 수준</a:t>
             </a:r>
           </a:p>
           <a:p>
             <a:pPr lvl="4"/>
             <a:r>
-              <a:rPr lang="ko-KR" altLang="en-US" smtClean="0"/>
+              <a:rPr lang="ko-KR" altLang="en-US"/>
               <a:t>다섯째 수준</a:t>
             </a:r>
-            <a:endParaRPr lang="ko-KR" altLang="en-US"/>
           </a:p>
         </p:txBody>
       </p:sp>
@@ -3027,7 +3021,7 @@
           <a:p>
             <a:fld id="{FB30EDBD-1C2D-4C1E-B459-B60219FAB484}" type="datetimeFigureOut">
               <a:rPr lang="ko-KR" altLang="en-US" smtClean="0"/>
-              <a:t>2020-04-13</a:t>
+              <a:t>2020-10-09</a:t>
             </a:fld>
             <a:endParaRPr lang="ko-KR" altLang="en-US"/>
           </a:p>
@@ -3383,6 +3377,14 @@
 <file path=ppt/slides/slide1.xml><?xml version="1.0" encoding="utf-8"?>
 <p:sld xmlns:a="http://schemas.openxmlformats.org/drawingml/2006/main" xmlns:r="http://schemas.openxmlformats.org/officeDocument/2006/relationships" xmlns:p="http://schemas.openxmlformats.org/presentationml/2006/main">
   <p:cSld>
+    <p:bg>
+      <p:bgPr>
+        <a:solidFill>
+          <a:schemeClr val="accent6"/>
+        </a:solidFill>
+        <a:effectLst/>
+      </p:bgPr>
+    </p:bg>
     <p:spTree>
       <p:nvGrpSpPr>
         <p:cNvPr id="1" name=""/>
@@ -3415,92 +3417,73 @@
           <a:lstStyle/>
           <a:p>
             <a:r>
-              <a:rPr lang="en-US" altLang="ko-KR" sz="2800" smtClean="0">
-                <a:solidFill>
-                  <a:schemeClr val="accent5"/>
+              <a:rPr lang="en-US" altLang="ko-KR" sz="2800" dirty="0">
+                <a:solidFill>
+                  <a:schemeClr val="bg1"/>
                 </a:solidFill>
                 <a:latin typeface="배달의민족 주아" pitchFamily="18" charset="-127"/>
                 <a:ea typeface="배달의민족 주아" pitchFamily="18" charset="-127"/>
               </a:rPr>
-              <a:t>CSS3 </a:t>
-            </a:r>
-            <a:r>
-              <a:rPr lang="en-US" altLang="ko-KR" sz="2800" smtClean="0">
-                <a:solidFill>
-                  <a:schemeClr val="accent5"/>
-                </a:solidFill>
-                <a:latin typeface="배달의민족 주아" pitchFamily="18" charset="-127"/>
-                <a:ea typeface="배달의민족 주아" pitchFamily="18" charset="-127"/>
-              </a:rPr>
-              <a:t>6</a:t>
-            </a:r>
-            <a:r>
-              <a:rPr lang="ko-KR" altLang="en-US" sz="2800" smtClean="0">
-                <a:solidFill>
-                  <a:schemeClr val="accent5"/>
+              <a:t>CSS3 8</a:t>
+            </a:r>
+            <a:r>
+              <a:rPr lang="ko-KR" altLang="en-US" sz="2800" dirty="0">
+                <a:solidFill>
+                  <a:schemeClr val="bg1"/>
                 </a:solidFill>
                 <a:latin typeface="배달의민족 주아" pitchFamily="18" charset="-127"/>
                 <a:ea typeface="배달의민족 주아" pitchFamily="18" charset="-127"/>
               </a:rPr>
               <a:t>강</a:t>
             </a:r>
-            <a:r>
-              <a:rPr lang="en-US" altLang="ko-KR" sz="2800" dirty="0" smtClean="0">
-                <a:solidFill>
-                  <a:schemeClr val="accent5"/>
-                </a:solidFill>
-                <a:latin typeface="배달의민족 주아" pitchFamily="18" charset="-127"/>
-                <a:ea typeface="배달의민족 주아" pitchFamily="18" charset="-127"/>
-              </a:rPr>
-              <a:t/>
-            </a:r>
             <a:br>
-              <a:rPr lang="en-US" altLang="ko-KR" sz="2800" dirty="0" smtClean="0">
-                <a:solidFill>
-                  <a:schemeClr val="accent5"/>
+              <a:rPr lang="en-US" altLang="ko-KR" sz="2800" dirty="0">
+                <a:solidFill>
+                  <a:schemeClr val="bg1"/>
                 </a:solidFill>
                 <a:latin typeface="배달의민족 주아" pitchFamily="18" charset="-127"/>
                 <a:ea typeface="배달의민족 주아" pitchFamily="18" charset="-127"/>
               </a:rPr>
             </a:br>
-            <a:r>
-              <a:rPr lang="en-US" altLang="ko-KR" dirty="0" smtClean="0">
-                <a:latin typeface="배달의민족 주아" pitchFamily="18" charset="-127"/>
-                <a:ea typeface="배달의민족 주아" pitchFamily="18" charset="-127"/>
-              </a:rPr>
-              <a:t/>
-            </a:r>
             <a:br>
-              <a:rPr lang="en-US" altLang="ko-KR" dirty="0" smtClean="0">
+              <a:rPr lang="en-US" altLang="ko-KR" dirty="0">
+                <a:solidFill>
+                  <a:schemeClr val="bg1"/>
+                </a:solidFill>
                 <a:latin typeface="배달의민족 주아" pitchFamily="18" charset="-127"/>
                 <a:ea typeface="배달의민족 주아" pitchFamily="18" charset="-127"/>
               </a:rPr>
             </a:br>
             <a:r>
-              <a:rPr lang="en-US" altLang="ko-KR" dirty="0" smtClean="0">
+              <a:rPr lang="en-US" altLang="ko-KR" dirty="0">
+                <a:solidFill>
+                  <a:schemeClr val="bg1"/>
+                </a:solidFill>
                 <a:latin typeface="배달의민족 주아" pitchFamily="18" charset="-127"/>
                 <a:ea typeface="배달의민족 주아" pitchFamily="18" charset="-127"/>
               </a:rPr>
               <a:t>CSS </a:t>
             </a:r>
             <a:r>
-              <a:rPr lang="ko-KR" altLang="en-US" dirty="0" err="1" smtClean="0">
+              <a:rPr lang="ko-KR" altLang="en-US" dirty="0" err="1">
+                <a:solidFill>
+                  <a:schemeClr val="bg1"/>
+                </a:solidFill>
                 <a:latin typeface="배달의민족 주아" pitchFamily="18" charset="-127"/>
                 <a:ea typeface="배달의민족 주아" pitchFamily="18" charset="-127"/>
               </a:rPr>
               <a:t>플렉스박스</a:t>
             </a:r>
             <a:r>
-              <a:rPr lang="ko-KR" altLang="en-US" dirty="0" smtClean="0">
+              <a:rPr lang="ko-KR" altLang="en-US" dirty="0">
+                <a:solidFill>
+                  <a:schemeClr val="bg1"/>
+                </a:solidFill>
                 <a:latin typeface="배달의민족 주아" pitchFamily="18" charset="-127"/>
                 <a:ea typeface="배달의민족 주아" pitchFamily="18" charset="-127"/>
               </a:rPr>
               <a:t> 레이아웃</a:t>
             </a:r>
-            <a:endParaRPr lang="ko-KR" altLang="en-US" dirty="0">
-              <a:latin typeface="배달의민족 주아" pitchFamily="18" charset="-127"/>
-              <a:ea typeface="배달의민족 주아" pitchFamily="18" charset="-127"/>
-            </a:endParaRPr>
           </a:p>
         </p:txBody>
       </p:sp>
@@ -3621,9 +3604,9 @@
           </a:lstStyle>
           <a:p>
             <a:r>
-              <a:rPr lang="en-US" altLang="ko-KR" dirty="0" smtClean="0">
-                <a:solidFill>
-                  <a:schemeClr val="accent5"/>
+              <a:rPr lang="en-US" altLang="ko-KR" dirty="0">
+                <a:solidFill>
+                  <a:schemeClr val="bg1"/>
                 </a:solidFill>
                 <a:latin typeface="배달의민족 도현" pitchFamily="50" charset="-127"/>
                 <a:ea typeface="배달의민족 도현" pitchFamily="50" charset="-127"/>
@@ -3631,16 +3614,16 @@
               <a:t>S</a:t>
             </a:r>
             <a:r>
-              <a:rPr lang="en-US" altLang="ko-KR" dirty="0" smtClean="0">
+              <a:rPr lang="en-US" altLang="ko-KR" dirty="0">
                 <a:latin typeface="배달의민족 도현" pitchFamily="50" charset="-127"/>
                 <a:ea typeface="배달의민족 도현" pitchFamily="50" charset="-127"/>
               </a:rPr>
               <a:t>TART</a:t>
             </a:r>
             <a:r>
-              <a:rPr lang="en-US" altLang="ko-KR" dirty="0" smtClean="0">
-                <a:solidFill>
-                  <a:schemeClr val="accent5"/>
+              <a:rPr lang="en-US" altLang="ko-KR" dirty="0">
+                <a:solidFill>
+                  <a:schemeClr val="bg1"/>
                 </a:solidFill>
                 <a:latin typeface="배달의민족 도현" pitchFamily="50" charset="-127"/>
                 <a:ea typeface="배달의민족 도현" pitchFamily="50" charset="-127"/>
@@ -3648,7 +3631,7 @@
               <a:t>C</a:t>
             </a:r>
             <a:r>
-              <a:rPr lang="en-US" altLang="ko-KR" dirty="0" smtClean="0">
+              <a:rPr lang="en-US" altLang="ko-KR" dirty="0">
                 <a:latin typeface="배달의민족 도현" pitchFamily="50" charset="-127"/>
                 <a:ea typeface="배달의민족 도현" pitchFamily="50" charset="-127"/>
               </a:rPr>
@@ -3671,13 +3654,6 @@
   <p:clrMapOvr>
     <a:masterClrMapping/>
   </p:clrMapOvr>
-  <p:timing>
-    <p:tnLst>
-      <p:par>
-        <p:cTn id="1" dur="indefinite" restart="never" nodeType="tmRoot"/>
-      </p:par>
-    </p:tnLst>
-  </p:timing>
 </p:sld>
 </file>
 
@@ -3737,16 +3713,12 @@
           </a:lstStyle>
           <a:p>
             <a:r>
-              <a:rPr lang="ko-KR" altLang="en-US" dirty="0" smtClean="0">
+              <a:rPr lang="ko-KR" altLang="en-US" dirty="0">
                 <a:latin typeface="배달의민족 주아" pitchFamily="18" charset="-127"/>
                 <a:ea typeface="배달의민족 주아" pitchFamily="18" charset="-127"/>
               </a:rPr>
               <a:t>감사합니다</a:t>
             </a:r>
-            <a:endParaRPr lang="ko-KR" altLang="en-US" dirty="0">
-              <a:latin typeface="배달의민족 주아" pitchFamily="18" charset="-127"/>
-              <a:ea typeface="배달의민족 주아" pitchFamily="18" charset="-127"/>
-            </a:endParaRPr>
           </a:p>
         </p:txBody>
       </p:sp>
@@ -3867,7 +3839,7 @@
           </a:lstStyle>
           <a:p>
             <a:r>
-              <a:rPr lang="en-US" altLang="ko-KR" dirty="0" smtClean="0">
+              <a:rPr lang="en-US" altLang="ko-KR" dirty="0">
                 <a:solidFill>
                   <a:schemeClr val="accent5"/>
                 </a:solidFill>
@@ -3877,14 +3849,14 @@
               <a:t>S</a:t>
             </a:r>
             <a:r>
-              <a:rPr lang="en-US" altLang="ko-KR" dirty="0" smtClean="0">
+              <a:rPr lang="en-US" altLang="ko-KR" dirty="0">
                 <a:latin typeface="배달의민족 도현" pitchFamily="50" charset="-127"/>
                 <a:ea typeface="배달의민족 도현" pitchFamily="50" charset="-127"/>
               </a:rPr>
               <a:t>TART</a:t>
             </a:r>
             <a:r>
-              <a:rPr lang="en-US" altLang="ko-KR" dirty="0" smtClean="0">
+              <a:rPr lang="en-US" altLang="ko-KR" dirty="0">
                 <a:solidFill>
                   <a:schemeClr val="accent5"/>
                 </a:solidFill>
@@ -3894,7 +3866,7 @@
               <a:t>C</a:t>
             </a:r>
             <a:r>
-              <a:rPr lang="en-US" altLang="ko-KR" dirty="0" smtClean="0">
+              <a:rPr lang="en-US" altLang="ko-KR" dirty="0">
                 <a:latin typeface="배달의민족 도현" pitchFamily="50" charset="-127"/>
                 <a:ea typeface="배달의민족 도현" pitchFamily="50" charset="-127"/>
               </a:rPr>
@@ -3917,13 +3889,6 @@
   <p:clrMapOvr>
     <a:masterClrMapping/>
   </p:clrMapOvr>
-  <p:timing>
-    <p:tnLst>
-      <p:par>
-        <p:cTn id="1" dur="indefinite" restart="never" nodeType="tmRoot"/>
-      </p:par>
-    </p:tnLst>
-  </p:timing>
 </p:sld>
 </file>
 
@@ -4061,7 +4026,7 @@
           </a:lstStyle>
           <a:p>
             <a:r>
-              <a:rPr lang="en-US" altLang="ko-KR" dirty="0" smtClean="0">
+              <a:rPr lang="en-US" altLang="ko-KR" dirty="0">
                 <a:solidFill>
                   <a:schemeClr val="accent5"/>
                 </a:solidFill>
@@ -4071,14 +4036,14 @@
               <a:t>S</a:t>
             </a:r>
             <a:r>
-              <a:rPr lang="en-US" altLang="ko-KR" dirty="0" smtClean="0">
+              <a:rPr lang="en-US" altLang="ko-KR" dirty="0">
                 <a:latin typeface="배달의민족 도현" pitchFamily="50" charset="-127"/>
                 <a:ea typeface="배달의민족 도현" pitchFamily="50" charset="-127"/>
               </a:rPr>
               <a:t>TART</a:t>
             </a:r>
             <a:r>
-              <a:rPr lang="en-US" altLang="ko-KR" dirty="0" smtClean="0">
+              <a:rPr lang="en-US" altLang="ko-KR" dirty="0">
                 <a:solidFill>
                   <a:schemeClr val="accent5"/>
                 </a:solidFill>
@@ -4088,7 +4053,7 @@
               <a:t>C</a:t>
             </a:r>
             <a:r>
-              <a:rPr lang="en-US" altLang="ko-KR" dirty="0" smtClean="0">
+              <a:rPr lang="en-US" altLang="ko-KR" dirty="0">
                 <a:latin typeface="배달의민족 도현" pitchFamily="50" charset="-127"/>
                 <a:ea typeface="배달의민족 도현" pitchFamily="50" charset="-127"/>
               </a:rPr>
@@ -4174,7 +4139,7 @@
           <a:lstStyle/>
           <a:p>
             <a:r>
-              <a:rPr lang="en-US" altLang="ko-KR" sz="3200" b="1" dirty="0" smtClean="0">
+              <a:rPr lang="en-US" altLang="ko-KR" sz="3200" b="1" dirty="0">
                 <a:solidFill>
                   <a:schemeClr val="bg1"/>
                 </a:solidFill>
@@ -4199,13 +4164,6 @@
   <p:clrMapOvr>
     <a:masterClrMapping/>
   </p:clrMapOvr>
-  <p:timing>
-    <p:tnLst>
-      <p:par>
-        <p:cTn id="1" dur="indefinite" restart="never" nodeType="tmRoot"/>
-      </p:par>
-    </p:tnLst>
-  </p:timing>
 </p:sld>
 </file>
 
@@ -4265,13 +4223,13 @@
           </a:lstStyle>
           <a:p>
             <a:r>
-              <a:rPr lang="ko-KR" altLang="en-US" sz="3600" dirty="0" smtClean="0">
+              <a:rPr lang="ko-KR" altLang="en-US" sz="3600" dirty="0">
                 <a:latin typeface="배달의민족 주아" pitchFamily="18" charset="-127"/>
                 <a:ea typeface="배달의민족 주아" pitchFamily="18" charset="-127"/>
               </a:rPr>
               <a:t>컨테이너와 아이템</a:t>
             </a:r>
-            <a:endParaRPr lang="en-US" altLang="ko-KR" sz="3600" dirty="0" smtClean="0">
+            <a:endParaRPr lang="en-US" altLang="ko-KR" sz="3600" dirty="0">
               <a:latin typeface="배달의민족 주아" pitchFamily="18" charset="-127"/>
               <a:ea typeface="배달의민족 주아" pitchFamily="18" charset="-127"/>
             </a:endParaRPr>
@@ -4395,7 +4353,7 @@
           </a:lstStyle>
           <a:p>
             <a:r>
-              <a:rPr lang="en-US" altLang="ko-KR" dirty="0" smtClean="0">
+              <a:rPr lang="en-US" altLang="ko-KR" dirty="0">
                 <a:solidFill>
                   <a:schemeClr val="accent5"/>
                 </a:solidFill>
@@ -4405,14 +4363,14 @@
               <a:t>S</a:t>
             </a:r>
             <a:r>
-              <a:rPr lang="en-US" altLang="ko-KR" dirty="0" smtClean="0">
+              <a:rPr lang="en-US" altLang="ko-KR" dirty="0">
                 <a:latin typeface="배달의민족 도현" pitchFamily="50" charset="-127"/>
                 <a:ea typeface="배달의민족 도현" pitchFamily="50" charset="-127"/>
               </a:rPr>
               <a:t>TART</a:t>
             </a:r>
             <a:r>
-              <a:rPr lang="en-US" altLang="ko-KR" dirty="0" smtClean="0">
+              <a:rPr lang="en-US" altLang="ko-KR" dirty="0">
                 <a:solidFill>
                   <a:schemeClr val="accent5"/>
                 </a:solidFill>
@@ -4422,7 +4380,7 @@
               <a:t>C</a:t>
             </a:r>
             <a:r>
-              <a:rPr lang="en-US" altLang="ko-KR" dirty="0" smtClean="0">
+              <a:rPr lang="en-US" altLang="ko-KR" dirty="0">
                 <a:latin typeface="배달의민족 도현" pitchFamily="50" charset="-127"/>
                 <a:ea typeface="배달의민족 도현" pitchFamily="50" charset="-127"/>
               </a:rPr>
@@ -4590,13 +4548,13 @@
           </a:lstStyle>
           <a:p>
             <a:r>
-              <a:rPr lang="ko-KR" altLang="en-US" sz="3600" dirty="0" smtClean="0">
+              <a:rPr lang="ko-KR" altLang="en-US" sz="3600" dirty="0">
                 <a:latin typeface="배달의민족 주아" pitchFamily="18" charset="-127"/>
                 <a:ea typeface="배달의민족 주아" pitchFamily="18" charset="-127"/>
               </a:rPr>
               <a:t>컨테이너와 아이템</a:t>
             </a:r>
-            <a:endParaRPr lang="en-US" altLang="ko-KR" sz="3600" dirty="0" smtClean="0">
+            <a:endParaRPr lang="en-US" altLang="ko-KR" sz="3600" dirty="0">
               <a:latin typeface="배달의민족 주아" pitchFamily="18" charset="-127"/>
               <a:ea typeface="배달의민족 주아" pitchFamily="18" charset="-127"/>
             </a:endParaRPr>
@@ -4720,7 +4678,7 @@
           </a:lstStyle>
           <a:p>
             <a:r>
-              <a:rPr lang="en-US" altLang="ko-KR" dirty="0" smtClean="0">
+              <a:rPr lang="en-US" altLang="ko-KR" dirty="0">
                 <a:solidFill>
                   <a:schemeClr val="accent5"/>
                 </a:solidFill>
@@ -4730,14 +4688,14 @@
               <a:t>S</a:t>
             </a:r>
             <a:r>
-              <a:rPr lang="en-US" altLang="ko-KR" dirty="0" smtClean="0">
+              <a:rPr lang="en-US" altLang="ko-KR" dirty="0">
                 <a:latin typeface="배달의민족 도현" pitchFamily="50" charset="-127"/>
                 <a:ea typeface="배달의민족 도현" pitchFamily="50" charset="-127"/>
               </a:rPr>
               <a:t>TART</a:t>
             </a:r>
             <a:r>
-              <a:rPr lang="en-US" altLang="ko-KR" dirty="0" smtClean="0">
+              <a:rPr lang="en-US" altLang="ko-KR" dirty="0">
                 <a:solidFill>
                   <a:schemeClr val="accent5"/>
                 </a:solidFill>
@@ -4747,7 +4705,7 @@
               <a:t>C</a:t>
             </a:r>
             <a:r>
-              <a:rPr lang="en-US" altLang="ko-KR" dirty="0" smtClean="0">
+              <a:rPr lang="en-US" altLang="ko-KR" dirty="0">
                 <a:latin typeface="배달의민족 도현" pitchFamily="50" charset="-127"/>
                 <a:ea typeface="배달의민족 도현" pitchFamily="50" charset="-127"/>
               </a:rPr>
@@ -4933,16 +4891,12 @@
           <a:lstStyle/>
           <a:p>
             <a:r>
-              <a:rPr lang="ko-KR" altLang="en-US" dirty="0" smtClean="0">
+              <a:rPr lang="ko-KR" altLang="en-US" dirty="0">
                 <a:latin typeface="배달의민족 주아" pitchFamily="18" charset="-127"/>
                 <a:ea typeface="배달의민족 주아" pitchFamily="18" charset="-127"/>
               </a:rPr>
               <a:t>컨테이너 속성</a:t>
             </a:r>
-            <a:endParaRPr lang="ko-KR" altLang="en-US" dirty="0">
-              <a:latin typeface="배달의민족 주아" pitchFamily="18" charset="-127"/>
-              <a:ea typeface="배달의민족 주아" pitchFamily="18" charset="-127"/>
-            </a:endParaRPr>
           </a:p>
         </p:txBody>
       </p:sp>
@@ -5063,7 +5017,7 @@
           </a:lstStyle>
           <a:p>
             <a:r>
-              <a:rPr lang="en-US" altLang="ko-KR" dirty="0" smtClean="0">
+              <a:rPr lang="en-US" altLang="ko-KR" dirty="0">
                 <a:solidFill>
                   <a:schemeClr val="accent5"/>
                 </a:solidFill>
@@ -5073,14 +5027,14 @@
               <a:t>S</a:t>
             </a:r>
             <a:r>
-              <a:rPr lang="en-US" altLang="ko-KR" dirty="0" smtClean="0">
+              <a:rPr lang="en-US" altLang="ko-KR" dirty="0">
                 <a:latin typeface="배달의민족 도현" pitchFamily="50" charset="-127"/>
                 <a:ea typeface="배달의민족 도현" pitchFamily="50" charset="-127"/>
               </a:rPr>
               <a:t>TART</a:t>
             </a:r>
             <a:r>
-              <a:rPr lang="en-US" altLang="ko-KR" dirty="0" smtClean="0">
+              <a:rPr lang="en-US" altLang="ko-KR" dirty="0">
                 <a:solidFill>
                   <a:schemeClr val="accent5"/>
                 </a:solidFill>
@@ -5090,7 +5044,7 @@
               <a:t>C</a:t>
             </a:r>
             <a:r>
-              <a:rPr lang="en-US" altLang="ko-KR" dirty="0" smtClean="0">
+              <a:rPr lang="en-US" altLang="ko-KR" dirty="0">
                 <a:latin typeface="배달의민족 도현" pitchFamily="50" charset="-127"/>
                 <a:ea typeface="배달의민족 도현" pitchFamily="50" charset="-127"/>
               </a:rPr>
@@ -5142,7 +5096,7 @@
           </a:lstStyle>
           <a:p>
             <a:r>
-              <a:rPr lang="en-US" altLang="ko-KR" sz="2800" dirty="0" smtClean="0">
+              <a:rPr lang="en-US" altLang="ko-KR" sz="2800" dirty="0">
                 <a:latin typeface="배달의민족 주아" pitchFamily="18" charset="-127"/>
                 <a:ea typeface="배달의민족 주아" pitchFamily="18" charset="-127"/>
               </a:rPr>
@@ -5151,7 +5105,7 @@
           </a:p>
           <a:p>
             <a:r>
-              <a:rPr lang="en-US" altLang="ko-KR" sz="2800" dirty="0" smtClean="0">
+              <a:rPr lang="en-US" altLang="ko-KR" sz="2800" dirty="0">
                 <a:latin typeface="배달의민족 주아" pitchFamily="18" charset="-127"/>
                 <a:ea typeface="배달의민족 주아" pitchFamily="18" charset="-127"/>
               </a:rPr>
@@ -5160,7 +5114,7 @@
           </a:p>
           <a:p>
             <a:r>
-              <a:rPr lang="en-US" altLang="ko-KR" sz="2800" dirty="0" smtClean="0">
+              <a:rPr lang="en-US" altLang="ko-KR" sz="2800" dirty="0">
                 <a:latin typeface="배달의민족 주아" pitchFamily="18" charset="-127"/>
                 <a:ea typeface="배달의민족 주아" pitchFamily="18" charset="-127"/>
               </a:rPr>
@@ -5169,7 +5123,7 @@
           </a:p>
           <a:p>
             <a:r>
-              <a:rPr lang="en-US" altLang="ko-KR" sz="2800" dirty="0" smtClean="0">
+              <a:rPr lang="en-US" altLang="ko-KR" sz="2800" dirty="0">
                 <a:latin typeface="배달의민족 주아" pitchFamily="18" charset="-127"/>
                 <a:ea typeface="배달의민족 주아" pitchFamily="18" charset="-127"/>
               </a:rPr>
@@ -5178,7 +5132,7 @@
           </a:p>
           <a:p>
             <a:r>
-              <a:rPr lang="en-US" altLang="ko-KR" sz="2800" dirty="0" smtClean="0">
+              <a:rPr lang="en-US" altLang="ko-KR" sz="2800" dirty="0">
                 <a:latin typeface="배달의민족 주아" pitchFamily="18" charset="-127"/>
                 <a:ea typeface="배달의민족 주아" pitchFamily="18" charset="-127"/>
               </a:rPr>
@@ -5187,7 +5141,7 @@
           </a:p>
           <a:p>
             <a:r>
-              <a:rPr lang="en-US" altLang="ko-KR" sz="2800" dirty="0" smtClean="0">
+              <a:rPr lang="en-US" altLang="ko-KR" sz="2800" dirty="0">
                 <a:latin typeface="배달의민족 주아" pitchFamily="18" charset="-127"/>
                 <a:ea typeface="배달의민족 주아" pitchFamily="18" charset="-127"/>
               </a:rPr>
@@ -5328,30 +5282,12 @@
           <a:lstStyle/>
           <a:p>
             <a:r>
-              <a:rPr lang="ko-KR" altLang="en-US" dirty="0" smtClean="0">
-                <a:latin typeface="배달의민족 주아" pitchFamily="18" charset="-127"/>
-                <a:ea typeface="배달의민족 주아" pitchFamily="18" charset="-127"/>
-              </a:rPr>
-              <a:t>아이</a:t>
-            </a:r>
-            <a:r>
               <a:rPr lang="ko-KR" altLang="en-US" dirty="0">
                 <a:latin typeface="배달의민족 주아" pitchFamily="18" charset="-127"/>
                 <a:ea typeface="배달의민족 주아" pitchFamily="18" charset="-127"/>
               </a:rPr>
-              <a:t>템</a:t>
-            </a:r>
-            <a:r>
-              <a:rPr lang="ko-KR" altLang="en-US" dirty="0" smtClean="0">
-                <a:latin typeface="배달의민족 주아" pitchFamily="18" charset="-127"/>
-                <a:ea typeface="배달의민족 주아" pitchFamily="18" charset="-127"/>
-              </a:rPr>
-              <a:t> 속성</a:t>
-            </a:r>
-            <a:endParaRPr lang="ko-KR" altLang="en-US" dirty="0">
-              <a:latin typeface="배달의민족 주아" pitchFamily="18" charset="-127"/>
-              <a:ea typeface="배달의민족 주아" pitchFamily="18" charset="-127"/>
-            </a:endParaRPr>
+              <a:t>아이템 속성</a:t>
+            </a:r>
           </a:p>
         </p:txBody>
       </p:sp>
@@ -5472,7 +5408,7 @@
           </a:lstStyle>
           <a:p>
             <a:r>
-              <a:rPr lang="en-US" altLang="ko-KR" dirty="0" smtClean="0">
+              <a:rPr lang="en-US" altLang="ko-KR" dirty="0">
                 <a:solidFill>
                   <a:schemeClr val="accent5"/>
                 </a:solidFill>
@@ -5482,14 +5418,14 @@
               <a:t>S</a:t>
             </a:r>
             <a:r>
-              <a:rPr lang="en-US" altLang="ko-KR" dirty="0" smtClean="0">
+              <a:rPr lang="en-US" altLang="ko-KR" dirty="0">
                 <a:latin typeface="배달의민족 도현" pitchFamily="50" charset="-127"/>
                 <a:ea typeface="배달의민족 도현" pitchFamily="50" charset="-127"/>
               </a:rPr>
               <a:t>TART</a:t>
             </a:r>
             <a:r>
-              <a:rPr lang="en-US" altLang="ko-KR" dirty="0" smtClean="0">
+              <a:rPr lang="en-US" altLang="ko-KR" dirty="0">
                 <a:solidFill>
                   <a:schemeClr val="accent5"/>
                 </a:solidFill>
@@ -5499,7 +5435,7 @@
               <a:t>C</a:t>
             </a:r>
             <a:r>
-              <a:rPr lang="en-US" altLang="ko-KR" dirty="0" smtClean="0">
+              <a:rPr lang="en-US" altLang="ko-KR" dirty="0">
                 <a:latin typeface="배달의민족 도현" pitchFamily="50" charset="-127"/>
                 <a:ea typeface="배달의민족 도현" pitchFamily="50" charset="-127"/>
               </a:rPr>
@@ -5551,7 +5487,7 @@
           </a:lstStyle>
           <a:p>
             <a:r>
-              <a:rPr lang="en-US" altLang="ko-KR" sz="2800" dirty="0" smtClean="0">
+              <a:rPr lang="en-US" altLang="ko-KR" sz="2800" dirty="0">
                 <a:latin typeface="배달의민족 주아" pitchFamily="18" charset="-127"/>
                 <a:ea typeface="배달의민족 주아" pitchFamily="18" charset="-127"/>
               </a:rPr>
@@ -5560,7 +5496,7 @@
           </a:p>
           <a:p>
             <a:r>
-              <a:rPr lang="en-US" altLang="ko-KR" sz="2800" dirty="0" smtClean="0">
+              <a:rPr lang="en-US" altLang="ko-KR" sz="2800" dirty="0">
                 <a:latin typeface="배달의민족 주아" pitchFamily="18" charset="-127"/>
                 <a:ea typeface="배달의민족 주아" pitchFamily="18" charset="-127"/>
               </a:rPr>
@@ -5569,7 +5505,7 @@
           </a:p>
           <a:p>
             <a:r>
-              <a:rPr lang="en-US" altLang="ko-KR" sz="2800" dirty="0" smtClean="0">
+              <a:rPr lang="en-US" altLang="ko-KR" sz="2800" dirty="0">
                 <a:latin typeface="배달의민족 주아" pitchFamily="18" charset="-127"/>
                 <a:ea typeface="배달의민족 주아" pitchFamily="18" charset="-127"/>
               </a:rPr>
@@ -5578,7 +5514,7 @@
           </a:p>
           <a:p>
             <a:r>
-              <a:rPr lang="en-US" altLang="ko-KR" sz="2800" dirty="0" smtClean="0">
+              <a:rPr lang="en-US" altLang="ko-KR" sz="2800" dirty="0">
                 <a:latin typeface="배달의민족 주아" pitchFamily="18" charset="-127"/>
                 <a:ea typeface="배달의민족 주아" pitchFamily="18" charset="-127"/>
               </a:rPr>
@@ -5587,7 +5523,7 @@
           </a:p>
           <a:p>
             <a:r>
-              <a:rPr lang="en-US" altLang="ko-KR" sz="2800" dirty="0" smtClean="0">
+              <a:rPr lang="en-US" altLang="ko-KR" sz="2800" dirty="0">
                 <a:latin typeface="배달의민족 주아" pitchFamily="18" charset="-127"/>
                 <a:ea typeface="배달의민족 주아" pitchFamily="18" charset="-127"/>
               </a:rPr>
@@ -5728,14 +5664,14 @@
           <a:lstStyle/>
           <a:p>
             <a:r>
-              <a:rPr lang="ko-KR" altLang="en-US" dirty="0" smtClean="0">
+              <a:rPr lang="ko-KR" altLang="en-US" dirty="0">
                 <a:latin typeface="배달의민족 주아" pitchFamily="18" charset="-127"/>
                 <a:ea typeface="배달의민족 주아" pitchFamily="18" charset="-127"/>
               </a:rPr>
               <a:t>중심축과 </a:t>
             </a:r>
             <a:r>
-              <a:rPr lang="ko-KR" altLang="en-US" dirty="0" err="1" smtClean="0">
+              <a:rPr lang="ko-KR" altLang="en-US" dirty="0" err="1">
                 <a:latin typeface="배달의민족 주아" pitchFamily="18" charset="-127"/>
                 <a:ea typeface="배달의민족 주아" pitchFamily="18" charset="-127"/>
               </a:rPr>
@@ -5865,7 +5801,7 @@
           </a:lstStyle>
           <a:p>
             <a:r>
-              <a:rPr lang="en-US" altLang="ko-KR" dirty="0" smtClean="0">
+              <a:rPr lang="en-US" altLang="ko-KR" dirty="0">
                 <a:solidFill>
                   <a:schemeClr val="accent5"/>
                 </a:solidFill>
@@ -5875,14 +5811,14 @@
               <a:t>S</a:t>
             </a:r>
             <a:r>
-              <a:rPr lang="en-US" altLang="ko-KR" dirty="0" smtClean="0">
+              <a:rPr lang="en-US" altLang="ko-KR" dirty="0">
                 <a:latin typeface="배달의민족 도현" pitchFamily="50" charset="-127"/>
                 <a:ea typeface="배달의민족 도현" pitchFamily="50" charset="-127"/>
               </a:rPr>
               <a:t>TART</a:t>
             </a:r>
             <a:r>
-              <a:rPr lang="en-US" altLang="ko-KR" dirty="0" smtClean="0">
+              <a:rPr lang="en-US" altLang="ko-KR" dirty="0">
                 <a:solidFill>
                   <a:schemeClr val="accent5"/>
                 </a:solidFill>
@@ -5892,7 +5828,7 @@
               <a:t>C</a:t>
             </a:r>
             <a:r>
-              <a:rPr lang="en-US" altLang="ko-KR" dirty="0" smtClean="0">
+              <a:rPr lang="en-US" altLang="ko-KR" dirty="0">
                 <a:latin typeface="배달의민족 도현" pitchFamily="50" charset="-127"/>
                 <a:ea typeface="배달의민족 도현" pitchFamily="50" charset="-127"/>
               </a:rPr>
@@ -5915,13 +5851,6 @@
   <p:clrMapOvr>
     <a:masterClrMapping/>
   </p:clrMapOvr>
-  <p:timing>
-    <p:tnLst>
-      <p:par>
-        <p:cTn id="1" dur="indefinite" restart="never" nodeType="tmRoot"/>
-      </p:par>
-    </p:tnLst>
-  </p:timing>
 </p:sld>
 </file>
 
@@ -6059,7 +5988,7 @@
           </a:lstStyle>
           <a:p>
             <a:r>
-              <a:rPr lang="en-US" altLang="ko-KR" dirty="0" smtClean="0">
+              <a:rPr lang="en-US" altLang="ko-KR" dirty="0">
                 <a:solidFill>
                   <a:schemeClr val="accent5"/>
                 </a:solidFill>
@@ -6069,14 +5998,14 @@
               <a:t>S</a:t>
             </a:r>
             <a:r>
-              <a:rPr lang="en-US" altLang="ko-KR" dirty="0" smtClean="0">
+              <a:rPr lang="en-US" altLang="ko-KR" dirty="0">
                 <a:latin typeface="배달의민족 도현" pitchFamily="50" charset="-127"/>
                 <a:ea typeface="배달의민족 도현" pitchFamily="50" charset="-127"/>
               </a:rPr>
               <a:t>TART</a:t>
             </a:r>
             <a:r>
-              <a:rPr lang="en-US" altLang="ko-KR" dirty="0" smtClean="0">
+              <a:rPr lang="en-US" altLang="ko-KR" dirty="0">
                 <a:solidFill>
                   <a:schemeClr val="accent5"/>
                 </a:solidFill>
@@ -6086,7 +6015,7 @@
               <a:t>C</a:t>
             </a:r>
             <a:r>
-              <a:rPr lang="en-US" altLang="ko-KR" dirty="0" smtClean="0">
+              <a:rPr lang="en-US" altLang="ko-KR" dirty="0">
                 <a:latin typeface="배달의민족 도현" pitchFamily="50" charset="-127"/>
                 <a:ea typeface="배달의민족 도현" pitchFamily="50" charset="-127"/>
               </a:rPr>
@@ -6349,16 +6278,12 @@
           <a:lstStyle/>
           <a:p>
             <a:r>
-              <a:rPr lang="ko-KR" altLang="en-US" b="1" dirty="0" smtClean="0">
+              <a:rPr lang="ko-KR" altLang="en-US" b="1" dirty="0">
                 <a:latin typeface="배달의민족 주아" pitchFamily="18" charset="-127"/>
                 <a:ea typeface="배달의민족 주아" pitchFamily="18" charset="-127"/>
               </a:rPr>
               <a:t>중심축</a:t>
             </a:r>
-            <a:endParaRPr lang="ko-KR" altLang="en-US" b="1" dirty="0">
-              <a:latin typeface="배달의민족 주아" pitchFamily="18" charset="-127"/>
-              <a:ea typeface="배달의민족 주아" pitchFamily="18" charset="-127"/>
-            </a:endParaRPr>
           </a:p>
         </p:txBody>
       </p:sp>
@@ -6385,25 +6310,11 @@
           <a:lstStyle/>
           <a:p>
             <a:r>
-              <a:rPr lang="ko-KR" altLang="en-US" dirty="0" err="1" smtClean="0">
-                <a:latin typeface="배달의민족 주아" pitchFamily="18" charset="-127"/>
-                <a:ea typeface="배달의민족 주아" pitchFamily="18" charset="-127"/>
-              </a:rPr>
-              <a:t>반</a:t>
-            </a:r>
-            <a:r>
               <a:rPr lang="ko-KR" altLang="en-US" dirty="0" err="1">
                 <a:latin typeface="배달의민족 주아" pitchFamily="18" charset="-127"/>
                 <a:ea typeface="배달의민족 주아" pitchFamily="18" charset="-127"/>
               </a:rPr>
-              <a:t>대</a:t>
-            </a:r>
-            <a:r>
-              <a:rPr lang="ko-KR" altLang="en-US" dirty="0" err="1" smtClean="0">
-                <a:latin typeface="배달의민족 주아" pitchFamily="18" charset="-127"/>
-                <a:ea typeface="배달의민족 주아" pitchFamily="18" charset="-127"/>
-              </a:rPr>
-              <a:t>축</a:t>
+              <a:t>반대축</a:t>
             </a:r>
             <a:endParaRPr lang="ko-KR" altLang="en-US" dirty="0">
               <a:latin typeface="배달의민족 주아" pitchFamily="18" charset="-127"/>
@@ -6422,13 +6333,6 @@
   <p:clrMapOvr>
     <a:masterClrMapping/>
   </p:clrMapOvr>
-  <p:timing>
-    <p:tnLst>
-      <p:par>
-        <p:cTn id="1" dur="indefinite" restart="never" nodeType="tmRoot"/>
-      </p:par>
-    </p:tnLst>
-  </p:timing>
 </p:sld>
 </file>
 
@@ -6566,7 +6470,7 @@
           </a:lstStyle>
           <a:p>
             <a:r>
-              <a:rPr lang="en-US" altLang="ko-KR" dirty="0" smtClean="0">
+              <a:rPr lang="en-US" altLang="ko-KR" dirty="0">
                 <a:solidFill>
                   <a:schemeClr val="accent5"/>
                 </a:solidFill>
@@ -6576,14 +6480,14 @@
               <a:t>S</a:t>
             </a:r>
             <a:r>
-              <a:rPr lang="en-US" altLang="ko-KR" dirty="0" smtClean="0">
+              <a:rPr lang="en-US" altLang="ko-KR" dirty="0">
                 <a:latin typeface="배달의민족 도현" pitchFamily="50" charset="-127"/>
                 <a:ea typeface="배달의민족 도현" pitchFamily="50" charset="-127"/>
               </a:rPr>
               <a:t>TART</a:t>
             </a:r>
             <a:r>
-              <a:rPr lang="en-US" altLang="ko-KR" dirty="0" smtClean="0">
+              <a:rPr lang="en-US" altLang="ko-KR" dirty="0">
                 <a:solidFill>
                   <a:schemeClr val="accent5"/>
                 </a:solidFill>
@@ -6593,7 +6497,7 @@
               <a:t>C</a:t>
             </a:r>
             <a:r>
-              <a:rPr lang="en-US" altLang="ko-KR" dirty="0" smtClean="0">
+              <a:rPr lang="en-US" altLang="ko-KR" dirty="0">
                 <a:latin typeface="배달의민족 도현" pitchFamily="50" charset="-127"/>
                 <a:ea typeface="배달의민족 도현" pitchFamily="50" charset="-127"/>
               </a:rPr>
@@ -6856,25 +6760,11 @@
           <a:lstStyle/>
           <a:p>
             <a:r>
-              <a:rPr lang="ko-KR" altLang="en-US" b="1" smtClean="0">
-                <a:latin typeface="배달의민족 주아" pitchFamily="18" charset="-127"/>
-                <a:ea typeface="배달의민족 주아" pitchFamily="18" charset="-127"/>
-              </a:rPr>
-              <a:t>반</a:t>
-            </a:r>
-            <a:r>
               <a:rPr lang="ko-KR" altLang="en-US" b="1">
                 <a:latin typeface="배달의민족 주아" pitchFamily="18" charset="-127"/>
                 <a:ea typeface="배달의민족 주아" pitchFamily="18" charset="-127"/>
               </a:rPr>
-              <a:t>대</a:t>
-            </a:r>
-            <a:r>
-              <a:rPr lang="ko-KR" altLang="en-US" b="1" smtClean="0">
-                <a:latin typeface="배달의민족 주아" pitchFamily="18" charset="-127"/>
-                <a:ea typeface="배달의민족 주아" pitchFamily="18" charset="-127"/>
-              </a:rPr>
-              <a:t>축</a:t>
+              <a:t>반대축</a:t>
             </a:r>
             <a:endParaRPr lang="ko-KR" altLang="en-US" b="1" dirty="0">
               <a:latin typeface="배달의민족 주아" pitchFamily="18" charset="-127"/>
@@ -6906,30 +6796,12 @@
           <a:lstStyle/>
           <a:p>
             <a:r>
-              <a:rPr lang="ko-KR" altLang="en-US" dirty="0" smtClean="0">
-                <a:latin typeface="배달의민족 주아" pitchFamily="18" charset="-127"/>
-                <a:ea typeface="배달의민족 주아" pitchFamily="18" charset="-127"/>
-              </a:rPr>
-              <a:t>중</a:t>
-            </a:r>
-            <a:r>
               <a:rPr lang="ko-KR" altLang="en-US" dirty="0">
                 <a:latin typeface="배달의민족 주아" pitchFamily="18" charset="-127"/>
                 <a:ea typeface="배달의민족 주아" pitchFamily="18" charset="-127"/>
               </a:rPr>
-              <a:t>심</a:t>
-            </a:r>
-            <a:r>
-              <a:rPr lang="ko-KR" altLang="en-US" dirty="0" smtClean="0">
-                <a:latin typeface="배달의민족 주아" pitchFamily="18" charset="-127"/>
-                <a:ea typeface="배달의민족 주아" pitchFamily="18" charset="-127"/>
-              </a:rPr>
-              <a:t>축</a:t>
-            </a:r>
-            <a:endParaRPr lang="ko-KR" altLang="en-US" dirty="0">
-              <a:latin typeface="배달의민족 주아" pitchFamily="18" charset="-127"/>
-              <a:ea typeface="배달의민족 주아" pitchFamily="18" charset="-127"/>
-            </a:endParaRPr>
+              <a:t>중심축</a:t>
+            </a:r>
           </a:p>
         </p:txBody>
       </p:sp>
@@ -6943,13 +6815,6 @@
   <p:clrMapOvr>
     <a:masterClrMapping/>
   </p:clrMapOvr>
-  <p:timing>
-    <p:tnLst>
-      <p:par>
-        <p:cTn id="1" dur="indefinite" restart="never" nodeType="tmRoot"/>
-      </p:par>
-    </p:tnLst>
-  </p:timing>
 </p:sld>
 </file>
 

--- a/프론트엔드기초(PPT)/CSS3 8강_CSS 플렉스박스 레이아웃.pptx
+++ b/프론트엔드기초(PPT)/CSS3 8강_CSS 플렉스박스 레이아웃.pptx
@@ -5,19 +5,24 @@
     <p:sldMasterId id="2147483648" r:id="rId1"/>
   </p:sldMasterIdLst>
   <p:notesMasterIdLst>
-    <p:notesMasterId r:id="rId12"/>
+    <p:notesMasterId r:id="rId17"/>
   </p:notesMasterIdLst>
   <p:sldIdLst>
     <p:sldId id="256" r:id="rId2"/>
     <p:sldId id="262" r:id="rId3"/>
-    <p:sldId id="257" r:id="rId4"/>
-    <p:sldId id="324" r:id="rId5"/>
-    <p:sldId id="318" r:id="rId6"/>
-    <p:sldId id="325" r:id="rId7"/>
-    <p:sldId id="326" r:id="rId8"/>
-    <p:sldId id="327" r:id="rId9"/>
-    <p:sldId id="328" r:id="rId10"/>
-    <p:sldId id="263" r:id="rId11"/>
+    <p:sldId id="329" r:id="rId4"/>
+    <p:sldId id="330" r:id="rId5"/>
+    <p:sldId id="257" r:id="rId6"/>
+    <p:sldId id="324" r:id="rId7"/>
+    <p:sldId id="327" r:id="rId8"/>
+    <p:sldId id="328" r:id="rId9"/>
+    <p:sldId id="318" r:id="rId10"/>
+    <p:sldId id="325" r:id="rId11"/>
+    <p:sldId id="331" r:id="rId12"/>
+    <p:sldId id="332" r:id="rId13"/>
+    <p:sldId id="333" r:id="rId14"/>
+    <p:sldId id="334" r:id="rId15"/>
+    <p:sldId id="263" r:id="rId16"/>
   </p:sldIdLst>
   <p:sldSz cx="9144000" cy="6858000" type="screen4x3"/>
   <p:notesSz cx="6858000" cy="9144000"/>
@@ -217,7 +222,7 @@
           <a:p>
             <a:fld id="{3547FDC5-66A3-47B5-9CCE-43836CF927EE}" type="datetimeFigureOut">
               <a:rPr lang="ko-KR" altLang="en-US" smtClean="0"/>
-              <a:t>2020-10-09</a:t>
+              <a:t>2020-11-03</a:t>
             </a:fld>
             <a:endParaRPr lang="ko-KR" altLang="en-US"/>
           </a:p>
@@ -663,7 +668,7 @@
           <a:p>
             <a:fld id="{FB30EDBD-1C2D-4C1E-B459-B60219FAB484}" type="datetimeFigureOut">
               <a:rPr lang="ko-KR" altLang="en-US" smtClean="0"/>
-              <a:t>2020-10-09</a:t>
+              <a:t>2020-11-03</a:t>
             </a:fld>
             <a:endParaRPr lang="ko-KR" altLang="en-US"/>
           </a:p>
@@ -826,7 +831,7 @@
           <a:p>
             <a:fld id="{FB30EDBD-1C2D-4C1E-B459-B60219FAB484}" type="datetimeFigureOut">
               <a:rPr lang="ko-KR" altLang="en-US" smtClean="0"/>
-              <a:t>2020-10-09</a:t>
+              <a:t>2020-11-03</a:t>
             </a:fld>
             <a:endParaRPr lang="ko-KR" altLang="en-US"/>
           </a:p>
@@ -999,7 +1004,7 @@
           <a:p>
             <a:fld id="{FB30EDBD-1C2D-4C1E-B459-B60219FAB484}" type="datetimeFigureOut">
               <a:rPr lang="ko-KR" altLang="en-US" smtClean="0"/>
-              <a:t>2020-10-09</a:t>
+              <a:t>2020-11-03</a:t>
             </a:fld>
             <a:endParaRPr lang="ko-KR" altLang="en-US"/>
           </a:p>
@@ -1162,7 +1167,7 @@
           <a:p>
             <a:fld id="{FB30EDBD-1C2D-4C1E-B459-B60219FAB484}" type="datetimeFigureOut">
               <a:rPr lang="ko-KR" altLang="en-US" smtClean="0"/>
-              <a:t>2020-10-09</a:t>
+              <a:t>2020-11-03</a:t>
             </a:fld>
             <a:endParaRPr lang="ko-KR" altLang="en-US"/>
           </a:p>
@@ -1402,7 +1407,7 @@
           <a:p>
             <a:fld id="{FB30EDBD-1C2D-4C1E-B459-B60219FAB484}" type="datetimeFigureOut">
               <a:rPr lang="ko-KR" altLang="en-US" smtClean="0"/>
-              <a:t>2020-10-09</a:t>
+              <a:t>2020-11-03</a:t>
             </a:fld>
             <a:endParaRPr lang="ko-KR" altLang="en-US"/>
           </a:p>
@@ -1682,7 +1687,7 @@
           <a:p>
             <a:fld id="{FB30EDBD-1C2D-4C1E-B459-B60219FAB484}" type="datetimeFigureOut">
               <a:rPr lang="ko-KR" altLang="en-US" smtClean="0"/>
-              <a:t>2020-10-09</a:t>
+              <a:t>2020-11-03</a:t>
             </a:fld>
             <a:endParaRPr lang="ko-KR" altLang="en-US"/>
           </a:p>
@@ -2096,7 +2101,7 @@
           <a:p>
             <a:fld id="{FB30EDBD-1C2D-4C1E-B459-B60219FAB484}" type="datetimeFigureOut">
               <a:rPr lang="ko-KR" altLang="en-US" smtClean="0"/>
-              <a:t>2020-10-09</a:t>
+              <a:t>2020-11-03</a:t>
             </a:fld>
             <a:endParaRPr lang="ko-KR" altLang="en-US"/>
           </a:p>
@@ -2208,7 +2213,7 @@
           <a:p>
             <a:fld id="{FB30EDBD-1C2D-4C1E-B459-B60219FAB484}" type="datetimeFigureOut">
               <a:rPr lang="ko-KR" altLang="en-US" smtClean="0"/>
-              <a:t>2020-10-09</a:t>
+              <a:t>2020-11-03</a:t>
             </a:fld>
             <a:endParaRPr lang="ko-KR" altLang="en-US"/>
           </a:p>
@@ -2298,7 +2303,7 @@
           <a:p>
             <a:fld id="{FB30EDBD-1C2D-4C1E-B459-B60219FAB484}" type="datetimeFigureOut">
               <a:rPr lang="ko-KR" altLang="en-US" smtClean="0"/>
-              <a:t>2020-10-09</a:t>
+              <a:t>2020-11-03</a:t>
             </a:fld>
             <a:endParaRPr lang="ko-KR" altLang="en-US"/>
           </a:p>
@@ -2568,7 +2573,7 @@
           <a:p>
             <a:fld id="{FB30EDBD-1C2D-4C1E-B459-B60219FAB484}" type="datetimeFigureOut">
               <a:rPr lang="ko-KR" altLang="en-US" smtClean="0"/>
-              <a:t>2020-10-09</a:t>
+              <a:t>2020-11-03</a:t>
             </a:fld>
             <a:endParaRPr lang="ko-KR" altLang="en-US"/>
           </a:p>
@@ -2815,7 +2820,7 @@
           <a:p>
             <a:fld id="{FB30EDBD-1C2D-4C1E-B459-B60219FAB484}" type="datetimeFigureOut">
               <a:rPr lang="ko-KR" altLang="en-US" smtClean="0"/>
-              <a:t>2020-10-09</a:t>
+              <a:t>2020-11-03</a:t>
             </a:fld>
             <a:endParaRPr lang="ko-KR" altLang="en-US"/>
           </a:p>
@@ -3021,7 +3026,7 @@
           <a:p>
             <a:fld id="{FB30EDBD-1C2D-4C1E-B459-B60219FAB484}" type="datetimeFigureOut">
               <a:rPr lang="ko-KR" altLang="en-US" smtClean="0"/>
-              <a:t>2020-10-09</a:t>
+              <a:t>2020-11-03</a:t>
             </a:fld>
             <a:endParaRPr lang="ko-KR" altLang="en-US"/>
           </a:p>
@@ -3676,6 +3681,2926 @@
       </p:grpSpPr>
       <p:sp>
         <p:nvSpPr>
+          <p:cNvPr id="2" name="제목 1"/>
+          <p:cNvSpPr>
+            <a:spLocks noGrp="1"/>
+          </p:cNvSpPr>
+          <p:nvPr>
+            <p:ph type="ctrTitle"/>
+          </p:nvPr>
+        </p:nvSpPr>
+        <p:spPr/>
+        <p:txBody>
+          <a:bodyPr/>
+          <a:lstStyle/>
+          <a:p>
+            <a:r>
+              <a:rPr lang="ko-KR" altLang="en-US" dirty="0">
+                <a:latin typeface="배달의민족 주아" pitchFamily="18" charset="-127"/>
+                <a:ea typeface="배달의민족 주아" pitchFamily="18" charset="-127"/>
+              </a:rPr>
+              <a:t>아이템 속성</a:t>
+            </a:r>
+          </a:p>
+        </p:txBody>
+      </p:sp>
+      <p:sp>
+        <p:nvSpPr>
+          <p:cNvPr id="3" name="TextBox 2"/>
+          <p:cNvSpPr txBox="1"/>
+          <p:nvPr/>
+        </p:nvSpPr>
+        <p:spPr>
+          <a:xfrm>
+            <a:off x="6948264" y="6093296"/>
+            <a:ext cx="1838965" cy="369332"/>
+          </a:xfrm>
+          <a:prstGeom prst="rect">
+            <a:avLst/>
+          </a:prstGeom>
+          <a:noFill/>
+        </p:spPr>
+        <p:txBody>
+          <a:bodyPr wrap="none" rtlCol="0">
+            <a:spAutoFit/>
+          </a:bodyPr>
+          <a:lstStyle>
+            <a:defPPr>
+              <a:defRPr lang="ko-KR"/>
+            </a:defPPr>
+            <a:lvl1pPr marL="0" algn="l" defTabSz="914400" rtl="0" eaLnBrk="1" latinLnBrk="1" hangingPunct="1">
+              <a:defRPr sz="1800" kern="1200">
+                <a:solidFill>
+                  <a:schemeClr val="tx1"/>
+                </a:solidFill>
+                <a:latin typeface="+mn-lt"/>
+                <a:ea typeface="+mn-ea"/>
+                <a:cs typeface="+mn-cs"/>
+              </a:defRPr>
+            </a:lvl1pPr>
+            <a:lvl2pPr marL="457200" algn="l" defTabSz="914400" rtl="0" eaLnBrk="1" latinLnBrk="1" hangingPunct="1">
+              <a:defRPr sz="1800" kern="1200">
+                <a:solidFill>
+                  <a:schemeClr val="tx1"/>
+                </a:solidFill>
+                <a:latin typeface="+mn-lt"/>
+                <a:ea typeface="+mn-ea"/>
+                <a:cs typeface="+mn-cs"/>
+              </a:defRPr>
+            </a:lvl2pPr>
+            <a:lvl3pPr marL="914400" algn="l" defTabSz="914400" rtl="0" eaLnBrk="1" latinLnBrk="1" hangingPunct="1">
+              <a:defRPr sz="1800" kern="1200">
+                <a:solidFill>
+                  <a:schemeClr val="tx1"/>
+                </a:solidFill>
+                <a:latin typeface="+mn-lt"/>
+                <a:ea typeface="+mn-ea"/>
+                <a:cs typeface="+mn-cs"/>
+              </a:defRPr>
+            </a:lvl3pPr>
+            <a:lvl4pPr marL="1371600" algn="l" defTabSz="914400" rtl="0" eaLnBrk="1" latinLnBrk="1" hangingPunct="1">
+              <a:defRPr sz="1800" kern="1200">
+                <a:solidFill>
+                  <a:schemeClr val="tx1"/>
+                </a:solidFill>
+                <a:latin typeface="+mn-lt"/>
+                <a:ea typeface="+mn-ea"/>
+                <a:cs typeface="+mn-cs"/>
+              </a:defRPr>
+            </a:lvl4pPr>
+            <a:lvl5pPr marL="1828800" algn="l" defTabSz="914400" rtl="0" eaLnBrk="1" latinLnBrk="1" hangingPunct="1">
+              <a:defRPr sz="1800" kern="1200">
+                <a:solidFill>
+                  <a:schemeClr val="tx1"/>
+                </a:solidFill>
+                <a:latin typeface="+mn-lt"/>
+                <a:ea typeface="+mn-ea"/>
+                <a:cs typeface="+mn-cs"/>
+              </a:defRPr>
+            </a:lvl5pPr>
+            <a:lvl6pPr marL="2286000" algn="l" defTabSz="914400" rtl="0" eaLnBrk="1" latinLnBrk="1" hangingPunct="1">
+              <a:defRPr sz="1800" kern="1200">
+                <a:solidFill>
+                  <a:schemeClr val="tx1"/>
+                </a:solidFill>
+                <a:latin typeface="+mn-lt"/>
+                <a:ea typeface="+mn-ea"/>
+                <a:cs typeface="+mn-cs"/>
+              </a:defRPr>
+            </a:lvl6pPr>
+            <a:lvl7pPr marL="2743200" algn="l" defTabSz="914400" rtl="0" eaLnBrk="1" latinLnBrk="1" hangingPunct="1">
+              <a:defRPr sz="1800" kern="1200">
+                <a:solidFill>
+                  <a:schemeClr val="tx1"/>
+                </a:solidFill>
+                <a:latin typeface="+mn-lt"/>
+                <a:ea typeface="+mn-ea"/>
+                <a:cs typeface="+mn-cs"/>
+              </a:defRPr>
+            </a:lvl7pPr>
+            <a:lvl8pPr marL="3200400" algn="l" defTabSz="914400" rtl="0" eaLnBrk="1" latinLnBrk="1" hangingPunct="1">
+              <a:defRPr sz="1800" kern="1200">
+                <a:solidFill>
+                  <a:schemeClr val="tx1"/>
+                </a:solidFill>
+                <a:latin typeface="+mn-lt"/>
+                <a:ea typeface="+mn-ea"/>
+                <a:cs typeface="+mn-cs"/>
+              </a:defRPr>
+            </a:lvl8pPr>
+            <a:lvl9pPr marL="3657600" algn="l" defTabSz="914400" rtl="0" eaLnBrk="1" latinLnBrk="1" hangingPunct="1">
+              <a:defRPr sz="1800" kern="1200">
+                <a:solidFill>
+                  <a:schemeClr val="tx1"/>
+                </a:solidFill>
+                <a:latin typeface="+mn-lt"/>
+                <a:ea typeface="+mn-ea"/>
+                <a:cs typeface="+mn-cs"/>
+              </a:defRPr>
+            </a:lvl9pPr>
+          </a:lstStyle>
+          <a:p>
+            <a:r>
+              <a:rPr lang="en-US" altLang="ko-KR" dirty="0">
+                <a:solidFill>
+                  <a:schemeClr val="accent5"/>
+                </a:solidFill>
+                <a:latin typeface="배달의민족 도현" pitchFamily="50" charset="-127"/>
+                <a:ea typeface="배달의민족 도현" pitchFamily="50" charset="-127"/>
+              </a:rPr>
+              <a:t>S</a:t>
+            </a:r>
+            <a:r>
+              <a:rPr lang="en-US" altLang="ko-KR" dirty="0">
+                <a:latin typeface="배달의민족 도현" pitchFamily="50" charset="-127"/>
+                <a:ea typeface="배달의민족 도현" pitchFamily="50" charset="-127"/>
+              </a:rPr>
+              <a:t>TART</a:t>
+            </a:r>
+            <a:r>
+              <a:rPr lang="en-US" altLang="ko-KR" dirty="0">
+                <a:solidFill>
+                  <a:schemeClr val="accent5"/>
+                </a:solidFill>
+                <a:latin typeface="배달의민족 도현" pitchFamily="50" charset="-127"/>
+                <a:ea typeface="배달의민족 도현" pitchFamily="50" charset="-127"/>
+              </a:rPr>
+              <a:t>C</a:t>
+            </a:r>
+            <a:r>
+              <a:rPr lang="en-US" altLang="ko-KR" dirty="0">
+                <a:latin typeface="배달의민족 도현" pitchFamily="50" charset="-127"/>
+                <a:ea typeface="배달의민족 도현" pitchFamily="50" charset="-127"/>
+              </a:rPr>
+              <a:t>ODING</a:t>
+            </a:r>
+            <a:endParaRPr lang="ko-KR" altLang="en-US" dirty="0">
+              <a:latin typeface="배달의민족 도현" pitchFamily="50" charset="-127"/>
+              <a:ea typeface="배달의민족 도현" pitchFamily="50" charset="-127"/>
+            </a:endParaRPr>
+          </a:p>
+        </p:txBody>
+      </p:sp>
+      <p:sp>
+        <p:nvSpPr>
+          <p:cNvPr id="4" name="제목 1"/>
+          <p:cNvSpPr txBox="1">
+            <a:spLocks/>
+          </p:cNvSpPr>
+          <p:nvPr/>
+        </p:nvSpPr>
+        <p:spPr>
+          <a:xfrm>
+            <a:off x="755576" y="3573016"/>
+            <a:ext cx="7344816" cy="2160240"/>
+          </a:xfrm>
+          <a:prstGeom prst="rect">
+            <a:avLst/>
+          </a:prstGeom>
+        </p:spPr>
+        <p:txBody>
+          <a:bodyPr vert="horz" lIns="91440" tIns="45720" rIns="91440" bIns="45720" rtlCol="0" anchor="ctr">
+            <a:normAutofit lnSpcReduction="10000"/>
+          </a:bodyPr>
+          <a:lstStyle>
+            <a:lvl1pPr algn="ctr" defTabSz="914400" rtl="0" eaLnBrk="1" latinLnBrk="1" hangingPunct="1">
+              <a:spcBef>
+                <a:spcPct val="0"/>
+              </a:spcBef>
+              <a:buNone/>
+              <a:defRPr sz="4400" kern="1200">
+                <a:solidFill>
+                  <a:schemeClr val="tx1"/>
+                </a:solidFill>
+                <a:latin typeface="+mj-lt"/>
+                <a:ea typeface="+mj-ea"/>
+                <a:cs typeface="+mj-cs"/>
+              </a:defRPr>
+            </a:lvl1pPr>
+          </a:lstStyle>
+          <a:p>
+            <a:r>
+              <a:rPr lang="en-US" altLang="ko-KR" sz="2800" dirty="0">
+                <a:latin typeface="배달의민족 주아" pitchFamily="18" charset="-127"/>
+                <a:ea typeface="배달의민족 주아" pitchFamily="18" charset="-127"/>
+              </a:rPr>
+              <a:t>flex-basis</a:t>
+            </a:r>
+          </a:p>
+          <a:p>
+            <a:r>
+              <a:rPr lang="en-US" altLang="ko-KR" sz="2800" dirty="0">
+                <a:latin typeface="배달의민족 주아" pitchFamily="18" charset="-127"/>
+                <a:ea typeface="배달의민족 주아" pitchFamily="18" charset="-127"/>
+              </a:rPr>
+              <a:t>flex-grow</a:t>
+            </a:r>
+          </a:p>
+          <a:p>
+            <a:r>
+              <a:rPr lang="en-US" altLang="ko-KR" sz="2800" dirty="0">
+                <a:latin typeface="배달의민족 주아" pitchFamily="18" charset="-127"/>
+                <a:ea typeface="배달의민족 주아" pitchFamily="18" charset="-127"/>
+              </a:rPr>
+              <a:t>flex-shrink</a:t>
+            </a:r>
+          </a:p>
+          <a:p>
+            <a:r>
+              <a:rPr lang="en-US" altLang="ko-KR" sz="2800" dirty="0">
+                <a:latin typeface="배달의민족 주아" pitchFamily="18" charset="-127"/>
+                <a:ea typeface="배달의민족 주아" pitchFamily="18" charset="-127"/>
+              </a:rPr>
+              <a:t>order</a:t>
+            </a:r>
+          </a:p>
+          <a:p>
+            <a:r>
+              <a:rPr lang="en-US" altLang="ko-KR" sz="2800" dirty="0">
+                <a:latin typeface="배달의민족 주아" pitchFamily="18" charset="-127"/>
+                <a:ea typeface="배달의민족 주아" pitchFamily="18" charset="-127"/>
+              </a:rPr>
+              <a:t>align-self</a:t>
+            </a:r>
+          </a:p>
+        </p:txBody>
+      </p:sp>
+    </p:spTree>
+    <p:extLst>
+      <p:ext uri="{BB962C8B-B14F-4D97-AF65-F5344CB8AC3E}">
+        <p14:creationId xmlns:p14="http://schemas.microsoft.com/office/powerpoint/2010/main" val="40464314"/>
+      </p:ext>
+    </p:extLst>
+  </p:cSld>
+  <p:clrMapOvr>
+    <a:masterClrMapping/>
+  </p:clrMapOvr>
+  <p:timing>
+    <p:tnLst>
+      <p:par>
+        <p:cTn id="1" dur="indefinite" restart="never" nodeType="tmRoot">
+          <p:childTnLst>
+            <p:seq concurrent="1" nextAc="seek">
+              <p:cTn id="2" dur="indefinite" nodeType="mainSeq">
+                <p:childTnLst>
+                  <p:par>
+                    <p:cTn id="3" fill="hold">
+                      <p:stCondLst>
+                        <p:cond delay="indefinite"/>
+                      </p:stCondLst>
+                      <p:childTnLst>
+                        <p:par>
+                          <p:cTn id="4" fill="hold">
+                            <p:stCondLst>
+                              <p:cond delay="0"/>
+                            </p:stCondLst>
+                            <p:childTnLst>
+                              <p:par>
+                                <p:cTn id="5" presetID="10" presetClass="entr" presetSubtype="0" fill="hold" grpId="0" nodeType="clickEffect">
+                                  <p:stCondLst>
+                                    <p:cond delay="0"/>
+                                  </p:stCondLst>
+                                  <p:childTnLst>
+                                    <p:set>
+                                      <p:cBhvr>
+                                        <p:cTn id="6" dur="1" fill="hold">
+                                          <p:stCondLst>
+                                            <p:cond delay="0"/>
+                                          </p:stCondLst>
+                                        </p:cTn>
+                                        <p:tgtEl>
+                                          <p:spTgt spid="4"/>
+                                        </p:tgtEl>
+                                        <p:attrNameLst>
+                                          <p:attrName>style.visibility</p:attrName>
+                                        </p:attrNameLst>
+                                      </p:cBhvr>
+                                      <p:to>
+                                        <p:strVal val="visible"/>
+                                      </p:to>
+                                    </p:set>
+                                    <p:animEffect transition="in" filter="fade">
+                                      <p:cBhvr>
+                                        <p:cTn id="7" dur="500"/>
+                                        <p:tgtEl>
+                                          <p:spTgt spid="4"/>
+                                        </p:tgtEl>
+                                      </p:cBhvr>
+                                    </p:animEffect>
+                                  </p:childTnLst>
+                                </p:cTn>
+                              </p:par>
+                            </p:childTnLst>
+                          </p:cTn>
+                        </p:par>
+                      </p:childTnLst>
+                    </p:cTn>
+                  </p:par>
+                </p:childTnLst>
+              </p:cTn>
+              <p:prevCondLst>
+                <p:cond evt="onPrev" delay="0">
+                  <p:tgtEl>
+                    <p:sldTgt/>
+                  </p:tgtEl>
+                </p:cond>
+              </p:prevCondLst>
+              <p:nextCondLst>
+                <p:cond evt="onNext" delay="0">
+                  <p:tgtEl>
+                    <p:sldTgt/>
+                  </p:tgtEl>
+                </p:cond>
+              </p:nextCondLst>
+            </p:seq>
+          </p:childTnLst>
+        </p:cTn>
+      </p:par>
+    </p:tnLst>
+    <p:bldLst>
+      <p:bldP spid="4" grpId="0"/>
+    </p:bldLst>
+  </p:timing>
+</p:sld>
+</file>
+
+<file path=ppt/slides/slide11.xml><?xml version="1.0" encoding="utf-8"?>
+<p:sld xmlns:a="http://schemas.openxmlformats.org/drawingml/2006/main" xmlns:r="http://schemas.openxmlformats.org/officeDocument/2006/relationships" xmlns:p="http://schemas.openxmlformats.org/presentationml/2006/main">
+  <p:cSld>
+    <p:spTree>
+      <p:nvGrpSpPr>
+        <p:cNvPr id="1" name=""/>
+        <p:cNvGrpSpPr/>
+        <p:nvPr/>
+      </p:nvGrpSpPr>
+      <p:grpSpPr>
+        <a:xfrm>
+          <a:off x="0" y="0"/>
+          <a:ext cx="0" cy="0"/>
+          <a:chOff x="0" y="0"/>
+          <a:chExt cx="0" cy="0"/>
+        </a:xfrm>
+      </p:grpSpPr>
+      <p:sp>
+        <p:nvSpPr>
+          <p:cNvPr id="2" name="제목 1"/>
+          <p:cNvSpPr>
+            <a:spLocks noGrp="1"/>
+          </p:cNvSpPr>
+          <p:nvPr>
+            <p:ph type="ctrTitle"/>
+          </p:nvPr>
+        </p:nvSpPr>
+        <p:spPr>
+          <a:xfrm>
+            <a:off x="685800" y="0"/>
+            <a:ext cx="7772400" cy="1470025"/>
+          </a:xfrm>
+        </p:spPr>
+        <p:txBody>
+          <a:bodyPr/>
+          <a:lstStyle/>
+          <a:p>
+            <a:r>
+              <a:rPr lang="ko-KR" altLang="en-US" dirty="0">
+                <a:latin typeface="배달의민족 주아" pitchFamily="18" charset="-127"/>
+                <a:ea typeface="배달의민족 주아" pitchFamily="18" charset="-127"/>
+              </a:rPr>
+              <a:t>컨테이너 속성</a:t>
+            </a:r>
+          </a:p>
+        </p:txBody>
+      </p:sp>
+      <p:sp>
+        <p:nvSpPr>
+          <p:cNvPr id="3" name="TextBox 2"/>
+          <p:cNvSpPr txBox="1"/>
+          <p:nvPr/>
+        </p:nvSpPr>
+        <p:spPr>
+          <a:xfrm>
+            <a:off x="6948264" y="6093296"/>
+            <a:ext cx="1838965" cy="369332"/>
+          </a:xfrm>
+          <a:prstGeom prst="rect">
+            <a:avLst/>
+          </a:prstGeom>
+          <a:noFill/>
+        </p:spPr>
+        <p:txBody>
+          <a:bodyPr wrap="none" rtlCol="0">
+            <a:spAutoFit/>
+          </a:bodyPr>
+          <a:lstStyle>
+            <a:defPPr>
+              <a:defRPr lang="ko-KR"/>
+            </a:defPPr>
+            <a:lvl1pPr marL="0" algn="l" defTabSz="914400" rtl="0" eaLnBrk="1" latinLnBrk="1" hangingPunct="1">
+              <a:defRPr sz="1800" kern="1200">
+                <a:solidFill>
+                  <a:schemeClr val="tx1"/>
+                </a:solidFill>
+                <a:latin typeface="+mn-lt"/>
+                <a:ea typeface="+mn-ea"/>
+                <a:cs typeface="+mn-cs"/>
+              </a:defRPr>
+            </a:lvl1pPr>
+            <a:lvl2pPr marL="457200" algn="l" defTabSz="914400" rtl="0" eaLnBrk="1" latinLnBrk="1" hangingPunct="1">
+              <a:defRPr sz="1800" kern="1200">
+                <a:solidFill>
+                  <a:schemeClr val="tx1"/>
+                </a:solidFill>
+                <a:latin typeface="+mn-lt"/>
+                <a:ea typeface="+mn-ea"/>
+                <a:cs typeface="+mn-cs"/>
+              </a:defRPr>
+            </a:lvl2pPr>
+            <a:lvl3pPr marL="914400" algn="l" defTabSz="914400" rtl="0" eaLnBrk="1" latinLnBrk="1" hangingPunct="1">
+              <a:defRPr sz="1800" kern="1200">
+                <a:solidFill>
+                  <a:schemeClr val="tx1"/>
+                </a:solidFill>
+                <a:latin typeface="+mn-lt"/>
+                <a:ea typeface="+mn-ea"/>
+                <a:cs typeface="+mn-cs"/>
+              </a:defRPr>
+            </a:lvl3pPr>
+            <a:lvl4pPr marL="1371600" algn="l" defTabSz="914400" rtl="0" eaLnBrk="1" latinLnBrk="1" hangingPunct="1">
+              <a:defRPr sz="1800" kern="1200">
+                <a:solidFill>
+                  <a:schemeClr val="tx1"/>
+                </a:solidFill>
+                <a:latin typeface="+mn-lt"/>
+                <a:ea typeface="+mn-ea"/>
+                <a:cs typeface="+mn-cs"/>
+              </a:defRPr>
+            </a:lvl4pPr>
+            <a:lvl5pPr marL="1828800" algn="l" defTabSz="914400" rtl="0" eaLnBrk="1" latinLnBrk="1" hangingPunct="1">
+              <a:defRPr sz="1800" kern="1200">
+                <a:solidFill>
+                  <a:schemeClr val="tx1"/>
+                </a:solidFill>
+                <a:latin typeface="+mn-lt"/>
+                <a:ea typeface="+mn-ea"/>
+                <a:cs typeface="+mn-cs"/>
+              </a:defRPr>
+            </a:lvl5pPr>
+            <a:lvl6pPr marL="2286000" algn="l" defTabSz="914400" rtl="0" eaLnBrk="1" latinLnBrk="1" hangingPunct="1">
+              <a:defRPr sz="1800" kern="1200">
+                <a:solidFill>
+                  <a:schemeClr val="tx1"/>
+                </a:solidFill>
+                <a:latin typeface="+mn-lt"/>
+                <a:ea typeface="+mn-ea"/>
+                <a:cs typeface="+mn-cs"/>
+              </a:defRPr>
+            </a:lvl6pPr>
+            <a:lvl7pPr marL="2743200" algn="l" defTabSz="914400" rtl="0" eaLnBrk="1" latinLnBrk="1" hangingPunct="1">
+              <a:defRPr sz="1800" kern="1200">
+                <a:solidFill>
+                  <a:schemeClr val="tx1"/>
+                </a:solidFill>
+                <a:latin typeface="+mn-lt"/>
+                <a:ea typeface="+mn-ea"/>
+                <a:cs typeface="+mn-cs"/>
+              </a:defRPr>
+            </a:lvl7pPr>
+            <a:lvl8pPr marL="3200400" algn="l" defTabSz="914400" rtl="0" eaLnBrk="1" latinLnBrk="1" hangingPunct="1">
+              <a:defRPr sz="1800" kern="1200">
+                <a:solidFill>
+                  <a:schemeClr val="tx1"/>
+                </a:solidFill>
+                <a:latin typeface="+mn-lt"/>
+                <a:ea typeface="+mn-ea"/>
+                <a:cs typeface="+mn-cs"/>
+              </a:defRPr>
+            </a:lvl8pPr>
+            <a:lvl9pPr marL="3657600" algn="l" defTabSz="914400" rtl="0" eaLnBrk="1" latinLnBrk="1" hangingPunct="1">
+              <a:defRPr sz="1800" kern="1200">
+                <a:solidFill>
+                  <a:schemeClr val="tx1"/>
+                </a:solidFill>
+                <a:latin typeface="+mn-lt"/>
+                <a:ea typeface="+mn-ea"/>
+                <a:cs typeface="+mn-cs"/>
+              </a:defRPr>
+            </a:lvl9pPr>
+          </a:lstStyle>
+          <a:p>
+            <a:r>
+              <a:rPr lang="en-US" altLang="ko-KR" dirty="0">
+                <a:solidFill>
+                  <a:schemeClr val="accent5"/>
+                </a:solidFill>
+                <a:latin typeface="배달의민족 도현" pitchFamily="50" charset="-127"/>
+                <a:ea typeface="배달의민족 도현" pitchFamily="50" charset="-127"/>
+              </a:rPr>
+              <a:t>S</a:t>
+            </a:r>
+            <a:r>
+              <a:rPr lang="en-US" altLang="ko-KR" dirty="0">
+                <a:latin typeface="배달의민족 도현" pitchFamily="50" charset="-127"/>
+                <a:ea typeface="배달의민족 도현" pitchFamily="50" charset="-127"/>
+              </a:rPr>
+              <a:t>TART</a:t>
+            </a:r>
+            <a:r>
+              <a:rPr lang="en-US" altLang="ko-KR" dirty="0">
+                <a:solidFill>
+                  <a:schemeClr val="accent5"/>
+                </a:solidFill>
+                <a:latin typeface="배달의민족 도현" pitchFamily="50" charset="-127"/>
+                <a:ea typeface="배달의민족 도현" pitchFamily="50" charset="-127"/>
+              </a:rPr>
+              <a:t>C</a:t>
+            </a:r>
+            <a:r>
+              <a:rPr lang="en-US" altLang="ko-KR" dirty="0">
+                <a:latin typeface="배달의민족 도현" pitchFamily="50" charset="-127"/>
+                <a:ea typeface="배달의민족 도현" pitchFamily="50" charset="-127"/>
+              </a:rPr>
+              <a:t>ODING</a:t>
+            </a:r>
+            <a:endParaRPr lang="ko-KR" altLang="en-US" dirty="0">
+              <a:latin typeface="배달의민족 도현" pitchFamily="50" charset="-127"/>
+              <a:ea typeface="배달의민족 도현" pitchFamily="50" charset="-127"/>
+            </a:endParaRPr>
+          </a:p>
+        </p:txBody>
+      </p:sp>
+      <p:sp>
+        <p:nvSpPr>
+          <p:cNvPr id="4" name="제목 1"/>
+          <p:cNvSpPr txBox="1">
+            <a:spLocks/>
+          </p:cNvSpPr>
+          <p:nvPr/>
+        </p:nvSpPr>
+        <p:spPr>
+          <a:xfrm>
+            <a:off x="899592" y="2492896"/>
+            <a:ext cx="7344816" cy="2664296"/>
+          </a:xfrm>
+          <a:prstGeom prst="rect">
+            <a:avLst/>
+          </a:prstGeom>
+        </p:spPr>
+        <p:txBody>
+          <a:bodyPr vert="horz" lIns="91440" tIns="45720" rIns="91440" bIns="45720" rtlCol="0" anchor="ctr">
+            <a:normAutofit fontScale="92500" lnSpcReduction="10000"/>
+          </a:bodyPr>
+          <a:lstStyle>
+            <a:lvl1pPr algn="ctr" defTabSz="914400" rtl="0" eaLnBrk="1" latinLnBrk="1" hangingPunct="1">
+              <a:spcBef>
+                <a:spcPct val="0"/>
+              </a:spcBef>
+              <a:buNone/>
+              <a:defRPr sz="4400" kern="1200">
+                <a:solidFill>
+                  <a:schemeClr val="tx1"/>
+                </a:solidFill>
+                <a:latin typeface="+mj-lt"/>
+                <a:ea typeface="+mj-ea"/>
+                <a:cs typeface="+mj-cs"/>
+              </a:defRPr>
+            </a:lvl1pPr>
+          </a:lstStyle>
+          <a:p>
+            <a:r>
+              <a:rPr lang="en-US" altLang="ko-KR" sz="2800" dirty="0">
+                <a:solidFill>
+                  <a:schemeClr val="accent6"/>
+                </a:solidFill>
+                <a:latin typeface="배달의민족 주아" pitchFamily="18" charset="-127"/>
+                <a:ea typeface="배달의민족 주아" pitchFamily="18" charset="-127"/>
+              </a:rPr>
+              <a:t>display : flex</a:t>
+            </a:r>
+          </a:p>
+          <a:p>
+            <a:endParaRPr lang="en-US" altLang="ko-KR" sz="2800" dirty="0">
+              <a:solidFill>
+                <a:schemeClr val="accent6"/>
+              </a:solidFill>
+              <a:latin typeface="배달의민족 주아" pitchFamily="18" charset="-127"/>
+              <a:ea typeface="배달의민족 주아" pitchFamily="18" charset="-127"/>
+            </a:endParaRPr>
+          </a:p>
+          <a:p>
+            <a:r>
+              <a:rPr lang="ko-KR" altLang="en-US" sz="2800" dirty="0">
+                <a:latin typeface="배달의민족 주아" pitchFamily="18" charset="-127"/>
+                <a:ea typeface="배달의민족 주아" pitchFamily="18" charset="-127"/>
+              </a:rPr>
+              <a:t>컨테이너에 지정해주는 순간</a:t>
+            </a:r>
+            <a:endParaRPr lang="en-US" altLang="ko-KR" sz="2800" dirty="0">
+              <a:latin typeface="배달의민족 주아" pitchFamily="18" charset="-127"/>
+              <a:ea typeface="배달의민족 주아" pitchFamily="18" charset="-127"/>
+            </a:endParaRPr>
+          </a:p>
+          <a:p>
+            <a:r>
+              <a:rPr lang="en-US" altLang="ko-KR" sz="2800" dirty="0">
+                <a:latin typeface="배달의민족 주아" pitchFamily="18" charset="-127"/>
+                <a:ea typeface="배달의민족 주아" pitchFamily="18" charset="-127"/>
+              </a:rPr>
+              <a:t>"</a:t>
+            </a:r>
+            <a:r>
+              <a:rPr lang="ko-KR" altLang="en-US" sz="2800" dirty="0">
+                <a:latin typeface="배달의민족 주아" pitchFamily="18" charset="-127"/>
+                <a:ea typeface="배달의민족 주아" pitchFamily="18" charset="-127"/>
+              </a:rPr>
+              <a:t>이제부터</a:t>
+            </a:r>
+            <a:r>
+              <a:rPr lang="en-US" altLang="ko-KR" sz="2800" dirty="0">
+                <a:latin typeface="배달의민족 주아" pitchFamily="18" charset="-127"/>
+                <a:ea typeface="배달의민족 주아" pitchFamily="18" charset="-127"/>
+              </a:rPr>
+              <a:t> </a:t>
+            </a:r>
+            <a:r>
+              <a:rPr lang="ko-KR" altLang="en-US" sz="2800" dirty="0">
+                <a:latin typeface="배달의민족 주아" pitchFamily="18" charset="-127"/>
+                <a:ea typeface="배달의민족 주아" pitchFamily="18" charset="-127"/>
+              </a:rPr>
+              <a:t>컨테이너를 </a:t>
+            </a:r>
+            <a:r>
+              <a:rPr lang="en-US" altLang="ko-KR" sz="2800" dirty="0">
+                <a:latin typeface="배달의민족 주아" pitchFamily="18" charset="-127"/>
+                <a:ea typeface="배달의민족 주아" pitchFamily="18" charset="-127"/>
+              </a:rPr>
+              <a:t>flex-box</a:t>
+            </a:r>
+            <a:r>
+              <a:rPr lang="ko-KR" altLang="en-US" sz="2800" dirty="0">
+                <a:latin typeface="배달의민족 주아" pitchFamily="18" charset="-127"/>
+                <a:ea typeface="배달의민족 주아" pitchFamily="18" charset="-127"/>
+              </a:rPr>
+              <a:t>로 만들겠다</a:t>
+            </a:r>
+            <a:r>
+              <a:rPr lang="en-US" altLang="ko-KR" sz="2800" dirty="0">
+                <a:latin typeface="배달의민족 주아" pitchFamily="18" charset="-127"/>
+                <a:ea typeface="배달의민족 주아" pitchFamily="18" charset="-127"/>
+              </a:rPr>
+              <a:t>"</a:t>
+            </a:r>
+          </a:p>
+          <a:p>
+            <a:r>
+              <a:rPr lang="ko-KR" altLang="en-US" sz="2800" dirty="0">
+                <a:latin typeface="배달의민족 주아" pitchFamily="18" charset="-127"/>
+                <a:ea typeface="배달의민족 주아" pitchFamily="18" charset="-127"/>
+              </a:rPr>
+              <a:t>라는 뜻</a:t>
+            </a:r>
+            <a:r>
+              <a:rPr lang="en-US" altLang="ko-KR" sz="2800" dirty="0">
+                <a:latin typeface="배달의민족 주아" pitchFamily="18" charset="-127"/>
+                <a:ea typeface="배달의민족 주아" pitchFamily="18" charset="-127"/>
+              </a:rPr>
+              <a:t>!!</a:t>
+            </a:r>
+          </a:p>
+          <a:p>
+            <a:endParaRPr lang="en-US" altLang="ko-KR" sz="2800" dirty="0">
+              <a:latin typeface="배달의민족 주아" pitchFamily="18" charset="-127"/>
+              <a:ea typeface="배달의민족 주아" pitchFamily="18" charset="-127"/>
+            </a:endParaRPr>
+          </a:p>
+          <a:p>
+            <a:r>
+              <a:rPr lang="ko-KR" altLang="en-US" sz="2800" dirty="0">
+                <a:solidFill>
+                  <a:schemeClr val="accent5"/>
+                </a:solidFill>
+                <a:latin typeface="배달의민족 주아" pitchFamily="18" charset="-127"/>
+                <a:ea typeface="배달의민족 주아" pitchFamily="18" charset="-127"/>
+              </a:rPr>
+              <a:t>아이템들이 </a:t>
+            </a:r>
+            <a:r>
+              <a:rPr lang="en-US" altLang="ko-KR" sz="2800" dirty="0">
+                <a:solidFill>
+                  <a:schemeClr val="accent5"/>
+                </a:solidFill>
+                <a:latin typeface="배달의민족 주아" pitchFamily="18" charset="-127"/>
+                <a:ea typeface="배달의민족 주아" pitchFamily="18" charset="-127"/>
+              </a:rPr>
+              <a:t>inline </a:t>
+            </a:r>
+            <a:r>
+              <a:rPr lang="ko-KR" altLang="en-US" sz="2800" dirty="0">
+                <a:solidFill>
+                  <a:schemeClr val="accent5"/>
+                </a:solidFill>
+                <a:latin typeface="배달의민족 주아" pitchFamily="18" charset="-127"/>
+                <a:ea typeface="배달의민족 주아" pitchFamily="18" charset="-127"/>
+              </a:rPr>
+              <a:t>요소처럼 한 줄에 표시된다</a:t>
+            </a:r>
+            <a:r>
+              <a:rPr lang="en-US" altLang="ko-KR" sz="2800" dirty="0">
+                <a:solidFill>
+                  <a:schemeClr val="accent5"/>
+                </a:solidFill>
+                <a:latin typeface="배달의민족 주아" pitchFamily="18" charset="-127"/>
+                <a:ea typeface="배달의민족 주아" pitchFamily="18" charset="-127"/>
+              </a:rPr>
+              <a:t>.</a:t>
+            </a:r>
+          </a:p>
+          <a:p>
+            <a:endParaRPr lang="en-US" altLang="ko-KR" sz="2800" dirty="0">
+              <a:latin typeface="배달의민족 주아" pitchFamily="18" charset="-127"/>
+              <a:ea typeface="배달의민족 주아" pitchFamily="18" charset="-127"/>
+            </a:endParaRPr>
+          </a:p>
+        </p:txBody>
+      </p:sp>
+    </p:spTree>
+    <p:extLst>
+      <p:ext uri="{BB962C8B-B14F-4D97-AF65-F5344CB8AC3E}">
+        <p14:creationId xmlns:p14="http://schemas.microsoft.com/office/powerpoint/2010/main" val="1220561050"/>
+      </p:ext>
+    </p:extLst>
+  </p:cSld>
+  <p:clrMapOvr>
+    <a:masterClrMapping/>
+  </p:clrMapOvr>
+  <p:timing>
+    <p:tnLst>
+      <p:par>
+        <p:cTn id="1" dur="indefinite" restart="never" nodeType="tmRoot">
+          <p:childTnLst>
+            <p:seq concurrent="1" nextAc="seek">
+              <p:cTn id="2" dur="indefinite" nodeType="mainSeq">
+                <p:childTnLst>
+                  <p:par>
+                    <p:cTn id="3" fill="hold">
+                      <p:stCondLst>
+                        <p:cond delay="indefinite"/>
+                      </p:stCondLst>
+                      <p:childTnLst>
+                        <p:par>
+                          <p:cTn id="4" fill="hold">
+                            <p:stCondLst>
+                              <p:cond delay="0"/>
+                            </p:stCondLst>
+                            <p:childTnLst>
+                              <p:par>
+                                <p:cTn id="5" presetID="10" presetClass="entr" presetSubtype="0" fill="hold" grpId="0" nodeType="clickEffect">
+                                  <p:stCondLst>
+                                    <p:cond delay="0"/>
+                                  </p:stCondLst>
+                                  <p:childTnLst>
+                                    <p:set>
+                                      <p:cBhvr>
+                                        <p:cTn id="6" dur="1" fill="hold">
+                                          <p:stCondLst>
+                                            <p:cond delay="0"/>
+                                          </p:stCondLst>
+                                        </p:cTn>
+                                        <p:tgtEl>
+                                          <p:spTgt spid="4"/>
+                                        </p:tgtEl>
+                                        <p:attrNameLst>
+                                          <p:attrName>style.visibility</p:attrName>
+                                        </p:attrNameLst>
+                                      </p:cBhvr>
+                                      <p:to>
+                                        <p:strVal val="visible"/>
+                                      </p:to>
+                                    </p:set>
+                                    <p:animEffect transition="in" filter="fade">
+                                      <p:cBhvr>
+                                        <p:cTn id="7" dur="500"/>
+                                        <p:tgtEl>
+                                          <p:spTgt spid="4"/>
+                                        </p:tgtEl>
+                                      </p:cBhvr>
+                                    </p:animEffect>
+                                  </p:childTnLst>
+                                </p:cTn>
+                              </p:par>
+                            </p:childTnLst>
+                          </p:cTn>
+                        </p:par>
+                      </p:childTnLst>
+                    </p:cTn>
+                  </p:par>
+                </p:childTnLst>
+              </p:cTn>
+              <p:prevCondLst>
+                <p:cond evt="onPrev" delay="0">
+                  <p:tgtEl>
+                    <p:sldTgt/>
+                  </p:tgtEl>
+                </p:cond>
+              </p:prevCondLst>
+              <p:nextCondLst>
+                <p:cond evt="onNext" delay="0">
+                  <p:tgtEl>
+                    <p:sldTgt/>
+                  </p:tgtEl>
+                </p:cond>
+              </p:nextCondLst>
+            </p:seq>
+          </p:childTnLst>
+        </p:cTn>
+      </p:par>
+    </p:tnLst>
+    <p:bldLst>
+      <p:bldP spid="4" grpId="0"/>
+    </p:bldLst>
+  </p:timing>
+</p:sld>
+</file>
+
+<file path=ppt/slides/slide12.xml><?xml version="1.0" encoding="utf-8"?>
+<p:sld xmlns:a="http://schemas.openxmlformats.org/drawingml/2006/main" xmlns:r="http://schemas.openxmlformats.org/officeDocument/2006/relationships" xmlns:p="http://schemas.openxmlformats.org/presentationml/2006/main">
+  <p:cSld>
+    <p:spTree>
+      <p:nvGrpSpPr>
+        <p:cNvPr id="1" name=""/>
+        <p:cNvGrpSpPr/>
+        <p:nvPr/>
+      </p:nvGrpSpPr>
+      <p:grpSpPr>
+        <a:xfrm>
+          <a:off x="0" y="0"/>
+          <a:ext cx="0" cy="0"/>
+          <a:chOff x="0" y="0"/>
+          <a:chExt cx="0" cy="0"/>
+        </a:xfrm>
+      </p:grpSpPr>
+      <p:sp>
+        <p:nvSpPr>
+          <p:cNvPr id="2" name="제목 1"/>
+          <p:cNvSpPr>
+            <a:spLocks noGrp="1"/>
+          </p:cNvSpPr>
+          <p:nvPr>
+            <p:ph type="ctrTitle"/>
+          </p:nvPr>
+        </p:nvSpPr>
+        <p:spPr>
+          <a:xfrm>
+            <a:off x="685800" y="0"/>
+            <a:ext cx="7772400" cy="1470025"/>
+          </a:xfrm>
+        </p:spPr>
+        <p:txBody>
+          <a:bodyPr/>
+          <a:lstStyle/>
+          <a:p>
+            <a:r>
+              <a:rPr lang="ko-KR" altLang="en-US" dirty="0">
+                <a:latin typeface="배달의민족 주아" pitchFamily="18" charset="-127"/>
+                <a:ea typeface="배달의민족 주아" pitchFamily="18" charset="-127"/>
+              </a:rPr>
+              <a:t>컨테이너 속성</a:t>
+            </a:r>
+          </a:p>
+        </p:txBody>
+      </p:sp>
+      <p:sp>
+        <p:nvSpPr>
+          <p:cNvPr id="3" name="TextBox 2"/>
+          <p:cNvSpPr txBox="1"/>
+          <p:nvPr/>
+        </p:nvSpPr>
+        <p:spPr>
+          <a:xfrm>
+            <a:off x="6948264" y="6093296"/>
+            <a:ext cx="1838965" cy="369332"/>
+          </a:xfrm>
+          <a:prstGeom prst="rect">
+            <a:avLst/>
+          </a:prstGeom>
+          <a:noFill/>
+        </p:spPr>
+        <p:txBody>
+          <a:bodyPr wrap="none" rtlCol="0">
+            <a:spAutoFit/>
+          </a:bodyPr>
+          <a:lstStyle>
+            <a:defPPr>
+              <a:defRPr lang="ko-KR"/>
+            </a:defPPr>
+            <a:lvl1pPr marL="0" algn="l" defTabSz="914400" rtl="0" eaLnBrk="1" latinLnBrk="1" hangingPunct="1">
+              <a:defRPr sz="1800" kern="1200">
+                <a:solidFill>
+                  <a:schemeClr val="tx1"/>
+                </a:solidFill>
+                <a:latin typeface="+mn-lt"/>
+                <a:ea typeface="+mn-ea"/>
+                <a:cs typeface="+mn-cs"/>
+              </a:defRPr>
+            </a:lvl1pPr>
+            <a:lvl2pPr marL="457200" algn="l" defTabSz="914400" rtl="0" eaLnBrk="1" latinLnBrk="1" hangingPunct="1">
+              <a:defRPr sz="1800" kern="1200">
+                <a:solidFill>
+                  <a:schemeClr val="tx1"/>
+                </a:solidFill>
+                <a:latin typeface="+mn-lt"/>
+                <a:ea typeface="+mn-ea"/>
+                <a:cs typeface="+mn-cs"/>
+              </a:defRPr>
+            </a:lvl2pPr>
+            <a:lvl3pPr marL="914400" algn="l" defTabSz="914400" rtl="0" eaLnBrk="1" latinLnBrk="1" hangingPunct="1">
+              <a:defRPr sz="1800" kern="1200">
+                <a:solidFill>
+                  <a:schemeClr val="tx1"/>
+                </a:solidFill>
+                <a:latin typeface="+mn-lt"/>
+                <a:ea typeface="+mn-ea"/>
+                <a:cs typeface="+mn-cs"/>
+              </a:defRPr>
+            </a:lvl3pPr>
+            <a:lvl4pPr marL="1371600" algn="l" defTabSz="914400" rtl="0" eaLnBrk="1" latinLnBrk="1" hangingPunct="1">
+              <a:defRPr sz="1800" kern="1200">
+                <a:solidFill>
+                  <a:schemeClr val="tx1"/>
+                </a:solidFill>
+                <a:latin typeface="+mn-lt"/>
+                <a:ea typeface="+mn-ea"/>
+                <a:cs typeface="+mn-cs"/>
+              </a:defRPr>
+            </a:lvl4pPr>
+            <a:lvl5pPr marL="1828800" algn="l" defTabSz="914400" rtl="0" eaLnBrk="1" latinLnBrk="1" hangingPunct="1">
+              <a:defRPr sz="1800" kern="1200">
+                <a:solidFill>
+                  <a:schemeClr val="tx1"/>
+                </a:solidFill>
+                <a:latin typeface="+mn-lt"/>
+                <a:ea typeface="+mn-ea"/>
+                <a:cs typeface="+mn-cs"/>
+              </a:defRPr>
+            </a:lvl5pPr>
+            <a:lvl6pPr marL="2286000" algn="l" defTabSz="914400" rtl="0" eaLnBrk="1" latinLnBrk="1" hangingPunct="1">
+              <a:defRPr sz="1800" kern="1200">
+                <a:solidFill>
+                  <a:schemeClr val="tx1"/>
+                </a:solidFill>
+                <a:latin typeface="+mn-lt"/>
+                <a:ea typeface="+mn-ea"/>
+                <a:cs typeface="+mn-cs"/>
+              </a:defRPr>
+            </a:lvl6pPr>
+            <a:lvl7pPr marL="2743200" algn="l" defTabSz="914400" rtl="0" eaLnBrk="1" latinLnBrk="1" hangingPunct="1">
+              <a:defRPr sz="1800" kern="1200">
+                <a:solidFill>
+                  <a:schemeClr val="tx1"/>
+                </a:solidFill>
+                <a:latin typeface="+mn-lt"/>
+                <a:ea typeface="+mn-ea"/>
+                <a:cs typeface="+mn-cs"/>
+              </a:defRPr>
+            </a:lvl7pPr>
+            <a:lvl8pPr marL="3200400" algn="l" defTabSz="914400" rtl="0" eaLnBrk="1" latinLnBrk="1" hangingPunct="1">
+              <a:defRPr sz="1800" kern="1200">
+                <a:solidFill>
+                  <a:schemeClr val="tx1"/>
+                </a:solidFill>
+                <a:latin typeface="+mn-lt"/>
+                <a:ea typeface="+mn-ea"/>
+                <a:cs typeface="+mn-cs"/>
+              </a:defRPr>
+            </a:lvl8pPr>
+            <a:lvl9pPr marL="3657600" algn="l" defTabSz="914400" rtl="0" eaLnBrk="1" latinLnBrk="1" hangingPunct="1">
+              <a:defRPr sz="1800" kern="1200">
+                <a:solidFill>
+                  <a:schemeClr val="tx1"/>
+                </a:solidFill>
+                <a:latin typeface="+mn-lt"/>
+                <a:ea typeface="+mn-ea"/>
+                <a:cs typeface="+mn-cs"/>
+              </a:defRPr>
+            </a:lvl9pPr>
+          </a:lstStyle>
+          <a:p>
+            <a:r>
+              <a:rPr lang="en-US" altLang="ko-KR" dirty="0">
+                <a:solidFill>
+                  <a:schemeClr val="accent5"/>
+                </a:solidFill>
+                <a:latin typeface="배달의민족 도현" pitchFamily="50" charset="-127"/>
+                <a:ea typeface="배달의민족 도현" pitchFamily="50" charset="-127"/>
+              </a:rPr>
+              <a:t>S</a:t>
+            </a:r>
+            <a:r>
+              <a:rPr lang="en-US" altLang="ko-KR" dirty="0">
+                <a:latin typeface="배달의민족 도현" pitchFamily="50" charset="-127"/>
+                <a:ea typeface="배달의민족 도현" pitchFamily="50" charset="-127"/>
+              </a:rPr>
+              <a:t>TART</a:t>
+            </a:r>
+            <a:r>
+              <a:rPr lang="en-US" altLang="ko-KR" dirty="0">
+                <a:solidFill>
+                  <a:schemeClr val="accent5"/>
+                </a:solidFill>
+                <a:latin typeface="배달의민족 도현" pitchFamily="50" charset="-127"/>
+                <a:ea typeface="배달의민족 도현" pitchFamily="50" charset="-127"/>
+              </a:rPr>
+              <a:t>C</a:t>
+            </a:r>
+            <a:r>
+              <a:rPr lang="en-US" altLang="ko-KR" dirty="0">
+                <a:latin typeface="배달의민족 도현" pitchFamily="50" charset="-127"/>
+                <a:ea typeface="배달의민족 도현" pitchFamily="50" charset="-127"/>
+              </a:rPr>
+              <a:t>ODING</a:t>
+            </a:r>
+            <a:endParaRPr lang="ko-KR" altLang="en-US" dirty="0">
+              <a:latin typeface="배달의민족 도현" pitchFamily="50" charset="-127"/>
+              <a:ea typeface="배달의민족 도현" pitchFamily="50" charset="-127"/>
+            </a:endParaRPr>
+          </a:p>
+        </p:txBody>
+      </p:sp>
+      <p:sp>
+        <p:nvSpPr>
+          <p:cNvPr id="4" name="제목 1"/>
+          <p:cNvSpPr txBox="1">
+            <a:spLocks/>
+          </p:cNvSpPr>
+          <p:nvPr/>
+        </p:nvSpPr>
+        <p:spPr>
+          <a:xfrm>
+            <a:off x="899592" y="2492896"/>
+            <a:ext cx="7344816" cy="2664296"/>
+          </a:xfrm>
+          <a:prstGeom prst="rect">
+            <a:avLst/>
+          </a:prstGeom>
+        </p:spPr>
+        <p:txBody>
+          <a:bodyPr vert="horz" lIns="91440" tIns="45720" rIns="91440" bIns="45720" rtlCol="0" anchor="ctr">
+            <a:normAutofit/>
+          </a:bodyPr>
+          <a:lstStyle>
+            <a:lvl1pPr algn="ctr" defTabSz="914400" rtl="0" eaLnBrk="1" latinLnBrk="1" hangingPunct="1">
+              <a:spcBef>
+                <a:spcPct val="0"/>
+              </a:spcBef>
+              <a:buNone/>
+              <a:defRPr sz="4400" kern="1200">
+                <a:solidFill>
+                  <a:schemeClr val="tx1"/>
+                </a:solidFill>
+                <a:latin typeface="+mj-lt"/>
+                <a:ea typeface="+mj-ea"/>
+                <a:cs typeface="+mj-cs"/>
+              </a:defRPr>
+            </a:lvl1pPr>
+          </a:lstStyle>
+          <a:p>
+            <a:r>
+              <a:rPr lang="en-US" altLang="ko-KR" sz="2800" dirty="0">
+                <a:solidFill>
+                  <a:schemeClr val="accent6"/>
+                </a:solidFill>
+                <a:latin typeface="배달의민족 주아" pitchFamily="18" charset="-127"/>
+                <a:ea typeface="배달의민족 주아" pitchFamily="18" charset="-127"/>
+              </a:rPr>
+              <a:t>flex-direction</a:t>
+            </a:r>
+          </a:p>
+          <a:p>
+            <a:r>
+              <a:rPr lang="ko-KR" altLang="en-US" sz="2800" dirty="0">
+                <a:latin typeface="배달의민족 주아" pitchFamily="18" charset="-127"/>
+                <a:ea typeface="배달의민족 주아" pitchFamily="18" charset="-127"/>
+              </a:rPr>
+              <a:t>아이템의 정렬방향을 결정한다</a:t>
+            </a:r>
+            <a:r>
+              <a:rPr lang="en-US" altLang="ko-KR" sz="2800" dirty="0">
+                <a:latin typeface="배달의민족 주아" pitchFamily="18" charset="-127"/>
+                <a:ea typeface="배달의민족 주아" pitchFamily="18" charset="-127"/>
+              </a:rPr>
+              <a:t>.</a:t>
+            </a:r>
+          </a:p>
+          <a:p>
+            <a:endParaRPr lang="en-US" altLang="ko-KR" sz="2800" dirty="0">
+              <a:latin typeface="배달의민족 주아" pitchFamily="18" charset="-127"/>
+              <a:ea typeface="배달의민족 주아" pitchFamily="18" charset="-127"/>
+            </a:endParaRPr>
+          </a:p>
+          <a:p>
+            <a:endParaRPr lang="en-US" altLang="ko-KR" sz="2800" dirty="0">
+              <a:latin typeface="배달의민족 주아" pitchFamily="18" charset="-127"/>
+              <a:ea typeface="배달의민족 주아" pitchFamily="18" charset="-127"/>
+            </a:endParaRPr>
+          </a:p>
+          <a:p>
+            <a:endParaRPr lang="en-US" altLang="ko-KR" sz="2800" dirty="0">
+              <a:latin typeface="배달의민족 주아" pitchFamily="18" charset="-127"/>
+              <a:ea typeface="배달의민족 주아" pitchFamily="18" charset="-127"/>
+            </a:endParaRPr>
+          </a:p>
+        </p:txBody>
+      </p:sp>
+      <p:graphicFrame>
+        <p:nvGraphicFramePr>
+          <p:cNvPr id="5" name="표 5">
+            <a:extLst>
+              <a:ext uri="{FF2B5EF4-FFF2-40B4-BE49-F238E27FC236}">
+                <a16:creationId xmlns:a16="http://schemas.microsoft.com/office/drawing/2014/main" id="{770F7BC2-085E-42CB-BC3B-FBAF886BD503}"/>
+              </a:ext>
+            </a:extLst>
+          </p:cNvPr>
+          <p:cNvGraphicFramePr>
+            <a:graphicFrameLocks noGrp="1"/>
+          </p:cNvGraphicFramePr>
+          <p:nvPr>
+            <p:extLst>
+              <p:ext uri="{D42A27DB-BD31-4B8C-83A1-F6EECF244321}">
+                <p14:modId xmlns:p14="http://schemas.microsoft.com/office/powerpoint/2010/main" val="3715640881"/>
+              </p:ext>
+            </p:extLst>
+          </p:nvPr>
+        </p:nvGraphicFramePr>
+        <p:xfrm>
+          <a:off x="1524000" y="3962921"/>
+          <a:ext cx="6096000" cy="1112520"/>
+        </p:xfrm>
+        <a:graphic>
+          <a:graphicData uri="http://schemas.openxmlformats.org/drawingml/2006/table">
+            <a:tbl>
+              <a:tblPr firstRow="1" bandRow="1">
+                <a:tableStyleId>{5C22544A-7EE6-4342-B048-85BDC9FD1C3A}</a:tableStyleId>
+              </a:tblPr>
+              <a:tblGrid>
+                <a:gridCol w="3048000">
+                  <a:extLst>
+                    <a:ext uri="{9D8B030D-6E8A-4147-A177-3AD203B41FA5}">
+                      <a16:colId xmlns:a16="http://schemas.microsoft.com/office/drawing/2014/main" val="1123807537"/>
+                    </a:ext>
+                  </a:extLst>
+                </a:gridCol>
+                <a:gridCol w="3048000">
+                  <a:extLst>
+                    <a:ext uri="{9D8B030D-6E8A-4147-A177-3AD203B41FA5}">
+                      <a16:colId xmlns:a16="http://schemas.microsoft.com/office/drawing/2014/main" val="3428224334"/>
+                    </a:ext>
+                  </a:extLst>
+                </a:gridCol>
+              </a:tblGrid>
+              <a:tr h="370840">
+                <a:tc>
+                  <a:txBody>
+                    <a:bodyPr/>
+                    <a:lstStyle/>
+                    <a:p>
+                      <a:pPr latinLnBrk="1"/>
+                      <a:r>
+                        <a:rPr lang="ko-KR" altLang="en-US" dirty="0"/>
+                        <a:t>속성값</a:t>
+                      </a:r>
+                    </a:p>
+                  </a:txBody>
+                  <a:tcPr/>
+                </a:tc>
+                <a:tc>
+                  <a:txBody>
+                    <a:bodyPr/>
+                    <a:lstStyle/>
+                    <a:p>
+                      <a:pPr latinLnBrk="1"/>
+                      <a:r>
+                        <a:rPr lang="ko-KR" altLang="en-US" dirty="0"/>
+                        <a:t>설명</a:t>
+                      </a:r>
+                    </a:p>
+                  </a:txBody>
+                  <a:tcPr/>
+                </a:tc>
+                <a:extLst>
+                  <a:ext uri="{0D108BD9-81ED-4DB2-BD59-A6C34878D82A}">
+                    <a16:rowId xmlns:a16="http://schemas.microsoft.com/office/drawing/2014/main" val="768639627"/>
+                  </a:ext>
+                </a:extLst>
+              </a:tr>
+              <a:tr h="370840">
+                <a:tc>
+                  <a:txBody>
+                    <a:bodyPr/>
+                    <a:lstStyle/>
+                    <a:p>
+                      <a:pPr latinLnBrk="1"/>
+                      <a:r>
+                        <a:rPr lang="en-US" altLang="ko-KR" dirty="0"/>
+                        <a:t>row</a:t>
+                      </a:r>
+                      <a:endParaRPr lang="ko-KR" altLang="en-US" dirty="0"/>
+                    </a:p>
+                  </a:txBody>
+                  <a:tcPr/>
+                </a:tc>
+                <a:tc>
+                  <a:txBody>
+                    <a:bodyPr/>
+                    <a:lstStyle/>
+                    <a:p>
+                      <a:pPr latinLnBrk="1"/>
+                      <a:r>
+                        <a:rPr lang="ko-KR" altLang="en-US" dirty="0"/>
+                        <a:t>가로방향</a:t>
+                      </a:r>
+                      <a:r>
+                        <a:rPr lang="en-US" altLang="ko-KR" dirty="0"/>
+                        <a:t>(</a:t>
+                      </a:r>
+                      <a:r>
+                        <a:rPr lang="ko-KR" altLang="en-US" dirty="0"/>
+                        <a:t>기본값</a:t>
+                      </a:r>
+                      <a:r>
+                        <a:rPr lang="en-US" altLang="ko-KR" dirty="0"/>
+                        <a:t>)</a:t>
+                      </a:r>
+                      <a:endParaRPr lang="ko-KR" altLang="en-US" dirty="0"/>
+                    </a:p>
+                  </a:txBody>
+                  <a:tcPr/>
+                </a:tc>
+                <a:extLst>
+                  <a:ext uri="{0D108BD9-81ED-4DB2-BD59-A6C34878D82A}">
+                    <a16:rowId xmlns:a16="http://schemas.microsoft.com/office/drawing/2014/main" val="3765853371"/>
+                  </a:ext>
+                </a:extLst>
+              </a:tr>
+              <a:tr h="370840">
+                <a:tc>
+                  <a:txBody>
+                    <a:bodyPr/>
+                    <a:lstStyle/>
+                    <a:p>
+                      <a:pPr latinLnBrk="1"/>
+                      <a:r>
+                        <a:rPr lang="en-US" altLang="ko-KR" dirty="0"/>
+                        <a:t>column</a:t>
+                      </a:r>
+                      <a:endParaRPr lang="ko-KR" altLang="en-US" dirty="0"/>
+                    </a:p>
+                  </a:txBody>
+                  <a:tcPr/>
+                </a:tc>
+                <a:tc>
+                  <a:txBody>
+                    <a:bodyPr/>
+                    <a:lstStyle/>
+                    <a:p>
+                      <a:pPr latinLnBrk="1"/>
+                      <a:r>
+                        <a:rPr lang="ko-KR" altLang="en-US" dirty="0"/>
+                        <a:t>세로방향</a:t>
+                      </a:r>
+                    </a:p>
+                  </a:txBody>
+                  <a:tcPr/>
+                </a:tc>
+                <a:extLst>
+                  <a:ext uri="{0D108BD9-81ED-4DB2-BD59-A6C34878D82A}">
+                    <a16:rowId xmlns:a16="http://schemas.microsoft.com/office/drawing/2014/main" val="1758154378"/>
+                  </a:ext>
+                </a:extLst>
+              </a:tr>
+            </a:tbl>
+          </a:graphicData>
+        </a:graphic>
+      </p:graphicFrame>
+    </p:spTree>
+    <p:extLst>
+      <p:ext uri="{BB962C8B-B14F-4D97-AF65-F5344CB8AC3E}">
+        <p14:creationId xmlns:p14="http://schemas.microsoft.com/office/powerpoint/2010/main" val="2714250768"/>
+      </p:ext>
+    </p:extLst>
+  </p:cSld>
+  <p:clrMapOvr>
+    <a:masterClrMapping/>
+  </p:clrMapOvr>
+  <p:timing>
+    <p:tnLst>
+      <p:par>
+        <p:cTn id="1" dur="indefinite" restart="never" nodeType="tmRoot">
+          <p:childTnLst>
+            <p:seq concurrent="1" nextAc="seek">
+              <p:cTn id="2" dur="indefinite" nodeType="mainSeq">
+                <p:childTnLst>
+                  <p:par>
+                    <p:cTn id="3" fill="hold">
+                      <p:stCondLst>
+                        <p:cond delay="indefinite"/>
+                      </p:stCondLst>
+                      <p:childTnLst>
+                        <p:par>
+                          <p:cTn id="4" fill="hold">
+                            <p:stCondLst>
+                              <p:cond delay="0"/>
+                            </p:stCondLst>
+                            <p:childTnLst>
+                              <p:par>
+                                <p:cTn id="5" presetID="10" presetClass="entr" presetSubtype="0" fill="hold" grpId="0" nodeType="clickEffect">
+                                  <p:stCondLst>
+                                    <p:cond delay="0"/>
+                                  </p:stCondLst>
+                                  <p:childTnLst>
+                                    <p:set>
+                                      <p:cBhvr>
+                                        <p:cTn id="6" dur="1" fill="hold">
+                                          <p:stCondLst>
+                                            <p:cond delay="0"/>
+                                          </p:stCondLst>
+                                        </p:cTn>
+                                        <p:tgtEl>
+                                          <p:spTgt spid="4"/>
+                                        </p:tgtEl>
+                                        <p:attrNameLst>
+                                          <p:attrName>style.visibility</p:attrName>
+                                        </p:attrNameLst>
+                                      </p:cBhvr>
+                                      <p:to>
+                                        <p:strVal val="visible"/>
+                                      </p:to>
+                                    </p:set>
+                                    <p:animEffect transition="in" filter="fade">
+                                      <p:cBhvr>
+                                        <p:cTn id="7" dur="500"/>
+                                        <p:tgtEl>
+                                          <p:spTgt spid="4"/>
+                                        </p:tgtEl>
+                                      </p:cBhvr>
+                                    </p:animEffect>
+                                  </p:childTnLst>
+                                </p:cTn>
+                              </p:par>
+                            </p:childTnLst>
+                          </p:cTn>
+                        </p:par>
+                      </p:childTnLst>
+                    </p:cTn>
+                  </p:par>
+                  <p:par>
+                    <p:cTn id="8" fill="hold">
+                      <p:stCondLst>
+                        <p:cond delay="indefinite"/>
+                      </p:stCondLst>
+                      <p:childTnLst>
+                        <p:par>
+                          <p:cTn id="9" fill="hold">
+                            <p:stCondLst>
+                              <p:cond delay="0"/>
+                            </p:stCondLst>
+                            <p:childTnLst>
+                              <p:par>
+                                <p:cTn id="10" presetID="10" presetClass="entr" presetSubtype="0" fill="hold" nodeType="clickEffect">
+                                  <p:stCondLst>
+                                    <p:cond delay="0"/>
+                                  </p:stCondLst>
+                                  <p:childTnLst>
+                                    <p:set>
+                                      <p:cBhvr>
+                                        <p:cTn id="11" dur="1" fill="hold">
+                                          <p:stCondLst>
+                                            <p:cond delay="0"/>
+                                          </p:stCondLst>
+                                        </p:cTn>
+                                        <p:tgtEl>
+                                          <p:spTgt spid="5"/>
+                                        </p:tgtEl>
+                                        <p:attrNameLst>
+                                          <p:attrName>style.visibility</p:attrName>
+                                        </p:attrNameLst>
+                                      </p:cBhvr>
+                                      <p:to>
+                                        <p:strVal val="visible"/>
+                                      </p:to>
+                                    </p:set>
+                                    <p:animEffect transition="in" filter="fade">
+                                      <p:cBhvr>
+                                        <p:cTn id="12" dur="500"/>
+                                        <p:tgtEl>
+                                          <p:spTgt spid="5"/>
+                                        </p:tgtEl>
+                                      </p:cBhvr>
+                                    </p:animEffect>
+                                  </p:childTnLst>
+                                </p:cTn>
+                              </p:par>
+                            </p:childTnLst>
+                          </p:cTn>
+                        </p:par>
+                      </p:childTnLst>
+                    </p:cTn>
+                  </p:par>
+                </p:childTnLst>
+              </p:cTn>
+              <p:prevCondLst>
+                <p:cond evt="onPrev" delay="0">
+                  <p:tgtEl>
+                    <p:sldTgt/>
+                  </p:tgtEl>
+                </p:cond>
+              </p:prevCondLst>
+              <p:nextCondLst>
+                <p:cond evt="onNext" delay="0">
+                  <p:tgtEl>
+                    <p:sldTgt/>
+                  </p:tgtEl>
+                </p:cond>
+              </p:nextCondLst>
+            </p:seq>
+          </p:childTnLst>
+        </p:cTn>
+      </p:par>
+    </p:tnLst>
+    <p:bldLst>
+      <p:bldP spid="4" grpId="0"/>
+    </p:bldLst>
+  </p:timing>
+</p:sld>
+</file>
+
+<file path=ppt/slides/slide13.xml><?xml version="1.0" encoding="utf-8"?>
+<p:sld xmlns:a="http://schemas.openxmlformats.org/drawingml/2006/main" xmlns:r="http://schemas.openxmlformats.org/officeDocument/2006/relationships" xmlns:p="http://schemas.openxmlformats.org/presentationml/2006/main">
+  <p:cSld>
+    <p:spTree>
+      <p:nvGrpSpPr>
+        <p:cNvPr id="1" name=""/>
+        <p:cNvGrpSpPr/>
+        <p:nvPr/>
+      </p:nvGrpSpPr>
+      <p:grpSpPr>
+        <a:xfrm>
+          <a:off x="0" y="0"/>
+          <a:ext cx="0" cy="0"/>
+          <a:chOff x="0" y="0"/>
+          <a:chExt cx="0" cy="0"/>
+        </a:xfrm>
+      </p:grpSpPr>
+      <p:sp>
+        <p:nvSpPr>
+          <p:cNvPr id="2" name="제목 1"/>
+          <p:cNvSpPr>
+            <a:spLocks noGrp="1"/>
+          </p:cNvSpPr>
+          <p:nvPr>
+            <p:ph type="ctrTitle"/>
+          </p:nvPr>
+        </p:nvSpPr>
+        <p:spPr>
+          <a:xfrm>
+            <a:off x="685800" y="0"/>
+            <a:ext cx="7772400" cy="1470025"/>
+          </a:xfrm>
+        </p:spPr>
+        <p:txBody>
+          <a:bodyPr/>
+          <a:lstStyle/>
+          <a:p>
+            <a:r>
+              <a:rPr lang="ko-KR" altLang="en-US" dirty="0">
+                <a:latin typeface="배달의민족 주아" pitchFamily="18" charset="-127"/>
+                <a:ea typeface="배달의민족 주아" pitchFamily="18" charset="-127"/>
+              </a:rPr>
+              <a:t>컨테이너 속성</a:t>
+            </a:r>
+          </a:p>
+        </p:txBody>
+      </p:sp>
+      <p:sp>
+        <p:nvSpPr>
+          <p:cNvPr id="3" name="TextBox 2"/>
+          <p:cNvSpPr txBox="1"/>
+          <p:nvPr/>
+        </p:nvSpPr>
+        <p:spPr>
+          <a:xfrm>
+            <a:off x="6948264" y="6093296"/>
+            <a:ext cx="1838965" cy="369332"/>
+          </a:xfrm>
+          <a:prstGeom prst="rect">
+            <a:avLst/>
+          </a:prstGeom>
+          <a:noFill/>
+        </p:spPr>
+        <p:txBody>
+          <a:bodyPr wrap="none" rtlCol="0">
+            <a:spAutoFit/>
+          </a:bodyPr>
+          <a:lstStyle>
+            <a:defPPr>
+              <a:defRPr lang="ko-KR"/>
+            </a:defPPr>
+            <a:lvl1pPr marL="0" algn="l" defTabSz="914400" rtl="0" eaLnBrk="1" latinLnBrk="1" hangingPunct="1">
+              <a:defRPr sz="1800" kern="1200">
+                <a:solidFill>
+                  <a:schemeClr val="tx1"/>
+                </a:solidFill>
+                <a:latin typeface="+mn-lt"/>
+                <a:ea typeface="+mn-ea"/>
+                <a:cs typeface="+mn-cs"/>
+              </a:defRPr>
+            </a:lvl1pPr>
+            <a:lvl2pPr marL="457200" algn="l" defTabSz="914400" rtl="0" eaLnBrk="1" latinLnBrk="1" hangingPunct="1">
+              <a:defRPr sz="1800" kern="1200">
+                <a:solidFill>
+                  <a:schemeClr val="tx1"/>
+                </a:solidFill>
+                <a:latin typeface="+mn-lt"/>
+                <a:ea typeface="+mn-ea"/>
+                <a:cs typeface="+mn-cs"/>
+              </a:defRPr>
+            </a:lvl2pPr>
+            <a:lvl3pPr marL="914400" algn="l" defTabSz="914400" rtl="0" eaLnBrk="1" latinLnBrk="1" hangingPunct="1">
+              <a:defRPr sz="1800" kern="1200">
+                <a:solidFill>
+                  <a:schemeClr val="tx1"/>
+                </a:solidFill>
+                <a:latin typeface="+mn-lt"/>
+                <a:ea typeface="+mn-ea"/>
+                <a:cs typeface="+mn-cs"/>
+              </a:defRPr>
+            </a:lvl3pPr>
+            <a:lvl4pPr marL="1371600" algn="l" defTabSz="914400" rtl="0" eaLnBrk="1" latinLnBrk="1" hangingPunct="1">
+              <a:defRPr sz="1800" kern="1200">
+                <a:solidFill>
+                  <a:schemeClr val="tx1"/>
+                </a:solidFill>
+                <a:latin typeface="+mn-lt"/>
+                <a:ea typeface="+mn-ea"/>
+                <a:cs typeface="+mn-cs"/>
+              </a:defRPr>
+            </a:lvl4pPr>
+            <a:lvl5pPr marL="1828800" algn="l" defTabSz="914400" rtl="0" eaLnBrk="1" latinLnBrk="1" hangingPunct="1">
+              <a:defRPr sz="1800" kern="1200">
+                <a:solidFill>
+                  <a:schemeClr val="tx1"/>
+                </a:solidFill>
+                <a:latin typeface="+mn-lt"/>
+                <a:ea typeface="+mn-ea"/>
+                <a:cs typeface="+mn-cs"/>
+              </a:defRPr>
+            </a:lvl5pPr>
+            <a:lvl6pPr marL="2286000" algn="l" defTabSz="914400" rtl="0" eaLnBrk="1" latinLnBrk="1" hangingPunct="1">
+              <a:defRPr sz="1800" kern="1200">
+                <a:solidFill>
+                  <a:schemeClr val="tx1"/>
+                </a:solidFill>
+                <a:latin typeface="+mn-lt"/>
+                <a:ea typeface="+mn-ea"/>
+                <a:cs typeface="+mn-cs"/>
+              </a:defRPr>
+            </a:lvl6pPr>
+            <a:lvl7pPr marL="2743200" algn="l" defTabSz="914400" rtl="0" eaLnBrk="1" latinLnBrk="1" hangingPunct="1">
+              <a:defRPr sz="1800" kern="1200">
+                <a:solidFill>
+                  <a:schemeClr val="tx1"/>
+                </a:solidFill>
+                <a:latin typeface="+mn-lt"/>
+                <a:ea typeface="+mn-ea"/>
+                <a:cs typeface="+mn-cs"/>
+              </a:defRPr>
+            </a:lvl7pPr>
+            <a:lvl8pPr marL="3200400" algn="l" defTabSz="914400" rtl="0" eaLnBrk="1" latinLnBrk="1" hangingPunct="1">
+              <a:defRPr sz="1800" kern="1200">
+                <a:solidFill>
+                  <a:schemeClr val="tx1"/>
+                </a:solidFill>
+                <a:latin typeface="+mn-lt"/>
+                <a:ea typeface="+mn-ea"/>
+                <a:cs typeface="+mn-cs"/>
+              </a:defRPr>
+            </a:lvl8pPr>
+            <a:lvl9pPr marL="3657600" algn="l" defTabSz="914400" rtl="0" eaLnBrk="1" latinLnBrk="1" hangingPunct="1">
+              <a:defRPr sz="1800" kern="1200">
+                <a:solidFill>
+                  <a:schemeClr val="tx1"/>
+                </a:solidFill>
+                <a:latin typeface="+mn-lt"/>
+                <a:ea typeface="+mn-ea"/>
+                <a:cs typeface="+mn-cs"/>
+              </a:defRPr>
+            </a:lvl9pPr>
+          </a:lstStyle>
+          <a:p>
+            <a:r>
+              <a:rPr lang="en-US" altLang="ko-KR" dirty="0">
+                <a:solidFill>
+                  <a:schemeClr val="accent5"/>
+                </a:solidFill>
+                <a:latin typeface="배달의민족 도현" pitchFamily="50" charset="-127"/>
+                <a:ea typeface="배달의민족 도현" pitchFamily="50" charset="-127"/>
+              </a:rPr>
+              <a:t>S</a:t>
+            </a:r>
+            <a:r>
+              <a:rPr lang="en-US" altLang="ko-KR" dirty="0">
+                <a:latin typeface="배달의민족 도현" pitchFamily="50" charset="-127"/>
+                <a:ea typeface="배달의민족 도현" pitchFamily="50" charset="-127"/>
+              </a:rPr>
+              <a:t>TART</a:t>
+            </a:r>
+            <a:r>
+              <a:rPr lang="en-US" altLang="ko-KR" dirty="0">
+                <a:solidFill>
+                  <a:schemeClr val="accent5"/>
+                </a:solidFill>
+                <a:latin typeface="배달의민족 도현" pitchFamily="50" charset="-127"/>
+                <a:ea typeface="배달의민족 도현" pitchFamily="50" charset="-127"/>
+              </a:rPr>
+              <a:t>C</a:t>
+            </a:r>
+            <a:r>
+              <a:rPr lang="en-US" altLang="ko-KR" dirty="0">
+                <a:latin typeface="배달의민족 도현" pitchFamily="50" charset="-127"/>
+                <a:ea typeface="배달의민족 도현" pitchFamily="50" charset="-127"/>
+              </a:rPr>
+              <a:t>ODING</a:t>
+            </a:r>
+            <a:endParaRPr lang="ko-KR" altLang="en-US" dirty="0">
+              <a:latin typeface="배달의민족 도현" pitchFamily="50" charset="-127"/>
+              <a:ea typeface="배달의민족 도현" pitchFamily="50" charset="-127"/>
+            </a:endParaRPr>
+          </a:p>
+        </p:txBody>
+      </p:sp>
+      <p:sp>
+        <p:nvSpPr>
+          <p:cNvPr id="4" name="제목 1"/>
+          <p:cNvSpPr txBox="1">
+            <a:spLocks/>
+          </p:cNvSpPr>
+          <p:nvPr/>
+        </p:nvSpPr>
+        <p:spPr>
+          <a:xfrm>
+            <a:off x="899592" y="1196752"/>
+            <a:ext cx="7344816" cy="2664296"/>
+          </a:xfrm>
+          <a:prstGeom prst="rect">
+            <a:avLst/>
+          </a:prstGeom>
+        </p:spPr>
+        <p:txBody>
+          <a:bodyPr vert="horz" lIns="91440" tIns="45720" rIns="91440" bIns="45720" rtlCol="0" anchor="ctr">
+            <a:normAutofit/>
+          </a:bodyPr>
+          <a:lstStyle>
+            <a:lvl1pPr algn="ctr" defTabSz="914400" rtl="0" eaLnBrk="1" latinLnBrk="1" hangingPunct="1">
+              <a:spcBef>
+                <a:spcPct val="0"/>
+              </a:spcBef>
+              <a:buNone/>
+              <a:defRPr sz="4400" kern="1200">
+                <a:solidFill>
+                  <a:schemeClr val="tx1"/>
+                </a:solidFill>
+                <a:latin typeface="+mj-lt"/>
+                <a:ea typeface="+mj-ea"/>
+                <a:cs typeface="+mj-cs"/>
+              </a:defRPr>
+            </a:lvl1pPr>
+          </a:lstStyle>
+          <a:p>
+            <a:r>
+              <a:rPr lang="en-US" altLang="ko-KR" sz="2800" dirty="0">
+                <a:solidFill>
+                  <a:schemeClr val="accent6"/>
+                </a:solidFill>
+                <a:latin typeface="배달의민족 주아" pitchFamily="18" charset="-127"/>
+                <a:ea typeface="배달의민족 주아" pitchFamily="18" charset="-127"/>
+              </a:rPr>
+              <a:t>justify-content</a:t>
+            </a:r>
+          </a:p>
+          <a:p>
+            <a:r>
+              <a:rPr lang="ko-KR" altLang="en-US" sz="2800" dirty="0">
+                <a:latin typeface="배달의민족 주아" pitchFamily="18" charset="-127"/>
+                <a:ea typeface="배달의민족 주아" pitchFamily="18" charset="-127"/>
+              </a:rPr>
+              <a:t>중심축의 정렬방식을 결정한다</a:t>
+            </a:r>
+            <a:r>
+              <a:rPr lang="en-US" altLang="ko-KR" sz="2800" dirty="0">
+                <a:latin typeface="배달의민족 주아" pitchFamily="18" charset="-127"/>
+                <a:ea typeface="배달의민족 주아" pitchFamily="18" charset="-127"/>
+              </a:rPr>
+              <a:t>.</a:t>
+            </a:r>
+          </a:p>
+          <a:p>
+            <a:endParaRPr lang="en-US" altLang="ko-KR" sz="2800" dirty="0">
+              <a:latin typeface="배달의민족 주아" pitchFamily="18" charset="-127"/>
+              <a:ea typeface="배달의민족 주아" pitchFamily="18" charset="-127"/>
+            </a:endParaRPr>
+          </a:p>
+          <a:p>
+            <a:endParaRPr lang="en-US" altLang="ko-KR" sz="2800" dirty="0">
+              <a:latin typeface="배달의민족 주아" pitchFamily="18" charset="-127"/>
+              <a:ea typeface="배달의민족 주아" pitchFamily="18" charset="-127"/>
+            </a:endParaRPr>
+          </a:p>
+          <a:p>
+            <a:endParaRPr lang="en-US" altLang="ko-KR" sz="2800" dirty="0">
+              <a:latin typeface="배달의민족 주아" pitchFamily="18" charset="-127"/>
+              <a:ea typeface="배달의민족 주아" pitchFamily="18" charset="-127"/>
+            </a:endParaRPr>
+          </a:p>
+        </p:txBody>
+      </p:sp>
+      <p:graphicFrame>
+        <p:nvGraphicFramePr>
+          <p:cNvPr id="5" name="표 5">
+            <a:extLst>
+              <a:ext uri="{FF2B5EF4-FFF2-40B4-BE49-F238E27FC236}">
+                <a16:creationId xmlns:a16="http://schemas.microsoft.com/office/drawing/2014/main" id="{770F7BC2-085E-42CB-BC3B-FBAF886BD503}"/>
+              </a:ext>
+            </a:extLst>
+          </p:cNvPr>
+          <p:cNvGraphicFramePr>
+            <a:graphicFrameLocks noGrp="1"/>
+          </p:cNvGraphicFramePr>
+          <p:nvPr>
+            <p:extLst>
+              <p:ext uri="{D42A27DB-BD31-4B8C-83A1-F6EECF244321}">
+                <p14:modId xmlns:p14="http://schemas.microsoft.com/office/powerpoint/2010/main" val="2657243625"/>
+              </p:ext>
+            </p:extLst>
+          </p:nvPr>
+        </p:nvGraphicFramePr>
+        <p:xfrm>
+          <a:off x="1355812" y="2666777"/>
+          <a:ext cx="6432376" cy="2768600"/>
+        </p:xfrm>
+        <a:graphic>
+          <a:graphicData uri="http://schemas.openxmlformats.org/drawingml/2006/table">
+            <a:tbl>
+              <a:tblPr firstRow="1" bandRow="1">
+                <a:tableStyleId>{5C22544A-7EE6-4342-B048-85BDC9FD1C3A}</a:tableStyleId>
+              </a:tblPr>
+              <a:tblGrid>
+                <a:gridCol w="3216188">
+                  <a:extLst>
+                    <a:ext uri="{9D8B030D-6E8A-4147-A177-3AD203B41FA5}">
+                      <a16:colId xmlns:a16="http://schemas.microsoft.com/office/drawing/2014/main" val="1123807537"/>
+                    </a:ext>
+                  </a:extLst>
+                </a:gridCol>
+                <a:gridCol w="3216188">
+                  <a:extLst>
+                    <a:ext uri="{9D8B030D-6E8A-4147-A177-3AD203B41FA5}">
+                      <a16:colId xmlns:a16="http://schemas.microsoft.com/office/drawing/2014/main" val="3428224334"/>
+                    </a:ext>
+                  </a:extLst>
+                </a:gridCol>
+              </a:tblGrid>
+              <a:tr h="370840">
+                <a:tc>
+                  <a:txBody>
+                    <a:bodyPr/>
+                    <a:lstStyle/>
+                    <a:p>
+                      <a:pPr latinLnBrk="1"/>
+                      <a:r>
+                        <a:rPr lang="ko-KR" altLang="en-US" dirty="0"/>
+                        <a:t>속성값</a:t>
+                      </a:r>
+                    </a:p>
+                  </a:txBody>
+                  <a:tcPr/>
+                </a:tc>
+                <a:tc>
+                  <a:txBody>
+                    <a:bodyPr/>
+                    <a:lstStyle/>
+                    <a:p>
+                      <a:pPr latinLnBrk="1"/>
+                      <a:r>
+                        <a:rPr lang="ko-KR" altLang="en-US" dirty="0"/>
+                        <a:t>설명</a:t>
+                      </a:r>
+                    </a:p>
+                  </a:txBody>
+                  <a:tcPr/>
+                </a:tc>
+                <a:extLst>
+                  <a:ext uri="{0D108BD9-81ED-4DB2-BD59-A6C34878D82A}">
+                    <a16:rowId xmlns:a16="http://schemas.microsoft.com/office/drawing/2014/main" val="768639627"/>
+                  </a:ext>
+                </a:extLst>
+              </a:tr>
+              <a:tr h="370840">
+                <a:tc>
+                  <a:txBody>
+                    <a:bodyPr/>
+                    <a:lstStyle/>
+                    <a:p>
+                      <a:pPr latinLnBrk="1"/>
+                      <a:r>
+                        <a:rPr lang="en-US" altLang="ko-KR" dirty="0"/>
+                        <a:t>flex-start</a:t>
+                      </a:r>
+                      <a:endParaRPr lang="ko-KR" altLang="en-US" dirty="0"/>
+                    </a:p>
+                  </a:txBody>
+                  <a:tcPr/>
+                </a:tc>
+                <a:tc>
+                  <a:txBody>
+                    <a:bodyPr/>
+                    <a:lstStyle/>
+                    <a:p>
+                      <a:pPr latinLnBrk="1"/>
+                      <a:r>
+                        <a:rPr lang="ko-KR" altLang="en-US" dirty="0"/>
+                        <a:t>좌측을 기준으로 정렬</a:t>
+                      </a:r>
+                      <a:r>
+                        <a:rPr lang="en-US" altLang="ko-KR" dirty="0"/>
+                        <a:t>(</a:t>
+                      </a:r>
+                      <a:r>
+                        <a:rPr lang="ko-KR" altLang="en-US" dirty="0"/>
+                        <a:t>기본값</a:t>
+                      </a:r>
+                      <a:r>
+                        <a:rPr lang="en-US" altLang="ko-KR" dirty="0"/>
+                        <a:t>)</a:t>
+                      </a:r>
+                      <a:endParaRPr lang="ko-KR" altLang="en-US" dirty="0"/>
+                    </a:p>
+                  </a:txBody>
+                  <a:tcPr/>
+                </a:tc>
+                <a:extLst>
+                  <a:ext uri="{0D108BD9-81ED-4DB2-BD59-A6C34878D82A}">
+                    <a16:rowId xmlns:a16="http://schemas.microsoft.com/office/drawing/2014/main" val="3765853371"/>
+                  </a:ext>
+                </a:extLst>
+              </a:tr>
+              <a:tr h="370840">
+                <a:tc>
+                  <a:txBody>
+                    <a:bodyPr/>
+                    <a:lstStyle/>
+                    <a:p>
+                      <a:pPr latinLnBrk="1"/>
+                      <a:r>
+                        <a:rPr lang="en-US" altLang="ko-KR" dirty="0"/>
+                        <a:t>flex-end</a:t>
+                      </a:r>
+                      <a:endParaRPr lang="ko-KR" altLang="en-US" dirty="0"/>
+                    </a:p>
+                  </a:txBody>
+                  <a:tcPr/>
+                </a:tc>
+                <a:tc>
+                  <a:txBody>
+                    <a:bodyPr/>
+                    <a:lstStyle/>
+                    <a:p>
+                      <a:pPr latinLnBrk="1"/>
+                      <a:r>
+                        <a:rPr lang="ko-KR" altLang="en-US" dirty="0"/>
+                        <a:t>우측을 기준으로 정렬</a:t>
+                      </a:r>
+                    </a:p>
+                  </a:txBody>
+                  <a:tcPr/>
+                </a:tc>
+                <a:extLst>
+                  <a:ext uri="{0D108BD9-81ED-4DB2-BD59-A6C34878D82A}">
+                    <a16:rowId xmlns:a16="http://schemas.microsoft.com/office/drawing/2014/main" val="1758154378"/>
+                  </a:ext>
+                </a:extLst>
+              </a:tr>
+              <a:tr h="370840">
+                <a:tc>
+                  <a:txBody>
+                    <a:bodyPr/>
+                    <a:lstStyle/>
+                    <a:p>
+                      <a:pPr latinLnBrk="1"/>
+                      <a:r>
+                        <a:rPr lang="en-US" altLang="ko-KR" dirty="0"/>
+                        <a:t>center</a:t>
+                      </a:r>
+                      <a:endParaRPr lang="ko-KR" altLang="en-US" dirty="0"/>
+                    </a:p>
+                  </a:txBody>
+                  <a:tcPr/>
+                </a:tc>
+                <a:tc>
+                  <a:txBody>
+                    <a:bodyPr/>
+                    <a:lstStyle/>
+                    <a:p>
+                      <a:pPr latinLnBrk="1"/>
+                      <a:r>
+                        <a:rPr lang="ko-KR" altLang="en-US" dirty="0"/>
+                        <a:t>중앙을 기준으로 정렬</a:t>
+                      </a:r>
+                    </a:p>
+                  </a:txBody>
+                  <a:tcPr/>
+                </a:tc>
+                <a:extLst>
+                  <a:ext uri="{0D108BD9-81ED-4DB2-BD59-A6C34878D82A}">
+                    <a16:rowId xmlns:a16="http://schemas.microsoft.com/office/drawing/2014/main" val="3545406264"/>
+                  </a:ext>
+                </a:extLst>
+              </a:tr>
+              <a:tr h="370840">
+                <a:tc>
+                  <a:txBody>
+                    <a:bodyPr/>
+                    <a:lstStyle/>
+                    <a:p>
+                      <a:pPr latinLnBrk="1"/>
+                      <a:r>
+                        <a:rPr lang="en-US" altLang="ko-KR" dirty="0"/>
+                        <a:t>space-between</a:t>
+                      </a:r>
+                      <a:endParaRPr lang="ko-KR" altLang="en-US" dirty="0"/>
+                    </a:p>
+                  </a:txBody>
+                  <a:tcPr/>
+                </a:tc>
+                <a:tc>
+                  <a:txBody>
+                    <a:bodyPr/>
+                    <a:lstStyle/>
+                    <a:p>
+                      <a:pPr latinLnBrk="1"/>
+                      <a:r>
+                        <a:rPr lang="ko-KR" altLang="en-US" dirty="0"/>
+                        <a:t>첫번째와 마지막 </a:t>
+                      </a:r>
+                      <a:r>
+                        <a:rPr lang="en-US" altLang="ko-KR" dirty="0"/>
+                        <a:t>item</a:t>
+                      </a:r>
+                      <a:r>
+                        <a:rPr lang="ko-KR" altLang="en-US" dirty="0"/>
+                        <a:t>은 좌우 측면 배치 나머지는 균등하게 정렬</a:t>
+                      </a:r>
+                    </a:p>
+                  </a:txBody>
+                  <a:tcPr/>
+                </a:tc>
+                <a:extLst>
+                  <a:ext uri="{0D108BD9-81ED-4DB2-BD59-A6C34878D82A}">
+                    <a16:rowId xmlns:a16="http://schemas.microsoft.com/office/drawing/2014/main" val="15690521"/>
+                  </a:ext>
+                </a:extLst>
+              </a:tr>
+              <a:tr h="370840">
+                <a:tc>
+                  <a:txBody>
+                    <a:bodyPr/>
+                    <a:lstStyle/>
+                    <a:p>
+                      <a:pPr latinLnBrk="1"/>
+                      <a:r>
+                        <a:rPr lang="en-US" altLang="ko-KR" dirty="0"/>
+                        <a:t>space-around</a:t>
+                      </a:r>
+                      <a:endParaRPr lang="ko-KR" altLang="en-US" dirty="0"/>
+                    </a:p>
+                  </a:txBody>
+                  <a:tcPr/>
+                </a:tc>
+                <a:tc>
+                  <a:txBody>
+                    <a:bodyPr/>
+                    <a:lstStyle/>
+                    <a:p>
+                      <a:pPr latinLnBrk="1"/>
+                      <a:r>
+                        <a:rPr lang="ko-KR" altLang="en-US" dirty="0"/>
+                        <a:t>모든 </a:t>
+                      </a:r>
+                      <a:r>
+                        <a:rPr lang="en-US" altLang="ko-KR" dirty="0"/>
+                        <a:t>item</a:t>
+                      </a:r>
+                      <a:r>
+                        <a:rPr lang="ko-KR" altLang="en-US" dirty="0"/>
+                        <a:t>을 균등하게 정렬</a:t>
+                      </a:r>
+                    </a:p>
+                  </a:txBody>
+                  <a:tcPr/>
+                </a:tc>
+                <a:extLst>
+                  <a:ext uri="{0D108BD9-81ED-4DB2-BD59-A6C34878D82A}">
+                    <a16:rowId xmlns:a16="http://schemas.microsoft.com/office/drawing/2014/main" val="1074600471"/>
+                  </a:ext>
+                </a:extLst>
+              </a:tr>
+            </a:tbl>
+          </a:graphicData>
+        </a:graphic>
+      </p:graphicFrame>
+    </p:spTree>
+    <p:extLst>
+      <p:ext uri="{BB962C8B-B14F-4D97-AF65-F5344CB8AC3E}">
+        <p14:creationId xmlns:p14="http://schemas.microsoft.com/office/powerpoint/2010/main" val="4280015439"/>
+      </p:ext>
+    </p:extLst>
+  </p:cSld>
+  <p:clrMapOvr>
+    <a:masterClrMapping/>
+  </p:clrMapOvr>
+  <p:timing>
+    <p:tnLst>
+      <p:par>
+        <p:cTn id="1" dur="indefinite" restart="never" nodeType="tmRoot">
+          <p:childTnLst>
+            <p:seq concurrent="1" nextAc="seek">
+              <p:cTn id="2" dur="indefinite" nodeType="mainSeq">
+                <p:childTnLst>
+                  <p:par>
+                    <p:cTn id="3" fill="hold">
+                      <p:stCondLst>
+                        <p:cond delay="indefinite"/>
+                      </p:stCondLst>
+                      <p:childTnLst>
+                        <p:par>
+                          <p:cTn id="4" fill="hold">
+                            <p:stCondLst>
+                              <p:cond delay="0"/>
+                            </p:stCondLst>
+                            <p:childTnLst>
+                              <p:par>
+                                <p:cTn id="5" presetID="10" presetClass="entr" presetSubtype="0" fill="hold" grpId="0" nodeType="clickEffect">
+                                  <p:stCondLst>
+                                    <p:cond delay="0"/>
+                                  </p:stCondLst>
+                                  <p:childTnLst>
+                                    <p:set>
+                                      <p:cBhvr>
+                                        <p:cTn id="6" dur="1" fill="hold">
+                                          <p:stCondLst>
+                                            <p:cond delay="0"/>
+                                          </p:stCondLst>
+                                        </p:cTn>
+                                        <p:tgtEl>
+                                          <p:spTgt spid="4"/>
+                                        </p:tgtEl>
+                                        <p:attrNameLst>
+                                          <p:attrName>style.visibility</p:attrName>
+                                        </p:attrNameLst>
+                                      </p:cBhvr>
+                                      <p:to>
+                                        <p:strVal val="visible"/>
+                                      </p:to>
+                                    </p:set>
+                                    <p:animEffect transition="in" filter="fade">
+                                      <p:cBhvr>
+                                        <p:cTn id="7" dur="500"/>
+                                        <p:tgtEl>
+                                          <p:spTgt spid="4"/>
+                                        </p:tgtEl>
+                                      </p:cBhvr>
+                                    </p:animEffect>
+                                  </p:childTnLst>
+                                </p:cTn>
+                              </p:par>
+                            </p:childTnLst>
+                          </p:cTn>
+                        </p:par>
+                      </p:childTnLst>
+                    </p:cTn>
+                  </p:par>
+                  <p:par>
+                    <p:cTn id="8" fill="hold">
+                      <p:stCondLst>
+                        <p:cond delay="indefinite"/>
+                      </p:stCondLst>
+                      <p:childTnLst>
+                        <p:par>
+                          <p:cTn id="9" fill="hold">
+                            <p:stCondLst>
+                              <p:cond delay="0"/>
+                            </p:stCondLst>
+                            <p:childTnLst>
+                              <p:par>
+                                <p:cTn id="10" presetID="10" presetClass="entr" presetSubtype="0" fill="hold" nodeType="clickEffect">
+                                  <p:stCondLst>
+                                    <p:cond delay="0"/>
+                                  </p:stCondLst>
+                                  <p:childTnLst>
+                                    <p:set>
+                                      <p:cBhvr>
+                                        <p:cTn id="11" dur="1" fill="hold">
+                                          <p:stCondLst>
+                                            <p:cond delay="0"/>
+                                          </p:stCondLst>
+                                        </p:cTn>
+                                        <p:tgtEl>
+                                          <p:spTgt spid="5"/>
+                                        </p:tgtEl>
+                                        <p:attrNameLst>
+                                          <p:attrName>style.visibility</p:attrName>
+                                        </p:attrNameLst>
+                                      </p:cBhvr>
+                                      <p:to>
+                                        <p:strVal val="visible"/>
+                                      </p:to>
+                                    </p:set>
+                                    <p:animEffect transition="in" filter="fade">
+                                      <p:cBhvr>
+                                        <p:cTn id="12" dur="500"/>
+                                        <p:tgtEl>
+                                          <p:spTgt spid="5"/>
+                                        </p:tgtEl>
+                                      </p:cBhvr>
+                                    </p:animEffect>
+                                  </p:childTnLst>
+                                </p:cTn>
+                              </p:par>
+                            </p:childTnLst>
+                          </p:cTn>
+                        </p:par>
+                      </p:childTnLst>
+                    </p:cTn>
+                  </p:par>
+                </p:childTnLst>
+              </p:cTn>
+              <p:prevCondLst>
+                <p:cond evt="onPrev" delay="0">
+                  <p:tgtEl>
+                    <p:sldTgt/>
+                  </p:tgtEl>
+                </p:cond>
+              </p:prevCondLst>
+              <p:nextCondLst>
+                <p:cond evt="onNext" delay="0">
+                  <p:tgtEl>
+                    <p:sldTgt/>
+                  </p:tgtEl>
+                </p:cond>
+              </p:nextCondLst>
+            </p:seq>
+          </p:childTnLst>
+        </p:cTn>
+      </p:par>
+    </p:tnLst>
+    <p:bldLst>
+      <p:bldP spid="4" grpId="0"/>
+    </p:bldLst>
+  </p:timing>
+</p:sld>
+</file>
+
+<file path=ppt/slides/slide14.xml><?xml version="1.0" encoding="utf-8"?>
+<p:sld xmlns:a="http://schemas.openxmlformats.org/drawingml/2006/main" xmlns:r="http://schemas.openxmlformats.org/officeDocument/2006/relationships" xmlns:p="http://schemas.openxmlformats.org/presentationml/2006/main">
+  <p:cSld>
+    <p:spTree>
+      <p:nvGrpSpPr>
+        <p:cNvPr id="1" name=""/>
+        <p:cNvGrpSpPr/>
+        <p:nvPr/>
+      </p:nvGrpSpPr>
+      <p:grpSpPr>
+        <a:xfrm>
+          <a:off x="0" y="0"/>
+          <a:ext cx="0" cy="0"/>
+          <a:chOff x="0" y="0"/>
+          <a:chExt cx="0" cy="0"/>
+        </a:xfrm>
+      </p:grpSpPr>
+      <p:sp>
+        <p:nvSpPr>
+          <p:cNvPr id="2" name="제목 1"/>
+          <p:cNvSpPr>
+            <a:spLocks noGrp="1"/>
+          </p:cNvSpPr>
+          <p:nvPr>
+            <p:ph type="ctrTitle"/>
+          </p:nvPr>
+        </p:nvSpPr>
+        <p:spPr>
+          <a:xfrm>
+            <a:off x="685800" y="0"/>
+            <a:ext cx="7772400" cy="1470025"/>
+          </a:xfrm>
+        </p:spPr>
+        <p:txBody>
+          <a:bodyPr/>
+          <a:lstStyle/>
+          <a:p>
+            <a:r>
+              <a:rPr lang="ko-KR" altLang="en-US" dirty="0">
+                <a:latin typeface="배달의민족 주아" pitchFamily="18" charset="-127"/>
+                <a:ea typeface="배달의민족 주아" pitchFamily="18" charset="-127"/>
+              </a:rPr>
+              <a:t>컨테이너 속성</a:t>
+            </a:r>
+          </a:p>
+        </p:txBody>
+      </p:sp>
+      <p:sp>
+        <p:nvSpPr>
+          <p:cNvPr id="3" name="TextBox 2"/>
+          <p:cNvSpPr txBox="1"/>
+          <p:nvPr/>
+        </p:nvSpPr>
+        <p:spPr>
+          <a:xfrm>
+            <a:off x="6948264" y="6093296"/>
+            <a:ext cx="1838965" cy="369332"/>
+          </a:xfrm>
+          <a:prstGeom prst="rect">
+            <a:avLst/>
+          </a:prstGeom>
+          <a:noFill/>
+        </p:spPr>
+        <p:txBody>
+          <a:bodyPr wrap="none" rtlCol="0">
+            <a:spAutoFit/>
+          </a:bodyPr>
+          <a:lstStyle>
+            <a:defPPr>
+              <a:defRPr lang="ko-KR"/>
+            </a:defPPr>
+            <a:lvl1pPr marL="0" algn="l" defTabSz="914400" rtl="0" eaLnBrk="1" latinLnBrk="1" hangingPunct="1">
+              <a:defRPr sz="1800" kern="1200">
+                <a:solidFill>
+                  <a:schemeClr val="tx1"/>
+                </a:solidFill>
+                <a:latin typeface="+mn-lt"/>
+                <a:ea typeface="+mn-ea"/>
+                <a:cs typeface="+mn-cs"/>
+              </a:defRPr>
+            </a:lvl1pPr>
+            <a:lvl2pPr marL="457200" algn="l" defTabSz="914400" rtl="0" eaLnBrk="1" latinLnBrk="1" hangingPunct="1">
+              <a:defRPr sz="1800" kern="1200">
+                <a:solidFill>
+                  <a:schemeClr val="tx1"/>
+                </a:solidFill>
+                <a:latin typeface="+mn-lt"/>
+                <a:ea typeface="+mn-ea"/>
+                <a:cs typeface="+mn-cs"/>
+              </a:defRPr>
+            </a:lvl2pPr>
+            <a:lvl3pPr marL="914400" algn="l" defTabSz="914400" rtl="0" eaLnBrk="1" latinLnBrk="1" hangingPunct="1">
+              <a:defRPr sz="1800" kern="1200">
+                <a:solidFill>
+                  <a:schemeClr val="tx1"/>
+                </a:solidFill>
+                <a:latin typeface="+mn-lt"/>
+                <a:ea typeface="+mn-ea"/>
+                <a:cs typeface="+mn-cs"/>
+              </a:defRPr>
+            </a:lvl3pPr>
+            <a:lvl4pPr marL="1371600" algn="l" defTabSz="914400" rtl="0" eaLnBrk="1" latinLnBrk="1" hangingPunct="1">
+              <a:defRPr sz="1800" kern="1200">
+                <a:solidFill>
+                  <a:schemeClr val="tx1"/>
+                </a:solidFill>
+                <a:latin typeface="+mn-lt"/>
+                <a:ea typeface="+mn-ea"/>
+                <a:cs typeface="+mn-cs"/>
+              </a:defRPr>
+            </a:lvl4pPr>
+            <a:lvl5pPr marL="1828800" algn="l" defTabSz="914400" rtl="0" eaLnBrk="1" latinLnBrk="1" hangingPunct="1">
+              <a:defRPr sz="1800" kern="1200">
+                <a:solidFill>
+                  <a:schemeClr val="tx1"/>
+                </a:solidFill>
+                <a:latin typeface="+mn-lt"/>
+                <a:ea typeface="+mn-ea"/>
+                <a:cs typeface="+mn-cs"/>
+              </a:defRPr>
+            </a:lvl5pPr>
+            <a:lvl6pPr marL="2286000" algn="l" defTabSz="914400" rtl="0" eaLnBrk="1" latinLnBrk="1" hangingPunct="1">
+              <a:defRPr sz="1800" kern="1200">
+                <a:solidFill>
+                  <a:schemeClr val="tx1"/>
+                </a:solidFill>
+                <a:latin typeface="+mn-lt"/>
+                <a:ea typeface="+mn-ea"/>
+                <a:cs typeface="+mn-cs"/>
+              </a:defRPr>
+            </a:lvl6pPr>
+            <a:lvl7pPr marL="2743200" algn="l" defTabSz="914400" rtl="0" eaLnBrk="1" latinLnBrk="1" hangingPunct="1">
+              <a:defRPr sz="1800" kern="1200">
+                <a:solidFill>
+                  <a:schemeClr val="tx1"/>
+                </a:solidFill>
+                <a:latin typeface="+mn-lt"/>
+                <a:ea typeface="+mn-ea"/>
+                <a:cs typeface="+mn-cs"/>
+              </a:defRPr>
+            </a:lvl7pPr>
+            <a:lvl8pPr marL="3200400" algn="l" defTabSz="914400" rtl="0" eaLnBrk="1" latinLnBrk="1" hangingPunct="1">
+              <a:defRPr sz="1800" kern="1200">
+                <a:solidFill>
+                  <a:schemeClr val="tx1"/>
+                </a:solidFill>
+                <a:latin typeface="+mn-lt"/>
+                <a:ea typeface="+mn-ea"/>
+                <a:cs typeface="+mn-cs"/>
+              </a:defRPr>
+            </a:lvl8pPr>
+            <a:lvl9pPr marL="3657600" algn="l" defTabSz="914400" rtl="0" eaLnBrk="1" latinLnBrk="1" hangingPunct="1">
+              <a:defRPr sz="1800" kern="1200">
+                <a:solidFill>
+                  <a:schemeClr val="tx1"/>
+                </a:solidFill>
+                <a:latin typeface="+mn-lt"/>
+                <a:ea typeface="+mn-ea"/>
+                <a:cs typeface="+mn-cs"/>
+              </a:defRPr>
+            </a:lvl9pPr>
+          </a:lstStyle>
+          <a:p>
+            <a:r>
+              <a:rPr lang="en-US" altLang="ko-KR" dirty="0">
+                <a:solidFill>
+                  <a:schemeClr val="accent5"/>
+                </a:solidFill>
+                <a:latin typeface="배달의민족 도현" pitchFamily="50" charset="-127"/>
+                <a:ea typeface="배달의민족 도현" pitchFamily="50" charset="-127"/>
+              </a:rPr>
+              <a:t>S</a:t>
+            </a:r>
+            <a:r>
+              <a:rPr lang="en-US" altLang="ko-KR" dirty="0">
+                <a:latin typeface="배달의민족 도현" pitchFamily="50" charset="-127"/>
+                <a:ea typeface="배달의민족 도현" pitchFamily="50" charset="-127"/>
+              </a:rPr>
+              <a:t>TART</a:t>
+            </a:r>
+            <a:r>
+              <a:rPr lang="en-US" altLang="ko-KR" dirty="0">
+                <a:solidFill>
+                  <a:schemeClr val="accent5"/>
+                </a:solidFill>
+                <a:latin typeface="배달의민족 도현" pitchFamily="50" charset="-127"/>
+                <a:ea typeface="배달의민족 도현" pitchFamily="50" charset="-127"/>
+              </a:rPr>
+              <a:t>C</a:t>
+            </a:r>
+            <a:r>
+              <a:rPr lang="en-US" altLang="ko-KR" dirty="0">
+                <a:latin typeface="배달의민족 도현" pitchFamily="50" charset="-127"/>
+                <a:ea typeface="배달의민족 도현" pitchFamily="50" charset="-127"/>
+              </a:rPr>
+              <a:t>ODING</a:t>
+            </a:r>
+            <a:endParaRPr lang="ko-KR" altLang="en-US" dirty="0">
+              <a:latin typeface="배달의민족 도현" pitchFamily="50" charset="-127"/>
+              <a:ea typeface="배달의민족 도현" pitchFamily="50" charset="-127"/>
+            </a:endParaRPr>
+          </a:p>
+        </p:txBody>
+      </p:sp>
+      <p:sp>
+        <p:nvSpPr>
+          <p:cNvPr id="4" name="제목 1"/>
+          <p:cNvSpPr txBox="1">
+            <a:spLocks/>
+          </p:cNvSpPr>
+          <p:nvPr/>
+        </p:nvSpPr>
+        <p:spPr>
+          <a:xfrm>
+            <a:off x="899592" y="1196752"/>
+            <a:ext cx="7344816" cy="2664296"/>
+          </a:xfrm>
+          <a:prstGeom prst="rect">
+            <a:avLst/>
+          </a:prstGeom>
+        </p:spPr>
+        <p:txBody>
+          <a:bodyPr vert="horz" lIns="91440" tIns="45720" rIns="91440" bIns="45720" rtlCol="0" anchor="ctr">
+            <a:normAutofit/>
+          </a:bodyPr>
+          <a:lstStyle>
+            <a:lvl1pPr algn="ctr" defTabSz="914400" rtl="0" eaLnBrk="1" latinLnBrk="1" hangingPunct="1">
+              <a:spcBef>
+                <a:spcPct val="0"/>
+              </a:spcBef>
+              <a:buNone/>
+              <a:defRPr sz="4400" kern="1200">
+                <a:solidFill>
+                  <a:schemeClr val="tx1"/>
+                </a:solidFill>
+                <a:latin typeface="+mj-lt"/>
+                <a:ea typeface="+mj-ea"/>
+                <a:cs typeface="+mj-cs"/>
+              </a:defRPr>
+            </a:lvl1pPr>
+          </a:lstStyle>
+          <a:p>
+            <a:r>
+              <a:rPr lang="en-US" altLang="ko-KR" sz="2800" dirty="0">
+                <a:solidFill>
+                  <a:schemeClr val="accent6"/>
+                </a:solidFill>
+                <a:latin typeface="배달의민족 주아" pitchFamily="18" charset="-127"/>
+                <a:ea typeface="배달의민족 주아" pitchFamily="18" charset="-127"/>
+              </a:rPr>
+              <a:t>align-items</a:t>
+            </a:r>
+          </a:p>
+          <a:p>
+            <a:r>
+              <a:rPr lang="ko-KR" altLang="en-US" sz="2800" dirty="0">
+                <a:latin typeface="배달의민족 주아" pitchFamily="18" charset="-127"/>
+                <a:ea typeface="배달의민족 주아" pitchFamily="18" charset="-127"/>
+              </a:rPr>
+              <a:t>반대축의 정렬방식을 결정한다</a:t>
+            </a:r>
+            <a:r>
+              <a:rPr lang="en-US" altLang="ko-KR" sz="2800" dirty="0">
+                <a:latin typeface="배달의민족 주아" pitchFamily="18" charset="-127"/>
+                <a:ea typeface="배달의민족 주아" pitchFamily="18" charset="-127"/>
+              </a:rPr>
+              <a:t>.</a:t>
+            </a:r>
+          </a:p>
+          <a:p>
+            <a:endParaRPr lang="en-US" altLang="ko-KR" sz="2800" dirty="0">
+              <a:latin typeface="배달의민족 주아" pitchFamily="18" charset="-127"/>
+              <a:ea typeface="배달의민족 주아" pitchFamily="18" charset="-127"/>
+            </a:endParaRPr>
+          </a:p>
+          <a:p>
+            <a:endParaRPr lang="en-US" altLang="ko-KR" sz="2800" dirty="0">
+              <a:latin typeface="배달의민족 주아" pitchFamily="18" charset="-127"/>
+              <a:ea typeface="배달의민족 주아" pitchFamily="18" charset="-127"/>
+            </a:endParaRPr>
+          </a:p>
+          <a:p>
+            <a:endParaRPr lang="en-US" altLang="ko-KR" sz="2800" dirty="0">
+              <a:latin typeface="배달의민족 주아" pitchFamily="18" charset="-127"/>
+              <a:ea typeface="배달의민족 주아" pitchFamily="18" charset="-127"/>
+            </a:endParaRPr>
+          </a:p>
+        </p:txBody>
+      </p:sp>
+      <p:graphicFrame>
+        <p:nvGraphicFramePr>
+          <p:cNvPr id="5" name="표 5">
+            <a:extLst>
+              <a:ext uri="{FF2B5EF4-FFF2-40B4-BE49-F238E27FC236}">
+                <a16:creationId xmlns:a16="http://schemas.microsoft.com/office/drawing/2014/main" id="{770F7BC2-085E-42CB-BC3B-FBAF886BD503}"/>
+              </a:ext>
+            </a:extLst>
+          </p:cNvPr>
+          <p:cNvGraphicFramePr>
+            <a:graphicFrameLocks noGrp="1"/>
+          </p:cNvGraphicFramePr>
+          <p:nvPr>
+            <p:extLst>
+              <p:ext uri="{D42A27DB-BD31-4B8C-83A1-F6EECF244321}">
+                <p14:modId xmlns:p14="http://schemas.microsoft.com/office/powerpoint/2010/main" val="3054390126"/>
+              </p:ext>
+            </p:extLst>
+          </p:nvPr>
+        </p:nvGraphicFramePr>
+        <p:xfrm>
+          <a:off x="1524000" y="2666777"/>
+          <a:ext cx="6096000" cy="2123440"/>
+        </p:xfrm>
+        <a:graphic>
+          <a:graphicData uri="http://schemas.openxmlformats.org/drawingml/2006/table">
+            <a:tbl>
+              <a:tblPr firstRow="1" bandRow="1">
+                <a:tableStyleId>{5C22544A-7EE6-4342-B048-85BDC9FD1C3A}</a:tableStyleId>
+              </a:tblPr>
+              <a:tblGrid>
+                <a:gridCol w="3048000">
+                  <a:extLst>
+                    <a:ext uri="{9D8B030D-6E8A-4147-A177-3AD203B41FA5}">
+                      <a16:colId xmlns:a16="http://schemas.microsoft.com/office/drawing/2014/main" val="1123807537"/>
+                    </a:ext>
+                  </a:extLst>
+                </a:gridCol>
+                <a:gridCol w="3048000">
+                  <a:extLst>
+                    <a:ext uri="{9D8B030D-6E8A-4147-A177-3AD203B41FA5}">
+                      <a16:colId xmlns:a16="http://schemas.microsoft.com/office/drawing/2014/main" val="3428224334"/>
+                    </a:ext>
+                  </a:extLst>
+                </a:gridCol>
+              </a:tblGrid>
+              <a:tr h="370840">
+                <a:tc>
+                  <a:txBody>
+                    <a:bodyPr/>
+                    <a:lstStyle/>
+                    <a:p>
+                      <a:pPr latinLnBrk="1"/>
+                      <a:r>
+                        <a:rPr lang="ko-KR" altLang="en-US" dirty="0"/>
+                        <a:t>속성값</a:t>
+                      </a:r>
+                    </a:p>
+                  </a:txBody>
+                  <a:tcPr/>
+                </a:tc>
+                <a:tc>
+                  <a:txBody>
+                    <a:bodyPr/>
+                    <a:lstStyle/>
+                    <a:p>
+                      <a:pPr latinLnBrk="1"/>
+                      <a:r>
+                        <a:rPr lang="ko-KR" altLang="en-US" dirty="0"/>
+                        <a:t>설명</a:t>
+                      </a:r>
+                    </a:p>
+                  </a:txBody>
+                  <a:tcPr/>
+                </a:tc>
+                <a:extLst>
+                  <a:ext uri="{0D108BD9-81ED-4DB2-BD59-A6C34878D82A}">
+                    <a16:rowId xmlns:a16="http://schemas.microsoft.com/office/drawing/2014/main" val="768639627"/>
+                  </a:ext>
+                </a:extLst>
+              </a:tr>
+              <a:tr h="370840">
+                <a:tc>
+                  <a:txBody>
+                    <a:bodyPr/>
+                    <a:lstStyle/>
+                    <a:p>
+                      <a:pPr latinLnBrk="1"/>
+                      <a:r>
+                        <a:rPr lang="en-US" altLang="ko-KR" dirty="0"/>
+                        <a:t>stretch</a:t>
+                      </a:r>
+                      <a:endParaRPr lang="ko-KR" altLang="en-US" dirty="0"/>
+                    </a:p>
+                  </a:txBody>
+                  <a:tcPr/>
+                </a:tc>
+                <a:tc>
+                  <a:txBody>
+                    <a:bodyPr/>
+                    <a:lstStyle/>
+                    <a:p>
+                      <a:pPr latinLnBrk="1"/>
+                      <a:r>
+                        <a:rPr lang="en-US" altLang="ko-KR" dirty="0"/>
+                        <a:t>item</a:t>
+                      </a:r>
+                      <a:r>
+                        <a:rPr lang="ko-KR" altLang="en-US" dirty="0"/>
+                        <a:t>들이 컨테이너 높이에 </a:t>
+                      </a:r>
+                      <a:r>
+                        <a:rPr lang="ko-KR" altLang="en-US" dirty="0" err="1"/>
+                        <a:t>꽉차게</a:t>
+                      </a:r>
+                      <a:r>
+                        <a:rPr lang="ko-KR" altLang="en-US" dirty="0"/>
+                        <a:t> 된다</a:t>
+                      </a:r>
+                      <a:r>
+                        <a:rPr lang="en-US" altLang="ko-KR" dirty="0"/>
+                        <a:t>(</a:t>
+                      </a:r>
+                      <a:r>
+                        <a:rPr lang="ko-KR" altLang="en-US" dirty="0"/>
+                        <a:t>기본값</a:t>
+                      </a:r>
+                      <a:r>
+                        <a:rPr lang="en-US" altLang="ko-KR" dirty="0"/>
+                        <a:t>)</a:t>
+                      </a:r>
+                      <a:endParaRPr lang="ko-KR" altLang="en-US" dirty="0"/>
+                    </a:p>
+                  </a:txBody>
+                  <a:tcPr/>
+                </a:tc>
+                <a:extLst>
+                  <a:ext uri="{0D108BD9-81ED-4DB2-BD59-A6C34878D82A}">
+                    <a16:rowId xmlns:a16="http://schemas.microsoft.com/office/drawing/2014/main" val="3765853371"/>
+                  </a:ext>
+                </a:extLst>
+              </a:tr>
+              <a:tr h="370840">
+                <a:tc>
+                  <a:txBody>
+                    <a:bodyPr/>
+                    <a:lstStyle/>
+                    <a:p>
+                      <a:pPr latinLnBrk="1"/>
+                      <a:r>
+                        <a:rPr lang="en-US" altLang="ko-KR" dirty="0"/>
+                        <a:t>flex-start</a:t>
+                      </a:r>
+                      <a:endParaRPr lang="ko-KR" altLang="en-US" dirty="0"/>
+                    </a:p>
+                  </a:txBody>
+                  <a:tcPr/>
+                </a:tc>
+                <a:tc>
+                  <a:txBody>
+                    <a:bodyPr/>
+                    <a:lstStyle/>
+                    <a:p>
+                      <a:pPr latinLnBrk="1"/>
+                      <a:r>
+                        <a:rPr lang="ko-KR" altLang="en-US" dirty="0"/>
+                        <a:t>좌측을 기준으로 정렬</a:t>
+                      </a:r>
+                    </a:p>
+                  </a:txBody>
+                  <a:tcPr/>
+                </a:tc>
+                <a:extLst>
+                  <a:ext uri="{0D108BD9-81ED-4DB2-BD59-A6C34878D82A}">
+                    <a16:rowId xmlns:a16="http://schemas.microsoft.com/office/drawing/2014/main" val="1758154378"/>
+                  </a:ext>
+                </a:extLst>
+              </a:tr>
+              <a:tr h="370840">
+                <a:tc>
+                  <a:txBody>
+                    <a:bodyPr/>
+                    <a:lstStyle/>
+                    <a:p>
+                      <a:pPr latinLnBrk="1"/>
+                      <a:r>
+                        <a:rPr lang="en-US" altLang="ko-KR" dirty="0"/>
+                        <a:t>flex-end</a:t>
+                      </a:r>
+                      <a:endParaRPr lang="ko-KR" altLang="en-US" dirty="0"/>
+                    </a:p>
+                  </a:txBody>
+                  <a:tcPr/>
+                </a:tc>
+                <a:tc>
+                  <a:txBody>
+                    <a:bodyPr/>
+                    <a:lstStyle/>
+                    <a:p>
+                      <a:pPr latinLnBrk="1"/>
+                      <a:r>
+                        <a:rPr lang="ko-KR" altLang="en-US" dirty="0"/>
+                        <a:t>우측을 기준으로 정렬</a:t>
+                      </a:r>
+                    </a:p>
+                  </a:txBody>
+                  <a:tcPr/>
+                </a:tc>
+                <a:extLst>
+                  <a:ext uri="{0D108BD9-81ED-4DB2-BD59-A6C34878D82A}">
+                    <a16:rowId xmlns:a16="http://schemas.microsoft.com/office/drawing/2014/main" val="3545406264"/>
+                  </a:ext>
+                </a:extLst>
+              </a:tr>
+              <a:tr h="370840">
+                <a:tc>
+                  <a:txBody>
+                    <a:bodyPr/>
+                    <a:lstStyle/>
+                    <a:p>
+                      <a:pPr latinLnBrk="1"/>
+                      <a:r>
+                        <a:rPr lang="en-US" altLang="ko-KR" dirty="0"/>
+                        <a:t>center</a:t>
+                      </a:r>
+                      <a:endParaRPr lang="ko-KR" altLang="en-US" dirty="0"/>
+                    </a:p>
+                  </a:txBody>
+                  <a:tcPr/>
+                </a:tc>
+                <a:tc>
+                  <a:txBody>
+                    <a:bodyPr/>
+                    <a:lstStyle/>
+                    <a:p>
+                      <a:pPr latinLnBrk="1"/>
+                      <a:r>
+                        <a:rPr lang="ko-KR" altLang="en-US" dirty="0"/>
+                        <a:t>중앙을 기준으로 정렬</a:t>
+                      </a:r>
+                    </a:p>
+                  </a:txBody>
+                  <a:tcPr/>
+                </a:tc>
+                <a:extLst>
+                  <a:ext uri="{0D108BD9-81ED-4DB2-BD59-A6C34878D82A}">
+                    <a16:rowId xmlns:a16="http://schemas.microsoft.com/office/drawing/2014/main" val="15690521"/>
+                  </a:ext>
+                </a:extLst>
+              </a:tr>
+            </a:tbl>
+          </a:graphicData>
+        </a:graphic>
+      </p:graphicFrame>
+    </p:spTree>
+    <p:extLst>
+      <p:ext uri="{BB962C8B-B14F-4D97-AF65-F5344CB8AC3E}">
+        <p14:creationId xmlns:p14="http://schemas.microsoft.com/office/powerpoint/2010/main" val="2796972779"/>
+      </p:ext>
+    </p:extLst>
+  </p:cSld>
+  <p:clrMapOvr>
+    <a:masterClrMapping/>
+  </p:clrMapOvr>
+  <p:timing>
+    <p:tnLst>
+      <p:par>
+        <p:cTn id="1" dur="indefinite" restart="never" nodeType="tmRoot">
+          <p:childTnLst>
+            <p:seq concurrent="1" nextAc="seek">
+              <p:cTn id="2" dur="indefinite" nodeType="mainSeq">
+                <p:childTnLst>
+                  <p:par>
+                    <p:cTn id="3" fill="hold">
+                      <p:stCondLst>
+                        <p:cond delay="indefinite"/>
+                      </p:stCondLst>
+                      <p:childTnLst>
+                        <p:par>
+                          <p:cTn id="4" fill="hold">
+                            <p:stCondLst>
+                              <p:cond delay="0"/>
+                            </p:stCondLst>
+                            <p:childTnLst>
+                              <p:par>
+                                <p:cTn id="5" presetID="10" presetClass="entr" presetSubtype="0" fill="hold" grpId="0" nodeType="clickEffect">
+                                  <p:stCondLst>
+                                    <p:cond delay="0"/>
+                                  </p:stCondLst>
+                                  <p:childTnLst>
+                                    <p:set>
+                                      <p:cBhvr>
+                                        <p:cTn id="6" dur="1" fill="hold">
+                                          <p:stCondLst>
+                                            <p:cond delay="0"/>
+                                          </p:stCondLst>
+                                        </p:cTn>
+                                        <p:tgtEl>
+                                          <p:spTgt spid="4"/>
+                                        </p:tgtEl>
+                                        <p:attrNameLst>
+                                          <p:attrName>style.visibility</p:attrName>
+                                        </p:attrNameLst>
+                                      </p:cBhvr>
+                                      <p:to>
+                                        <p:strVal val="visible"/>
+                                      </p:to>
+                                    </p:set>
+                                    <p:animEffect transition="in" filter="fade">
+                                      <p:cBhvr>
+                                        <p:cTn id="7" dur="500"/>
+                                        <p:tgtEl>
+                                          <p:spTgt spid="4"/>
+                                        </p:tgtEl>
+                                      </p:cBhvr>
+                                    </p:animEffect>
+                                  </p:childTnLst>
+                                </p:cTn>
+                              </p:par>
+                            </p:childTnLst>
+                          </p:cTn>
+                        </p:par>
+                      </p:childTnLst>
+                    </p:cTn>
+                  </p:par>
+                  <p:par>
+                    <p:cTn id="8" fill="hold">
+                      <p:stCondLst>
+                        <p:cond delay="indefinite"/>
+                      </p:stCondLst>
+                      <p:childTnLst>
+                        <p:par>
+                          <p:cTn id="9" fill="hold">
+                            <p:stCondLst>
+                              <p:cond delay="0"/>
+                            </p:stCondLst>
+                            <p:childTnLst>
+                              <p:par>
+                                <p:cTn id="10" presetID="10" presetClass="entr" presetSubtype="0" fill="hold" nodeType="clickEffect">
+                                  <p:stCondLst>
+                                    <p:cond delay="0"/>
+                                  </p:stCondLst>
+                                  <p:childTnLst>
+                                    <p:set>
+                                      <p:cBhvr>
+                                        <p:cTn id="11" dur="1" fill="hold">
+                                          <p:stCondLst>
+                                            <p:cond delay="0"/>
+                                          </p:stCondLst>
+                                        </p:cTn>
+                                        <p:tgtEl>
+                                          <p:spTgt spid="5"/>
+                                        </p:tgtEl>
+                                        <p:attrNameLst>
+                                          <p:attrName>style.visibility</p:attrName>
+                                        </p:attrNameLst>
+                                      </p:cBhvr>
+                                      <p:to>
+                                        <p:strVal val="visible"/>
+                                      </p:to>
+                                    </p:set>
+                                    <p:animEffect transition="in" filter="fade">
+                                      <p:cBhvr>
+                                        <p:cTn id="12" dur="500"/>
+                                        <p:tgtEl>
+                                          <p:spTgt spid="5"/>
+                                        </p:tgtEl>
+                                      </p:cBhvr>
+                                    </p:animEffect>
+                                  </p:childTnLst>
+                                </p:cTn>
+                              </p:par>
+                            </p:childTnLst>
+                          </p:cTn>
+                        </p:par>
+                      </p:childTnLst>
+                    </p:cTn>
+                  </p:par>
+                </p:childTnLst>
+              </p:cTn>
+              <p:prevCondLst>
+                <p:cond evt="onPrev" delay="0">
+                  <p:tgtEl>
+                    <p:sldTgt/>
+                  </p:tgtEl>
+                </p:cond>
+              </p:prevCondLst>
+              <p:nextCondLst>
+                <p:cond evt="onNext" delay="0">
+                  <p:tgtEl>
+                    <p:sldTgt/>
+                  </p:tgtEl>
+                </p:cond>
+              </p:nextCondLst>
+            </p:seq>
+          </p:childTnLst>
+        </p:cTn>
+      </p:par>
+    </p:tnLst>
+    <p:bldLst>
+      <p:bldP spid="4" grpId="0"/>
+    </p:bldLst>
+  </p:timing>
+</p:sld>
+</file>
+
+<file path=ppt/slides/slide15.xml><?xml version="1.0" encoding="utf-8"?>
+<p:sld xmlns:a="http://schemas.openxmlformats.org/drawingml/2006/main" xmlns:r="http://schemas.openxmlformats.org/officeDocument/2006/relationships" xmlns:p="http://schemas.openxmlformats.org/presentationml/2006/main">
+  <p:cSld>
+    <p:spTree>
+      <p:nvGrpSpPr>
+        <p:cNvPr id="1" name=""/>
+        <p:cNvGrpSpPr/>
+        <p:nvPr/>
+      </p:nvGrpSpPr>
+      <p:grpSpPr>
+        <a:xfrm>
+          <a:off x="0" y="0"/>
+          <a:ext cx="0" cy="0"/>
+          <a:chOff x="0" y="0"/>
+          <a:chExt cx="0" cy="0"/>
+        </a:xfrm>
+      </p:grpSpPr>
+      <p:sp>
+        <p:nvSpPr>
           <p:cNvPr id="5" name="제목 1"/>
           <p:cNvSpPr txBox="1">
             <a:spLocks/>
@@ -4223,16 +7148,85 @@
           </a:lstStyle>
           <a:p>
             <a:r>
+              <a:rPr lang="en-US" altLang="ko-KR" sz="3600" dirty="0">
+                <a:latin typeface="배달의민족 주아" pitchFamily="18" charset="-127"/>
+                <a:ea typeface="배달의민족 주아" pitchFamily="18" charset="-127"/>
+              </a:rPr>
+              <a:t>Flex-Box</a:t>
+            </a:r>
+            <a:r>
               <a:rPr lang="ko-KR" altLang="en-US" sz="3600" dirty="0">
                 <a:latin typeface="배달의민족 주아" pitchFamily="18" charset="-127"/>
                 <a:ea typeface="배달의민족 주아" pitchFamily="18" charset="-127"/>
               </a:rPr>
-              <a:t>컨테이너와 아이템</a:t>
-            </a:r>
+              <a:t>를 이용하면</a:t>
+            </a:r>
+            <a:r>
+              <a:rPr lang="en-US" altLang="ko-KR" sz="3600" dirty="0">
+                <a:latin typeface="배달의민족 주아" pitchFamily="18" charset="-127"/>
+                <a:ea typeface="배달의민족 주아" pitchFamily="18" charset="-127"/>
+              </a:rPr>
+              <a:t>?</a:t>
+            </a:r>
+          </a:p>
+          <a:p>
             <a:endParaRPr lang="en-US" altLang="ko-KR" sz="3600" dirty="0">
               <a:latin typeface="배달의민족 주아" pitchFamily="18" charset="-127"/>
               <a:ea typeface="배달의민족 주아" pitchFamily="18" charset="-127"/>
             </a:endParaRPr>
+          </a:p>
+          <a:p>
+            <a:r>
+              <a:rPr lang="en-US" altLang="ko-KR" sz="3600" dirty="0">
+                <a:latin typeface="배달의민족 주아" pitchFamily="18" charset="-127"/>
+                <a:ea typeface="배달의민족 주아" pitchFamily="18" charset="-127"/>
+              </a:rPr>
+              <a:t>1. </a:t>
+            </a:r>
+            <a:r>
+              <a:rPr lang="ko-KR" altLang="en-US" sz="3600" dirty="0">
+                <a:latin typeface="배달의민족 주아" pitchFamily="18" charset="-127"/>
+                <a:ea typeface="배달의민족 주아" pitchFamily="18" charset="-127"/>
+              </a:rPr>
+              <a:t>화면의 사이즈에 상관없이 </a:t>
+            </a:r>
+            <a:endParaRPr lang="en-US" altLang="ko-KR" sz="3600" dirty="0">
+              <a:latin typeface="배달의민족 주아" pitchFamily="18" charset="-127"/>
+              <a:ea typeface="배달의민족 주아" pitchFamily="18" charset="-127"/>
+            </a:endParaRPr>
+          </a:p>
+          <a:p>
+            <a:r>
+              <a:rPr lang="ko-KR" altLang="en-US" sz="3600" dirty="0">
+                <a:latin typeface="배달의민족 주아" pitchFamily="18" charset="-127"/>
+                <a:ea typeface="배달의민족 주아" pitchFamily="18" charset="-127"/>
+              </a:rPr>
+              <a:t>레이아웃을 </a:t>
+            </a:r>
+            <a:r>
+              <a:rPr lang="ko-KR" altLang="en-US" sz="3600" dirty="0">
+                <a:solidFill>
+                  <a:schemeClr val="accent6"/>
+                </a:solidFill>
+                <a:latin typeface="배달의민족 주아" pitchFamily="18" charset="-127"/>
+                <a:ea typeface="배달의민족 주아" pitchFamily="18" charset="-127"/>
+              </a:rPr>
+              <a:t>유동적으로</a:t>
+            </a:r>
+            <a:r>
+              <a:rPr lang="ko-KR" altLang="en-US" sz="3600" dirty="0">
+                <a:latin typeface="배달의민족 주아" pitchFamily="18" charset="-127"/>
+                <a:ea typeface="배달의민족 주아" pitchFamily="18" charset="-127"/>
+              </a:rPr>
+              <a:t> 만들 수 있다</a:t>
+            </a:r>
+            <a:r>
+              <a:rPr lang="en-US" altLang="ko-KR" sz="3600" dirty="0">
+                <a:latin typeface="배달의민족 주아" pitchFamily="18" charset="-127"/>
+                <a:ea typeface="배달의민족 주아" pitchFamily="18" charset="-127"/>
+              </a:rPr>
+              <a:t>.</a:t>
+            </a:r>
           </a:p>
         </p:txBody>
       </p:sp>
@@ -4396,7 +7390,7 @@
     </p:spTree>
     <p:extLst>
       <p:ext uri="{BB962C8B-B14F-4D97-AF65-F5344CB8AC3E}">
-        <p14:creationId xmlns:p14="http://schemas.microsoft.com/office/powerpoint/2010/main" val="4136980761"/>
+        <p14:creationId xmlns:p14="http://schemas.microsoft.com/office/powerpoint/2010/main" val="643195461"/>
       </p:ext>
     </p:extLst>
   </p:cSld>
@@ -4548,16 +7542,95 @@
           </a:lstStyle>
           <a:p>
             <a:r>
+              <a:rPr lang="en-US" altLang="ko-KR" sz="3600" dirty="0">
+                <a:latin typeface="배달의민족 주아" pitchFamily="18" charset="-127"/>
+                <a:ea typeface="배달의민족 주아" pitchFamily="18" charset="-127"/>
+              </a:rPr>
+              <a:t>Flex-Box</a:t>
+            </a:r>
+            <a:r>
               <a:rPr lang="ko-KR" altLang="en-US" sz="3600" dirty="0">
                 <a:latin typeface="배달의민족 주아" pitchFamily="18" charset="-127"/>
                 <a:ea typeface="배달의민족 주아" pitchFamily="18" charset="-127"/>
               </a:rPr>
-              <a:t>컨테이너와 아이템</a:t>
-            </a:r>
+              <a:t>를 이용하면</a:t>
+            </a:r>
+            <a:r>
+              <a:rPr lang="en-US" altLang="ko-KR" sz="3600" dirty="0">
+                <a:latin typeface="배달의민족 주아" pitchFamily="18" charset="-127"/>
+                <a:ea typeface="배달의민족 주아" pitchFamily="18" charset="-127"/>
+              </a:rPr>
+              <a:t>?</a:t>
+            </a:r>
+          </a:p>
+          <a:p>
             <a:endParaRPr lang="en-US" altLang="ko-KR" sz="3600" dirty="0">
               <a:latin typeface="배달의민족 주아" pitchFamily="18" charset="-127"/>
               <a:ea typeface="배달의민족 주아" pitchFamily="18" charset="-127"/>
             </a:endParaRPr>
+          </a:p>
+          <a:p>
+            <a:r>
+              <a:rPr lang="en-US" altLang="ko-KR" sz="3600" dirty="0">
+                <a:latin typeface="배달의민족 주아" pitchFamily="18" charset="-127"/>
+                <a:ea typeface="배달의민족 주아" pitchFamily="18" charset="-127"/>
+              </a:rPr>
+              <a:t>2. </a:t>
+            </a:r>
+            <a:r>
+              <a:rPr lang="ko-KR" altLang="en-US" sz="3600" dirty="0">
+                <a:solidFill>
+                  <a:schemeClr val="accent6"/>
+                </a:solidFill>
+                <a:latin typeface="배달의민족 주아" pitchFamily="18" charset="-127"/>
+                <a:ea typeface="배달의민족 주아" pitchFamily="18" charset="-127"/>
+              </a:rPr>
+              <a:t>세로 </a:t>
+            </a:r>
+            <a:r>
+              <a:rPr lang="ko-KR" altLang="en-US" sz="3600" dirty="0" err="1">
+                <a:solidFill>
+                  <a:schemeClr val="accent6"/>
+                </a:solidFill>
+                <a:latin typeface="배달의민족 주아" pitchFamily="18" charset="-127"/>
+                <a:ea typeface="배달의민족 주아" pitchFamily="18" charset="-127"/>
+              </a:rPr>
+              <a:t>중앙정렬</a:t>
+            </a:r>
+            <a:r>
+              <a:rPr lang="ko-KR" altLang="en-US" sz="3600" dirty="0" err="1">
+                <a:latin typeface="배달의민족 주아" pitchFamily="18" charset="-127"/>
+                <a:ea typeface="배달의민족 주아" pitchFamily="18" charset="-127"/>
+              </a:rPr>
+              <a:t>을</a:t>
+            </a:r>
+            <a:r>
+              <a:rPr lang="ko-KR" altLang="en-US" sz="3600" dirty="0">
+                <a:latin typeface="배달의민족 주아" pitchFamily="18" charset="-127"/>
+                <a:ea typeface="배달의민족 주아" pitchFamily="18" charset="-127"/>
+              </a:rPr>
+              <a:t> 굉장히 </a:t>
+            </a:r>
+            <a:endParaRPr lang="en-US" altLang="ko-KR" sz="3600" dirty="0">
+              <a:latin typeface="배달의민족 주아" pitchFamily="18" charset="-127"/>
+              <a:ea typeface="배달의민족 주아" pitchFamily="18" charset="-127"/>
+            </a:endParaRPr>
+          </a:p>
+          <a:p>
+            <a:r>
+              <a:rPr lang="ko-KR" altLang="en-US" sz="3600" dirty="0">
+                <a:latin typeface="배달의민족 주아" pitchFamily="18" charset="-127"/>
+                <a:ea typeface="배달의민족 주아" pitchFamily="18" charset="-127"/>
+              </a:rPr>
+              <a:t>쉽게 할 수 있다</a:t>
+            </a:r>
+            <a:r>
+              <a:rPr lang="en-US" altLang="ko-KR" sz="3600" dirty="0">
+                <a:latin typeface="배달의민족 주아" pitchFamily="18" charset="-127"/>
+                <a:ea typeface="배달의민족 주아" pitchFamily="18" charset="-127"/>
+              </a:rPr>
+              <a:t>.</a:t>
+            </a:r>
           </a:p>
         </p:txBody>
       </p:sp>
@@ -4718,51 +7791,10 @@
           </a:p>
         </p:txBody>
       </p:sp>
-      <p:pic>
-        <p:nvPicPr>
-          <p:cNvPr id="2050" name="Picture 2" descr="C:\Users\Administrator\Downloads\template-1599667_1280.png"/>
-          <p:cNvPicPr>
-            <a:picLocks noChangeAspect="1" noChangeArrowheads="1"/>
-          </p:cNvPicPr>
-          <p:nvPr/>
-        </p:nvPicPr>
-        <p:blipFill>
-          <a:blip r:embed="rId2">
-            <a:extLst>
-              <a:ext uri="{28A0092B-C50C-407E-A947-70E740481C1C}">
-                <a14:useLocalDpi xmlns:a14="http://schemas.microsoft.com/office/drawing/2010/main" val="0"/>
-              </a:ext>
-            </a:extLst>
-          </a:blip>
-          <a:srcRect/>
-          <a:stretch>
-            <a:fillRect/>
-          </a:stretch>
-        </p:blipFill>
-        <p:spPr bwMode="auto">
-          <a:xfrm>
-            <a:off x="567332" y="476672"/>
-            <a:ext cx="8004871" cy="5334496"/>
-          </a:xfrm>
-          <a:prstGeom prst="rect">
-            <a:avLst/>
-          </a:prstGeom>
-          <a:noFill/>
-          <a:extLst>
-            <a:ext uri="{909E8E84-426E-40DD-AFC4-6F175D3DCCD1}">
-              <a14:hiddenFill xmlns:a14="http://schemas.microsoft.com/office/drawing/2010/main">
-                <a:solidFill>
-                  <a:srgbClr val="FFFFFF"/>
-                </a:solidFill>
-              </a14:hiddenFill>
-            </a:ext>
-          </a:extLst>
-        </p:spPr>
-      </p:pic>
     </p:spTree>
     <p:extLst>
       <p:ext uri="{BB962C8B-B14F-4D97-AF65-F5344CB8AC3E}">
-        <p14:creationId xmlns:p14="http://schemas.microsoft.com/office/powerpoint/2010/main" val="106845490"/>
+        <p14:creationId xmlns:p14="http://schemas.microsoft.com/office/powerpoint/2010/main" val="4029559528"/>
       </p:ext>
     </p:extLst>
   </p:cSld>
@@ -4877,32 +7909,145 @@
       </p:grpSpPr>
       <p:sp>
         <p:nvSpPr>
-          <p:cNvPr id="2" name="제목 1"/>
-          <p:cNvSpPr>
-            <a:spLocks noGrp="1"/>
+          <p:cNvPr id="4" name="제목 1"/>
+          <p:cNvSpPr txBox="1">
+            <a:spLocks/>
           </p:cNvSpPr>
-          <p:nvPr>
-            <p:ph type="ctrTitle"/>
-          </p:nvPr>
-        </p:nvSpPr>
-        <p:spPr/>
-        <p:txBody>
-          <a:bodyPr/>
-          <a:lstStyle/>
-          <a:p>
-            <a:r>
-              <a:rPr lang="ko-KR" altLang="en-US" dirty="0">
+          <p:nvPr/>
+        </p:nvSpPr>
+        <p:spPr>
+          <a:xfrm>
+            <a:off x="683568" y="1916832"/>
+            <a:ext cx="7772400" cy="3096344"/>
+          </a:xfrm>
+          <a:prstGeom prst="rect">
+            <a:avLst/>
+          </a:prstGeom>
+        </p:spPr>
+        <p:txBody>
+          <a:bodyPr vert="horz" lIns="91440" tIns="45720" rIns="91440" bIns="45720" rtlCol="0" anchor="ctr">
+            <a:normAutofit/>
+          </a:bodyPr>
+          <a:lstStyle>
+            <a:lvl1pPr algn="ctr" defTabSz="914400" rtl="0" eaLnBrk="1" latinLnBrk="1" hangingPunct="1">
+              <a:spcBef>
+                <a:spcPct val="0"/>
+              </a:spcBef>
+              <a:buNone/>
+              <a:defRPr sz="4400" kern="1200">
+                <a:solidFill>
+                  <a:schemeClr val="tx1"/>
+                </a:solidFill>
+                <a:latin typeface="+mj-lt"/>
+                <a:ea typeface="+mj-ea"/>
+                <a:cs typeface="+mj-cs"/>
+              </a:defRPr>
+            </a:lvl1pPr>
+          </a:lstStyle>
+          <a:p>
+            <a:r>
+              <a:rPr lang="en-US" altLang="ko-KR" sz="3600" dirty="0">
                 <a:latin typeface="배달의민족 주아" pitchFamily="18" charset="-127"/>
                 <a:ea typeface="배달의민족 주아" pitchFamily="18" charset="-127"/>
               </a:rPr>
-              <a:t>컨테이너 속성</a:t>
-            </a:r>
-          </a:p>
-        </p:txBody>
-      </p:sp>
-      <p:sp>
-        <p:nvSpPr>
-          <p:cNvPr id="3" name="TextBox 2"/>
+              <a:t>Flex-Box</a:t>
+            </a:r>
+            <a:r>
+              <a:rPr lang="ko-KR" altLang="en-US" sz="3600" dirty="0">
+                <a:latin typeface="배달의민족 주아" pitchFamily="18" charset="-127"/>
+                <a:ea typeface="배달의민족 주아" pitchFamily="18" charset="-127"/>
+              </a:rPr>
+              <a:t>를</a:t>
+            </a:r>
+            <a:r>
+              <a:rPr lang="en-US" altLang="ko-KR" sz="3600" dirty="0">
+                <a:latin typeface="배달의민족 주아" pitchFamily="18" charset="-127"/>
+                <a:ea typeface="배달의민족 주아" pitchFamily="18" charset="-127"/>
+              </a:rPr>
+              <a:t> </a:t>
+            </a:r>
+            <a:r>
+              <a:rPr lang="ko-KR" altLang="en-US" sz="3600" dirty="0">
+                <a:latin typeface="배달의민족 주아" pitchFamily="18" charset="-127"/>
+                <a:ea typeface="배달의민족 주아" pitchFamily="18" charset="-127"/>
+              </a:rPr>
+              <a:t>이해하기 위한 </a:t>
+            </a:r>
+            <a:endParaRPr lang="en-US" altLang="ko-KR" sz="3600" dirty="0">
+              <a:latin typeface="배달의민족 주아" pitchFamily="18" charset="-127"/>
+              <a:ea typeface="배달의민족 주아" pitchFamily="18" charset="-127"/>
+            </a:endParaRPr>
+          </a:p>
+          <a:p>
+            <a:r>
+              <a:rPr lang="en-US" altLang="ko-KR" sz="3600" dirty="0">
+                <a:latin typeface="배달의민족 주아" pitchFamily="18" charset="-127"/>
+                <a:ea typeface="배달의민족 주아" pitchFamily="18" charset="-127"/>
+              </a:rPr>
+              <a:t>2</a:t>
+            </a:r>
+            <a:r>
+              <a:rPr lang="ko-KR" altLang="en-US" sz="3600" dirty="0">
+                <a:latin typeface="배달의민족 주아" pitchFamily="18" charset="-127"/>
+                <a:ea typeface="배달의민족 주아" pitchFamily="18" charset="-127"/>
+              </a:rPr>
+              <a:t>가지 필수 개념</a:t>
+            </a:r>
+            <a:endParaRPr lang="en-US" altLang="ko-KR" sz="3600" dirty="0">
+              <a:latin typeface="배달의민족 주아" pitchFamily="18" charset="-127"/>
+              <a:ea typeface="배달의민족 주아" pitchFamily="18" charset="-127"/>
+            </a:endParaRPr>
+          </a:p>
+          <a:p>
+            <a:endParaRPr lang="en-US" altLang="ko-KR" sz="3600" dirty="0">
+              <a:latin typeface="배달의민족 주아" pitchFamily="18" charset="-127"/>
+              <a:ea typeface="배달의민족 주아" pitchFamily="18" charset="-127"/>
+            </a:endParaRPr>
+          </a:p>
+          <a:p>
+            <a:pPr marL="742950" indent="-742950">
+              <a:buAutoNum type="arabicPeriod"/>
+            </a:pPr>
+            <a:r>
+              <a:rPr lang="ko-KR" altLang="en-US" sz="3600" dirty="0">
+                <a:latin typeface="배달의민족 주아" pitchFamily="18" charset="-127"/>
+                <a:ea typeface="배달의민족 주아" pitchFamily="18" charset="-127"/>
+              </a:rPr>
+              <a:t>컨테이너와 아이템</a:t>
+            </a:r>
+            <a:endParaRPr lang="en-US" altLang="ko-KR" sz="3600" dirty="0">
+              <a:latin typeface="배달의민족 주아" pitchFamily="18" charset="-127"/>
+              <a:ea typeface="배달의민족 주아" pitchFamily="18" charset="-127"/>
+            </a:endParaRPr>
+          </a:p>
+          <a:p>
+            <a:pPr marL="742950" indent="-742950">
+              <a:buAutoNum type="arabicPeriod"/>
+            </a:pPr>
+            <a:r>
+              <a:rPr lang="ko-KR" altLang="en-US" sz="3600" dirty="0">
+                <a:latin typeface="배달의민족 주아" pitchFamily="18" charset="-127"/>
+                <a:ea typeface="배달의민족 주아" pitchFamily="18" charset="-127"/>
+              </a:rPr>
+              <a:t>중심축과 </a:t>
+            </a:r>
+            <a:r>
+              <a:rPr lang="ko-KR" altLang="en-US" sz="3600" dirty="0" err="1">
+                <a:latin typeface="배달의민족 주아" pitchFamily="18" charset="-127"/>
+                <a:ea typeface="배달의민족 주아" pitchFamily="18" charset="-127"/>
+              </a:rPr>
+              <a:t>반대축</a:t>
+            </a:r>
+            <a:endParaRPr lang="en-US" altLang="ko-KR" sz="3600" dirty="0">
+              <a:latin typeface="배달의민족 주아" pitchFamily="18" charset="-127"/>
+              <a:ea typeface="배달의민족 주아" pitchFamily="18" charset="-127"/>
+            </a:endParaRPr>
+          </a:p>
+        </p:txBody>
+      </p:sp>
+      <p:sp>
+        <p:nvSpPr>
+          <p:cNvPr id="5" name="TextBox 2"/>
           <p:cNvSpPr txBox="1"/>
           <p:nvPr/>
         </p:nvSpPr>
@@ -5057,103 +8202,10 @@
           </a:p>
         </p:txBody>
       </p:sp>
-      <p:sp>
-        <p:nvSpPr>
-          <p:cNvPr id="4" name="제목 1"/>
-          <p:cNvSpPr txBox="1">
-            <a:spLocks/>
-          </p:cNvSpPr>
-          <p:nvPr/>
-        </p:nvSpPr>
-        <p:spPr>
-          <a:xfrm>
-            <a:off x="755576" y="3573016"/>
-            <a:ext cx="7344816" cy="2160240"/>
-          </a:xfrm>
-          <a:prstGeom prst="rect">
-            <a:avLst/>
-          </a:prstGeom>
-        </p:spPr>
-        <p:txBody>
-          <a:bodyPr vert="horz" lIns="91440" tIns="45720" rIns="91440" bIns="45720" rtlCol="0" anchor="ctr">
-            <a:normAutofit fontScale="92500" lnSpcReduction="20000"/>
-          </a:bodyPr>
-          <a:lstStyle>
-            <a:lvl1pPr algn="ctr" defTabSz="914400" rtl="0" eaLnBrk="1" latinLnBrk="1" hangingPunct="1">
-              <a:spcBef>
-                <a:spcPct val="0"/>
-              </a:spcBef>
-              <a:buNone/>
-              <a:defRPr sz="4400" kern="1200">
-                <a:solidFill>
-                  <a:schemeClr val="tx1"/>
-                </a:solidFill>
-                <a:latin typeface="+mj-lt"/>
-                <a:ea typeface="+mj-ea"/>
-                <a:cs typeface="+mj-cs"/>
-              </a:defRPr>
-            </a:lvl1pPr>
-          </a:lstStyle>
-          <a:p>
-            <a:r>
-              <a:rPr lang="en-US" altLang="ko-KR" sz="2800" dirty="0">
-                <a:latin typeface="배달의민족 주아" pitchFamily="18" charset="-127"/>
-                <a:ea typeface="배달의민족 주아" pitchFamily="18" charset="-127"/>
-              </a:rPr>
-              <a:t>display</a:t>
-            </a:r>
-          </a:p>
-          <a:p>
-            <a:r>
-              <a:rPr lang="en-US" altLang="ko-KR" sz="2800" dirty="0">
-                <a:latin typeface="배달의민족 주아" pitchFamily="18" charset="-127"/>
-                <a:ea typeface="배달의민족 주아" pitchFamily="18" charset="-127"/>
-              </a:rPr>
-              <a:t>flex-direction</a:t>
-            </a:r>
-          </a:p>
-          <a:p>
-            <a:r>
-              <a:rPr lang="en-US" altLang="ko-KR" sz="2800" dirty="0">
-                <a:latin typeface="배달의민족 주아" pitchFamily="18" charset="-127"/>
-                <a:ea typeface="배달의민족 주아" pitchFamily="18" charset="-127"/>
-              </a:rPr>
-              <a:t>flex-wrap</a:t>
-            </a:r>
-          </a:p>
-          <a:p>
-            <a:r>
-              <a:rPr lang="en-US" altLang="ko-KR" sz="2800" dirty="0">
-                <a:latin typeface="배달의민족 주아" pitchFamily="18" charset="-127"/>
-                <a:ea typeface="배달의민족 주아" pitchFamily="18" charset="-127"/>
-              </a:rPr>
-              <a:t>flex-flow</a:t>
-            </a:r>
-          </a:p>
-          <a:p>
-            <a:r>
-              <a:rPr lang="en-US" altLang="ko-KR" sz="2800" dirty="0">
-                <a:latin typeface="배달의민족 주아" pitchFamily="18" charset="-127"/>
-                <a:ea typeface="배달의민족 주아" pitchFamily="18" charset="-127"/>
-              </a:rPr>
-              <a:t>justify-content</a:t>
-            </a:r>
-          </a:p>
-          <a:p>
-            <a:r>
-              <a:rPr lang="en-US" altLang="ko-KR" sz="2800" dirty="0">
-                <a:latin typeface="배달의민족 주아" pitchFamily="18" charset="-127"/>
-                <a:ea typeface="배달의민족 주아" pitchFamily="18" charset="-127"/>
-              </a:rPr>
-              <a:t>align-items</a:t>
-            </a:r>
-          </a:p>
-        </p:txBody>
-      </p:sp>
     </p:spTree>
     <p:extLst>
       <p:ext uri="{BB962C8B-B14F-4D97-AF65-F5344CB8AC3E}">
-        <p14:creationId xmlns:p14="http://schemas.microsoft.com/office/powerpoint/2010/main" val="943577245"/>
+        <p14:creationId xmlns:p14="http://schemas.microsoft.com/office/powerpoint/2010/main" val="4136980761"/>
       </p:ext>
     </p:extLst>
   </p:cSld>
@@ -5268,32 +8320,59 @@
       </p:grpSpPr>
       <p:sp>
         <p:nvSpPr>
-          <p:cNvPr id="2" name="제목 1"/>
-          <p:cNvSpPr>
-            <a:spLocks noGrp="1"/>
+          <p:cNvPr id="4" name="제목 1"/>
+          <p:cNvSpPr txBox="1">
+            <a:spLocks/>
           </p:cNvSpPr>
-          <p:nvPr>
-            <p:ph type="ctrTitle"/>
-          </p:nvPr>
-        </p:nvSpPr>
-        <p:spPr/>
-        <p:txBody>
-          <a:bodyPr/>
-          <a:lstStyle/>
-          <a:p>
-            <a:r>
-              <a:rPr lang="ko-KR" altLang="en-US" dirty="0">
+          <p:nvPr/>
+        </p:nvSpPr>
+        <p:spPr>
+          <a:xfrm>
+            <a:off x="683568" y="1916832"/>
+            <a:ext cx="7772400" cy="3096344"/>
+          </a:xfrm>
+          <a:prstGeom prst="rect">
+            <a:avLst/>
+          </a:prstGeom>
+        </p:spPr>
+        <p:txBody>
+          <a:bodyPr vert="horz" lIns="91440" tIns="45720" rIns="91440" bIns="45720" rtlCol="0" anchor="ctr">
+            <a:normAutofit/>
+          </a:bodyPr>
+          <a:lstStyle>
+            <a:lvl1pPr algn="ctr" defTabSz="914400" rtl="0" eaLnBrk="1" latinLnBrk="1" hangingPunct="1">
+              <a:spcBef>
+                <a:spcPct val="0"/>
+              </a:spcBef>
+              <a:buNone/>
+              <a:defRPr sz="4400" kern="1200">
+                <a:solidFill>
+                  <a:schemeClr val="tx1"/>
+                </a:solidFill>
+                <a:latin typeface="+mj-lt"/>
+                <a:ea typeface="+mj-ea"/>
+                <a:cs typeface="+mj-cs"/>
+              </a:defRPr>
+            </a:lvl1pPr>
+          </a:lstStyle>
+          <a:p>
+            <a:r>
+              <a:rPr lang="ko-KR" altLang="en-US" sz="3600" dirty="0">
                 <a:latin typeface="배달의민족 주아" pitchFamily="18" charset="-127"/>
                 <a:ea typeface="배달의민족 주아" pitchFamily="18" charset="-127"/>
               </a:rPr>
-              <a:t>아이템 속성</a:t>
-            </a:r>
-          </a:p>
-        </p:txBody>
-      </p:sp>
-      <p:sp>
-        <p:nvSpPr>
-          <p:cNvPr id="3" name="TextBox 2"/>
+              <a:t>컨테이너와 아이템</a:t>
+            </a:r>
+            <a:endParaRPr lang="en-US" altLang="ko-KR" sz="3600" dirty="0">
+              <a:latin typeface="배달의민족 주아" pitchFamily="18" charset="-127"/>
+              <a:ea typeface="배달의민족 주아" pitchFamily="18" charset="-127"/>
+            </a:endParaRPr>
+          </a:p>
+        </p:txBody>
+      </p:sp>
+      <p:sp>
+        <p:nvSpPr>
+          <p:cNvPr id="5" name="TextBox 2"/>
           <p:cNvSpPr txBox="1"/>
           <p:nvPr/>
         </p:nvSpPr>
@@ -5448,94 +8527,234 @@
           </a:p>
         </p:txBody>
       </p:sp>
-      <p:sp>
-        <p:nvSpPr>
-          <p:cNvPr id="4" name="제목 1"/>
-          <p:cNvSpPr txBox="1">
-            <a:spLocks/>
-          </p:cNvSpPr>
+      <p:pic>
+        <p:nvPicPr>
+          <p:cNvPr id="2050" name="Picture 2" descr="C:\Users\Administrator\Downloads\template-1599667_1280.png"/>
+          <p:cNvPicPr>
+            <a:picLocks noChangeAspect="1" noChangeArrowheads="1"/>
+          </p:cNvPicPr>
           <p:nvPr/>
-        </p:nvSpPr>
-        <p:spPr>
+        </p:nvPicPr>
+        <p:blipFill>
+          <a:blip r:embed="rId2">
+            <a:extLst>
+              <a:ext uri="{28A0092B-C50C-407E-A947-70E740481C1C}">
+                <a14:useLocalDpi xmlns:a14="http://schemas.microsoft.com/office/drawing/2010/main" val="0"/>
+              </a:ext>
+            </a:extLst>
+          </a:blip>
+          <a:srcRect/>
+          <a:stretch>
+            <a:fillRect/>
+          </a:stretch>
+        </p:blipFill>
+        <p:spPr bwMode="auto">
           <a:xfrm>
-            <a:off x="755576" y="3573016"/>
-            <a:ext cx="7344816" cy="2160240"/>
+            <a:off x="567332" y="476672"/>
+            <a:ext cx="8004871" cy="5334496"/>
           </a:xfrm>
           <a:prstGeom prst="rect">
             <a:avLst/>
           </a:prstGeom>
+          <a:ln>
+            <a:noFill/>
+          </a:ln>
+          <a:effectLst>
+            <a:outerShdw blurRad="190500" algn="tl" rotWithShape="0">
+              <a:srgbClr val="000000">
+                <a:alpha val="70000"/>
+              </a:srgbClr>
+            </a:outerShdw>
+          </a:effectLst>
+          <a:extLst>
+            <a:ext uri="{909E8E84-426E-40DD-AFC4-6F175D3DCCD1}">
+              <a14:hiddenFill xmlns:a14="http://schemas.microsoft.com/office/drawing/2010/main">
+                <a:solidFill>
+                  <a:srgbClr val="FFFFFF"/>
+                </a:solidFill>
+              </a14:hiddenFill>
+            </a:ext>
+          </a:extLst>
         </p:spPr>
-        <p:txBody>
-          <a:bodyPr vert="horz" lIns="91440" tIns="45720" rIns="91440" bIns="45720" rtlCol="0" anchor="ctr">
-            <a:normAutofit lnSpcReduction="10000"/>
-          </a:bodyPr>
-          <a:lstStyle>
-            <a:lvl1pPr algn="ctr" defTabSz="914400" rtl="0" eaLnBrk="1" latinLnBrk="1" hangingPunct="1">
-              <a:spcBef>
-                <a:spcPct val="0"/>
-              </a:spcBef>
-              <a:buNone/>
-              <a:defRPr sz="4400" kern="1200">
-                <a:solidFill>
-                  <a:schemeClr val="tx1"/>
-                </a:solidFill>
-                <a:latin typeface="+mj-lt"/>
-                <a:ea typeface="+mj-ea"/>
-                <a:cs typeface="+mj-cs"/>
-              </a:defRPr>
-            </a:lvl1pPr>
-          </a:lstStyle>
-          <a:p>
-            <a:r>
-              <a:rPr lang="en-US" altLang="ko-KR" sz="2800" dirty="0">
-                <a:latin typeface="배달의민족 주아" pitchFamily="18" charset="-127"/>
-                <a:ea typeface="배달의민족 주아" pitchFamily="18" charset="-127"/>
-              </a:rPr>
-              <a:t>flex-basis</a:t>
-            </a:r>
-          </a:p>
-          <a:p>
-            <a:r>
-              <a:rPr lang="en-US" altLang="ko-KR" sz="2800" dirty="0">
-                <a:latin typeface="배달의민족 주아" pitchFamily="18" charset="-127"/>
-                <a:ea typeface="배달의민족 주아" pitchFamily="18" charset="-127"/>
-              </a:rPr>
-              <a:t>flex-grow</a:t>
-            </a:r>
-          </a:p>
-          <a:p>
-            <a:r>
-              <a:rPr lang="en-US" altLang="ko-KR" sz="2800" dirty="0">
-                <a:latin typeface="배달의민족 주아" pitchFamily="18" charset="-127"/>
-                <a:ea typeface="배달의민족 주아" pitchFamily="18" charset="-127"/>
-              </a:rPr>
-              <a:t>flex-shrink</a:t>
-            </a:r>
-          </a:p>
-          <a:p>
-            <a:r>
-              <a:rPr lang="en-US" altLang="ko-KR" sz="2800" dirty="0">
-                <a:latin typeface="배달의민족 주아" pitchFamily="18" charset="-127"/>
-                <a:ea typeface="배달의민족 주아" pitchFamily="18" charset="-127"/>
-              </a:rPr>
-              <a:t>order</a:t>
-            </a:r>
-          </a:p>
-          <a:p>
-            <a:r>
-              <a:rPr lang="en-US" altLang="ko-KR" sz="2800" dirty="0">
-                <a:latin typeface="배달의민족 주아" pitchFamily="18" charset="-127"/>
-                <a:ea typeface="배달의민족 주아" pitchFamily="18" charset="-127"/>
-              </a:rPr>
-              <a:t>align-self</a:t>
-            </a:r>
+      </p:pic>
+      <p:sp>
+        <p:nvSpPr>
+          <p:cNvPr id="2" name="직사각형 1">
+            <a:extLst>
+              <a:ext uri="{FF2B5EF4-FFF2-40B4-BE49-F238E27FC236}">
+                <a16:creationId xmlns:a16="http://schemas.microsoft.com/office/drawing/2014/main" id="{719CFFC0-393E-4D27-8AB6-9481F33849D1}"/>
+              </a:ext>
+            </a:extLst>
+          </p:cNvPr>
+          <p:cNvSpPr/>
+          <p:nvPr/>
+        </p:nvSpPr>
+        <p:spPr>
+          <a:xfrm>
+            <a:off x="2483768" y="2492896"/>
+            <a:ext cx="4104456" cy="1296144"/>
+          </a:xfrm>
+          <a:prstGeom prst="rect">
+            <a:avLst/>
+          </a:prstGeom>
+          <a:noFill/>
+          <a:ln>
+            <a:solidFill>
+              <a:srgbClr val="FF0000"/>
+            </a:solidFill>
+          </a:ln>
+        </p:spPr>
+        <p:style>
+          <a:lnRef idx="2">
+            <a:schemeClr val="accent1">
+              <a:shade val="50000"/>
+            </a:schemeClr>
+          </a:lnRef>
+          <a:fillRef idx="1">
+            <a:schemeClr val="accent1"/>
+          </a:fillRef>
+          <a:effectRef idx="0">
+            <a:schemeClr val="accent1"/>
+          </a:effectRef>
+          <a:fontRef idx="minor">
+            <a:schemeClr val="lt1"/>
+          </a:fontRef>
+        </p:style>
+        <p:txBody>
+          <a:bodyPr rtlCol="0" anchor="ctr"/>
+          <a:lstStyle/>
+          <a:p>
+            <a:pPr algn="ctr"/>
+            <a:r>
+              <a:rPr lang="en-US" altLang="ko-KR" dirty="0">
+                <a:solidFill>
+                  <a:schemeClr val="tx1"/>
+                </a:solidFill>
+              </a:rPr>
+              <a:t>container</a:t>
+            </a:r>
+          </a:p>
+          <a:p>
+            <a:pPr algn="ctr"/>
+            <a:endParaRPr lang="en-US" altLang="ko-KR" dirty="0">
+              <a:solidFill>
+                <a:schemeClr val="tx1"/>
+              </a:solidFill>
+            </a:endParaRPr>
+          </a:p>
+          <a:p>
+            <a:pPr algn="ctr"/>
+            <a:endParaRPr lang="en-US" altLang="ko-KR" dirty="0">
+              <a:solidFill>
+                <a:schemeClr val="tx1"/>
+              </a:solidFill>
+            </a:endParaRPr>
+          </a:p>
+          <a:p>
+            <a:pPr algn="ctr"/>
+            <a:endParaRPr lang="en-US" altLang="ko-KR" dirty="0">
+              <a:solidFill>
+                <a:schemeClr val="tx1"/>
+              </a:solidFill>
+            </a:endParaRPr>
+          </a:p>
+          <a:p>
+            <a:pPr algn="ctr"/>
+            <a:endParaRPr lang="ko-KR" altLang="en-US" dirty="0">
+              <a:solidFill>
+                <a:schemeClr val="tx1"/>
+              </a:solidFill>
+            </a:endParaRPr>
+          </a:p>
+        </p:txBody>
+      </p:sp>
+      <p:sp>
+        <p:nvSpPr>
+          <p:cNvPr id="6" name="직사각형 5">
+            <a:extLst>
+              <a:ext uri="{FF2B5EF4-FFF2-40B4-BE49-F238E27FC236}">
+                <a16:creationId xmlns:a16="http://schemas.microsoft.com/office/drawing/2014/main" id="{E8C7AB94-8213-4787-A9FC-B43DE3A00776}"/>
+              </a:ext>
+            </a:extLst>
+          </p:cNvPr>
+          <p:cNvSpPr/>
+          <p:nvPr/>
+        </p:nvSpPr>
+        <p:spPr>
+          <a:xfrm>
+            <a:off x="2586289" y="2633960"/>
+            <a:ext cx="977599" cy="1083072"/>
+          </a:xfrm>
+          <a:prstGeom prst="rect">
+            <a:avLst/>
+          </a:prstGeom>
+          <a:noFill/>
+          <a:ln>
+            <a:solidFill>
+              <a:srgbClr val="00B0F0"/>
+            </a:solidFill>
+          </a:ln>
+        </p:spPr>
+        <p:style>
+          <a:lnRef idx="2">
+            <a:schemeClr val="accent1">
+              <a:shade val="50000"/>
+            </a:schemeClr>
+          </a:lnRef>
+          <a:fillRef idx="1">
+            <a:schemeClr val="accent1"/>
+          </a:fillRef>
+          <a:effectRef idx="0">
+            <a:schemeClr val="accent1"/>
+          </a:effectRef>
+          <a:fontRef idx="minor">
+            <a:schemeClr val="lt1"/>
+          </a:fontRef>
+        </p:style>
+        <p:txBody>
+          <a:bodyPr rtlCol="0" anchor="ctr"/>
+          <a:lstStyle/>
+          <a:p>
+            <a:pPr algn="ctr"/>
+            <a:r>
+              <a:rPr lang="en-US" altLang="ko-KR" dirty="0">
+                <a:solidFill>
+                  <a:schemeClr val="tx1"/>
+                </a:solidFill>
+              </a:rPr>
+              <a:t>item</a:t>
+            </a:r>
+          </a:p>
+          <a:p>
+            <a:pPr algn="ctr"/>
+            <a:endParaRPr lang="en-US" altLang="ko-KR" dirty="0">
+              <a:solidFill>
+                <a:schemeClr val="tx1"/>
+              </a:solidFill>
+            </a:endParaRPr>
+          </a:p>
+          <a:p>
+            <a:pPr algn="ctr"/>
+            <a:endParaRPr lang="en-US" altLang="ko-KR" dirty="0">
+              <a:solidFill>
+                <a:schemeClr val="tx1"/>
+              </a:solidFill>
+            </a:endParaRPr>
+          </a:p>
+          <a:p>
+            <a:pPr algn="ctr"/>
+            <a:endParaRPr lang="ko-KR" altLang="en-US" dirty="0">
+              <a:solidFill>
+                <a:schemeClr val="tx1"/>
+              </a:solidFill>
+            </a:endParaRPr>
           </a:p>
         </p:txBody>
       </p:sp>
     </p:spTree>
     <p:extLst>
       <p:ext uri="{BB962C8B-B14F-4D97-AF65-F5344CB8AC3E}">
-        <p14:creationId xmlns:p14="http://schemas.microsoft.com/office/powerpoint/2010/main" val="40464314"/>
+        <p14:creationId xmlns:p14="http://schemas.microsoft.com/office/powerpoint/2010/main" val="106845490"/>
       </p:ext>
     </p:extLst>
   </p:cSld>
@@ -5650,229 +8869,6 @@
       </p:grpSpPr>
       <p:sp>
         <p:nvSpPr>
-          <p:cNvPr id="2" name="제목 1"/>
-          <p:cNvSpPr>
-            <a:spLocks noGrp="1"/>
-          </p:cNvSpPr>
-          <p:nvPr>
-            <p:ph type="ctrTitle"/>
-          </p:nvPr>
-        </p:nvSpPr>
-        <p:spPr/>
-        <p:txBody>
-          <a:bodyPr/>
-          <a:lstStyle/>
-          <a:p>
-            <a:r>
-              <a:rPr lang="ko-KR" altLang="en-US" dirty="0">
-                <a:latin typeface="배달의민족 주아" pitchFamily="18" charset="-127"/>
-                <a:ea typeface="배달의민족 주아" pitchFamily="18" charset="-127"/>
-              </a:rPr>
-              <a:t>중심축과 </a:t>
-            </a:r>
-            <a:r>
-              <a:rPr lang="ko-KR" altLang="en-US" dirty="0" err="1">
-                <a:latin typeface="배달의민족 주아" pitchFamily="18" charset="-127"/>
-                <a:ea typeface="배달의민족 주아" pitchFamily="18" charset="-127"/>
-              </a:rPr>
-              <a:t>반대축</a:t>
-            </a:r>
-            <a:endParaRPr lang="ko-KR" altLang="en-US" dirty="0">
-              <a:latin typeface="배달의민족 주아" pitchFamily="18" charset="-127"/>
-              <a:ea typeface="배달의민족 주아" pitchFamily="18" charset="-127"/>
-            </a:endParaRPr>
-          </a:p>
-        </p:txBody>
-      </p:sp>
-      <p:sp>
-        <p:nvSpPr>
-          <p:cNvPr id="3" name="TextBox 2"/>
-          <p:cNvSpPr txBox="1"/>
-          <p:nvPr/>
-        </p:nvSpPr>
-        <p:spPr>
-          <a:xfrm>
-            <a:off x="6948264" y="6093296"/>
-            <a:ext cx="1838965" cy="369332"/>
-          </a:xfrm>
-          <a:prstGeom prst="rect">
-            <a:avLst/>
-          </a:prstGeom>
-          <a:noFill/>
-        </p:spPr>
-        <p:txBody>
-          <a:bodyPr wrap="none" rtlCol="0">
-            <a:spAutoFit/>
-          </a:bodyPr>
-          <a:lstStyle>
-            <a:defPPr>
-              <a:defRPr lang="ko-KR"/>
-            </a:defPPr>
-            <a:lvl1pPr marL="0" algn="l" defTabSz="914400" rtl="0" eaLnBrk="1" latinLnBrk="1" hangingPunct="1">
-              <a:defRPr sz="1800" kern="1200">
-                <a:solidFill>
-                  <a:schemeClr val="tx1"/>
-                </a:solidFill>
-                <a:latin typeface="+mn-lt"/>
-                <a:ea typeface="+mn-ea"/>
-                <a:cs typeface="+mn-cs"/>
-              </a:defRPr>
-            </a:lvl1pPr>
-            <a:lvl2pPr marL="457200" algn="l" defTabSz="914400" rtl="0" eaLnBrk="1" latinLnBrk="1" hangingPunct="1">
-              <a:defRPr sz="1800" kern="1200">
-                <a:solidFill>
-                  <a:schemeClr val="tx1"/>
-                </a:solidFill>
-                <a:latin typeface="+mn-lt"/>
-                <a:ea typeface="+mn-ea"/>
-                <a:cs typeface="+mn-cs"/>
-              </a:defRPr>
-            </a:lvl2pPr>
-            <a:lvl3pPr marL="914400" algn="l" defTabSz="914400" rtl="0" eaLnBrk="1" latinLnBrk="1" hangingPunct="1">
-              <a:defRPr sz="1800" kern="1200">
-                <a:solidFill>
-                  <a:schemeClr val="tx1"/>
-                </a:solidFill>
-                <a:latin typeface="+mn-lt"/>
-                <a:ea typeface="+mn-ea"/>
-                <a:cs typeface="+mn-cs"/>
-              </a:defRPr>
-            </a:lvl3pPr>
-            <a:lvl4pPr marL="1371600" algn="l" defTabSz="914400" rtl="0" eaLnBrk="1" latinLnBrk="1" hangingPunct="1">
-              <a:defRPr sz="1800" kern="1200">
-                <a:solidFill>
-                  <a:schemeClr val="tx1"/>
-                </a:solidFill>
-                <a:latin typeface="+mn-lt"/>
-                <a:ea typeface="+mn-ea"/>
-                <a:cs typeface="+mn-cs"/>
-              </a:defRPr>
-            </a:lvl4pPr>
-            <a:lvl5pPr marL="1828800" algn="l" defTabSz="914400" rtl="0" eaLnBrk="1" latinLnBrk="1" hangingPunct="1">
-              <a:defRPr sz="1800" kern="1200">
-                <a:solidFill>
-                  <a:schemeClr val="tx1"/>
-                </a:solidFill>
-                <a:latin typeface="+mn-lt"/>
-                <a:ea typeface="+mn-ea"/>
-                <a:cs typeface="+mn-cs"/>
-              </a:defRPr>
-            </a:lvl5pPr>
-            <a:lvl6pPr marL="2286000" algn="l" defTabSz="914400" rtl="0" eaLnBrk="1" latinLnBrk="1" hangingPunct="1">
-              <a:defRPr sz="1800" kern="1200">
-                <a:solidFill>
-                  <a:schemeClr val="tx1"/>
-                </a:solidFill>
-                <a:latin typeface="+mn-lt"/>
-                <a:ea typeface="+mn-ea"/>
-                <a:cs typeface="+mn-cs"/>
-              </a:defRPr>
-            </a:lvl6pPr>
-            <a:lvl7pPr marL="2743200" algn="l" defTabSz="914400" rtl="0" eaLnBrk="1" latinLnBrk="1" hangingPunct="1">
-              <a:defRPr sz="1800" kern="1200">
-                <a:solidFill>
-                  <a:schemeClr val="tx1"/>
-                </a:solidFill>
-                <a:latin typeface="+mn-lt"/>
-                <a:ea typeface="+mn-ea"/>
-                <a:cs typeface="+mn-cs"/>
-              </a:defRPr>
-            </a:lvl7pPr>
-            <a:lvl8pPr marL="3200400" algn="l" defTabSz="914400" rtl="0" eaLnBrk="1" latinLnBrk="1" hangingPunct="1">
-              <a:defRPr sz="1800" kern="1200">
-                <a:solidFill>
-                  <a:schemeClr val="tx1"/>
-                </a:solidFill>
-                <a:latin typeface="+mn-lt"/>
-                <a:ea typeface="+mn-ea"/>
-                <a:cs typeface="+mn-cs"/>
-              </a:defRPr>
-            </a:lvl8pPr>
-            <a:lvl9pPr marL="3657600" algn="l" defTabSz="914400" rtl="0" eaLnBrk="1" latinLnBrk="1" hangingPunct="1">
-              <a:defRPr sz="1800" kern="1200">
-                <a:solidFill>
-                  <a:schemeClr val="tx1"/>
-                </a:solidFill>
-                <a:latin typeface="+mn-lt"/>
-                <a:ea typeface="+mn-ea"/>
-                <a:cs typeface="+mn-cs"/>
-              </a:defRPr>
-            </a:lvl9pPr>
-          </a:lstStyle>
-          <a:p>
-            <a:r>
-              <a:rPr lang="en-US" altLang="ko-KR" dirty="0">
-                <a:solidFill>
-                  <a:schemeClr val="accent5"/>
-                </a:solidFill>
-                <a:latin typeface="배달의민족 도현" pitchFamily="50" charset="-127"/>
-                <a:ea typeface="배달의민족 도현" pitchFamily="50" charset="-127"/>
-              </a:rPr>
-              <a:t>S</a:t>
-            </a:r>
-            <a:r>
-              <a:rPr lang="en-US" altLang="ko-KR" dirty="0">
-                <a:latin typeface="배달의민족 도현" pitchFamily="50" charset="-127"/>
-                <a:ea typeface="배달의민족 도현" pitchFamily="50" charset="-127"/>
-              </a:rPr>
-              <a:t>TART</a:t>
-            </a:r>
-            <a:r>
-              <a:rPr lang="en-US" altLang="ko-KR" dirty="0">
-                <a:solidFill>
-                  <a:schemeClr val="accent5"/>
-                </a:solidFill>
-                <a:latin typeface="배달의민족 도현" pitchFamily="50" charset="-127"/>
-                <a:ea typeface="배달의민족 도현" pitchFamily="50" charset="-127"/>
-              </a:rPr>
-              <a:t>C</a:t>
-            </a:r>
-            <a:r>
-              <a:rPr lang="en-US" altLang="ko-KR" dirty="0">
-                <a:latin typeface="배달의민족 도현" pitchFamily="50" charset="-127"/>
-                <a:ea typeface="배달의민족 도현" pitchFamily="50" charset="-127"/>
-              </a:rPr>
-              <a:t>ODING</a:t>
-            </a:r>
-            <a:endParaRPr lang="ko-KR" altLang="en-US" dirty="0">
-              <a:latin typeface="배달의민족 도현" pitchFamily="50" charset="-127"/>
-              <a:ea typeface="배달의민족 도현" pitchFamily="50" charset="-127"/>
-            </a:endParaRPr>
-          </a:p>
-        </p:txBody>
-      </p:sp>
-    </p:spTree>
-    <p:extLst>
-      <p:ext uri="{BB962C8B-B14F-4D97-AF65-F5344CB8AC3E}">
-        <p14:creationId xmlns:p14="http://schemas.microsoft.com/office/powerpoint/2010/main" val="4258390475"/>
-      </p:ext>
-    </p:extLst>
-  </p:cSld>
-  <p:clrMapOvr>
-    <a:masterClrMapping/>
-  </p:clrMapOvr>
-</p:sld>
-</file>
-
-<file path=ppt/slides/slide8.xml><?xml version="1.0" encoding="utf-8"?>
-<p:sld xmlns:a="http://schemas.openxmlformats.org/drawingml/2006/main" xmlns:r="http://schemas.openxmlformats.org/officeDocument/2006/relationships" xmlns:p="http://schemas.openxmlformats.org/presentationml/2006/main">
-  <p:cSld>
-    <p:spTree>
-      <p:nvGrpSpPr>
-        <p:cNvPr id="1" name=""/>
-        <p:cNvGrpSpPr/>
-        <p:nvPr/>
-      </p:nvGrpSpPr>
-      <p:grpSpPr>
-        <a:xfrm>
-          <a:off x="0" y="0"/>
-          <a:ext cx="0" cy="0"/>
-          <a:chOff x="0" y="0"/>
-          <a:chExt cx="0" cy="0"/>
-        </a:xfrm>
-      </p:grpSpPr>
-      <p:sp>
-        <p:nvSpPr>
           <p:cNvPr id="3" name="TextBox 2"/>
           <p:cNvSpPr txBox="1"/>
           <p:nvPr/>
@@ -6064,7 +9060,11 @@
           <a:lstStyle/>
           <a:p>
             <a:pPr algn="ctr"/>
-            <a:endParaRPr lang="ko-KR" altLang="en-US"/>
+            <a:r>
+              <a:rPr lang="en-US" altLang="ko-KR" dirty="0"/>
+              <a:t>item1</a:t>
+            </a:r>
+            <a:endParaRPr lang="ko-KR" altLang="en-US" dirty="0"/>
           </a:p>
         </p:txBody>
       </p:sp>
@@ -6104,7 +9104,11 @@
           <a:lstStyle/>
           <a:p>
             <a:pPr algn="ctr"/>
-            <a:endParaRPr lang="ko-KR" altLang="en-US"/>
+            <a:r>
+              <a:rPr lang="en-US" altLang="ko-KR" dirty="0"/>
+              <a:t>item2</a:t>
+            </a:r>
+            <a:endParaRPr lang="ko-KR" altLang="en-US" dirty="0"/>
           </a:p>
         </p:txBody>
       </p:sp>
@@ -6144,7 +9148,11 @@
           <a:lstStyle/>
           <a:p>
             <a:pPr algn="ctr"/>
-            <a:endParaRPr lang="ko-KR" altLang="en-US"/>
+            <a:r>
+              <a:rPr lang="en-US" altLang="ko-KR" dirty="0"/>
+              <a:t>item3</a:t>
+            </a:r>
+            <a:endParaRPr lang="ko-KR" altLang="en-US" dirty="0"/>
           </a:p>
         </p:txBody>
       </p:sp>
@@ -6163,6 +9171,11 @@
             <a:avLst/>
           </a:prstGeom>
           <a:noFill/>
+          <a:ln>
+            <a:solidFill>
+              <a:srgbClr val="FF0000"/>
+            </a:solidFill>
+          </a:ln>
         </p:spPr>
         <p:style>
           <a:lnRef idx="2">
@@ -6185,7 +9198,34 @@
           <a:lstStyle/>
           <a:p>
             <a:pPr algn="ctr"/>
-            <a:endParaRPr lang="ko-KR" altLang="en-US"/>
+            <a:r>
+              <a:rPr lang="en-US" altLang="ko-KR" dirty="0"/>
+              <a:t>container</a:t>
+            </a:r>
+          </a:p>
+          <a:p>
+            <a:pPr algn="ctr"/>
+            <a:endParaRPr lang="en-US" altLang="ko-KR" dirty="0"/>
+          </a:p>
+          <a:p>
+            <a:pPr algn="ctr"/>
+            <a:endParaRPr lang="en-US" altLang="ko-KR" dirty="0"/>
+          </a:p>
+          <a:p>
+            <a:pPr algn="ctr"/>
+            <a:endParaRPr lang="en-US" altLang="ko-KR" dirty="0"/>
+          </a:p>
+          <a:p>
+            <a:pPr algn="ctr"/>
+            <a:endParaRPr lang="en-US" altLang="ko-KR" dirty="0"/>
+          </a:p>
+          <a:p>
+            <a:pPr algn="ctr"/>
+            <a:endParaRPr lang="en-US" altLang="ko-KR" dirty="0"/>
+          </a:p>
+          <a:p>
+            <a:pPr algn="ctr"/>
+            <a:endParaRPr lang="ko-KR" altLang="en-US" dirty="0"/>
           </a:p>
         </p:txBody>
       </p:sp>
@@ -6204,6 +9244,9 @@
             <a:avLst/>
           </a:prstGeom>
           <a:ln w="38100">
+            <a:solidFill>
+              <a:srgbClr val="00B050"/>
+            </a:solidFill>
             <a:tailEnd type="arrow"/>
           </a:ln>
         </p:spPr>
@@ -6237,6 +9280,9 @@
             <a:avLst/>
           </a:prstGeom>
           <a:ln w="38100">
+            <a:solidFill>
+              <a:srgbClr val="FFC000"/>
+            </a:solidFill>
             <a:tailEnd type="arrow"/>
           </a:ln>
         </p:spPr>
@@ -6326,7 +9372,7 @@
     </p:spTree>
     <p:extLst>
       <p:ext uri="{BB962C8B-B14F-4D97-AF65-F5344CB8AC3E}">
-        <p14:creationId xmlns:p14="http://schemas.microsoft.com/office/powerpoint/2010/main" val="1963498318"/>
+        <p14:creationId xmlns:p14="http://schemas.microsoft.com/office/powerpoint/2010/main" val="1060318114"/>
       </p:ext>
     </p:extLst>
   </p:cSld>
@@ -6336,7 +9382,7 @@
 </p:sld>
 </file>
 
-<file path=ppt/slides/slide9.xml><?xml version="1.0" encoding="utf-8"?>
+<file path=ppt/slides/slide8.xml><?xml version="1.0" encoding="utf-8"?>
 <p:sld xmlns:a="http://schemas.openxmlformats.org/drawingml/2006/main" xmlns:r="http://schemas.openxmlformats.org/officeDocument/2006/relationships" xmlns:p="http://schemas.openxmlformats.org/presentationml/2006/main">
   <p:cSld>
     <p:spTree>
@@ -6546,7 +9592,11 @@
           <a:lstStyle/>
           <a:p>
             <a:pPr algn="ctr"/>
-            <a:endParaRPr lang="ko-KR" altLang="en-US"/>
+            <a:r>
+              <a:rPr lang="en-US" altLang="ko-KR" dirty="0"/>
+              <a:t>item1</a:t>
+            </a:r>
+            <a:endParaRPr lang="ko-KR" altLang="en-US" dirty="0"/>
           </a:p>
         </p:txBody>
       </p:sp>
@@ -6586,7 +9636,11 @@
           <a:lstStyle/>
           <a:p>
             <a:pPr algn="ctr"/>
-            <a:endParaRPr lang="ko-KR" altLang="en-US"/>
+            <a:r>
+              <a:rPr lang="en-US" altLang="ko-KR" dirty="0"/>
+              <a:t>item2</a:t>
+            </a:r>
+            <a:endParaRPr lang="ko-KR" altLang="en-US" dirty="0"/>
           </a:p>
         </p:txBody>
       </p:sp>
@@ -6626,7 +9680,11 @@
           <a:lstStyle/>
           <a:p>
             <a:pPr algn="ctr"/>
-            <a:endParaRPr lang="ko-KR" altLang="en-US"/>
+            <a:r>
+              <a:rPr lang="en-US" altLang="ko-KR" dirty="0"/>
+              <a:t>item3</a:t>
+            </a:r>
+            <a:endParaRPr lang="ko-KR" altLang="en-US" dirty="0"/>
           </a:p>
         </p:txBody>
       </p:sp>
@@ -6645,6 +9703,11 @@
             <a:avLst/>
           </a:prstGeom>
           <a:noFill/>
+          <a:ln>
+            <a:solidFill>
+              <a:srgbClr val="FF0000"/>
+            </a:solidFill>
+          </a:ln>
         </p:spPr>
         <p:style>
           <a:lnRef idx="2">
@@ -6667,7 +9730,166 @@
           <a:lstStyle/>
           <a:p>
             <a:pPr algn="ctr"/>
-            <a:endParaRPr lang="ko-KR" altLang="en-US"/>
+            <a:endParaRPr lang="en-US" altLang="ko-KR" dirty="0">
+              <a:solidFill>
+                <a:schemeClr val="tx1"/>
+              </a:solidFill>
+            </a:endParaRPr>
+          </a:p>
+          <a:p>
+            <a:pPr algn="ctr"/>
+            <a:r>
+              <a:rPr lang="en-US" altLang="ko-KR" dirty="0">
+                <a:solidFill>
+                  <a:schemeClr val="tx1"/>
+                </a:solidFill>
+              </a:rPr>
+              <a:t>container</a:t>
+            </a:r>
+          </a:p>
+          <a:p>
+            <a:pPr algn="ctr"/>
+            <a:endParaRPr lang="en-US" altLang="ko-KR" dirty="0">
+              <a:solidFill>
+                <a:schemeClr val="tx1"/>
+              </a:solidFill>
+            </a:endParaRPr>
+          </a:p>
+          <a:p>
+            <a:pPr algn="ctr"/>
+            <a:endParaRPr lang="en-US" altLang="ko-KR" dirty="0">
+              <a:solidFill>
+                <a:schemeClr val="tx1"/>
+              </a:solidFill>
+            </a:endParaRPr>
+          </a:p>
+          <a:p>
+            <a:pPr algn="ctr"/>
+            <a:endParaRPr lang="en-US" altLang="ko-KR" dirty="0">
+              <a:solidFill>
+                <a:schemeClr val="tx1"/>
+              </a:solidFill>
+            </a:endParaRPr>
+          </a:p>
+          <a:p>
+            <a:pPr algn="ctr"/>
+            <a:endParaRPr lang="en-US" altLang="ko-KR" dirty="0">
+              <a:solidFill>
+                <a:schemeClr val="tx1"/>
+              </a:solidFill>
+            </a:endParaRPr>
+          </a:p>
+          <a:p>
+            <a:pPr algn="ctr"/>
+            <a:endParaRPr lang="en-US" altLang="ko-KR" dirty="0">
+              <a:solidFill>
+                <a:schemeClr val="tx1"/>
+              </a:solidFill>
+            </a:endParaRPr>
+          </a:p>
+          <a:p>
+            <a:pPr algn="ctr"/>
+            <a:endParaRPr lang="en-US" altLang="ko-KR" dirty="0">
+              <a:solidFill>
+                <a:schemeClr val="tx1"/>
+              </a:solidFill>
+            </a:endParaRPr>
+          </a:p>
+          <a:p>
+            <a:pPr algn="ctr"/>
+            <a:endParaRPr lang="en-US" altLang="ko-KR" dirty="0">
+              <a:solidFill>
+                <a:schemeClr val="tx1"/>
+              </a:solidFill>
+            </a:endParaRPr>
+          </a:p>
+          <a:p>
+            <a:pPr algn="ctr"/>
+            <a:endParaRPr lang="en-US" altLang="ko-KR" dirty="0">
+              <a:solidFill>
+                <a:schemeClr val="tx1"/>
+              </a:solidFill>
+            </a:endParaRPr>
+          </a:p>
+          <a:p>
+            <a:pPr algn="ctr"/>
+            <a:endParaRPr lang="en-US" altLang="ko-KR" dirty="0">
+              <a:solidFill>
+                <a:schemeClr val="tx1"/>
+              </a:solidFill>
+            </a:endParaRPr>
+          </a:p>
+          <a:p>
+            <a:pPr algn="ctr"/>
+            <a:endParaRPr lang="en-US" altLang="ko-KR" dirty="0">
+              <a:solidFill>
+                <a:schemeClr val="tx1"/>
+              </a:solidFill>
+            </a:endParaRPr>
+          </a:p>
+          <a:p>
+            <a:pPr algn="ctr"/>
+            <a:endParaRPr lang="en-US" altLang="ko-KR" dirty="0">
+              <a:solidFill>
+                <a:schemeClr val="tx1"/>
+              </a:solidFill>
+            </a:endParaRPr>
+          </a:p>
+          <a:p>
+            <a:pPr algn="ctr"/>
+            <a:endParaRPr lang="en-US" altLang="ko-KR" dirty="0">
+              <a:solidFill>
+                <a:schemeClr val="tx1"/>
+              </a:solidFill>
+            </a:endParaRPr>
+          </a:p>
+          <a:p>
+            <a:pPr algn="ctr"/>
+            <a:endParaRPr lang="en-US" altLang="ko-KR" dirty="0">
+              <a:solidFill>
+                <a:schemeClr val="tx1"/>
+              </a:solidFill>
+            </a:endParaRPr>
+          </a:p>
+          <a:p>
+            <a:pPr algn="ctr"/>
+            <a:endParaRPr lang="en-US" altLang="ko-KR" dirty="0">
+              <a:solidFill>
+                <a:schemeClr val="tx1"/>
+              </a:solidFill>
+            </a:endParaRPr>
+          </a:p>
+          <a:p>
+            <a:pPr algn="ctr"/>
+            <a:endParaRPr lang="en-US" altLang="ko-KR" dirty="0">
+              <a:solidFill>
+                <a:schemeClr val="tx1"/>
+              </a:solidFill>
+            </a:endParaRPr>
+          </a:p>
+          <a:p>
+            <a:pPr algn="ctr"/>
+            <a:endParaRPr lang="en-US" altLang="ko-KR" dirty="0">
+              <a:solidFill>
+                <a:schemeClr val="tx1"/>
+              </a:solidFill>
+            </a:endParaRPr>
+          </a:p>
+          <a:p>
+            <a:pPr algn="ctr"/>
+            <a:endParaRPr lang="en-US" altLang="ko-KR" dirty="0">
+              <a:solidFill>
+                <a:schemeClr val="tx1"/>
+              </a:solidFill>
+            </a:endParaRPr>
+          </a:p>
+          <a:p>
+            <a:pPr algn="ctr"/>
+            <a:endParaRPr lang="ko-KR" altLang="en-US" dirty="0">
+              <a:solidFill>
+                <a:schemeClr val="tx1"/>
+              </a:solidFill>
+            </a:endParaRPr>
           </a:p>
         </p:txBody>
       </p:sp>
@@ -6686,6 +9908,9 @@
             <a:avLst/>
           </a:prstGeom>
           <a:ln w="38100">
+            <a:solidFill>
+              <a:srgbClr val="FFC000"/>
+            </a:solidFill>
             <a:tailEnd type="arrow"/>
           </a:ln>
         </p:spPr>
@@ -6719,6 +9944,9 @@
             <a:avLst/>
           </a:prstGeom>
           <a:ln w="38100">
+            <a:solidFill>
+              <a:srgbClr val="00B050"/>
+            </a:solidFill>
             <a:tailEnd type="arrow"/>
           </a:ln>
         </p:spPr>
@@ -6808,13 +10036,427 @@
     </p:spTree>
     <p:extLst>
       <p:ext uri="{BB962C8B-B14F-4D97-AF65-F5344CB8AC3E}">
-        <p14:creationId xmlns:p14="http://schemas.microsoft.com/office/powerpoint/2010/main" val="800180537"/>
+        <p14:creationId xmlns:p14="http://schemas.microsoft.com/office/powerpoint/2010/main" val="3938036362"/>
       </p:ext>
     </p:extLst>
   </p:cSld>
   <p:clrMapOvr>
     <a:masterClrMapping/>
   </p:clrMapOvr>
+</p:sld>
+</file>
+
+<file path=ppt/slides/slide9.xml><?xml version="1.0" encoding="utf-8"?>
+<p:sld xmlns:a="http://schemas.openxmlformats.org/drawingml/2006/main" xmlns:r="http://schemas.openxmlformats.org/officeDocument/2006/relationships" xmlns:p="http://schemas.openxmlformats.org/presentationml/2006/main">
+  <p:cSld>
+    <p:spTree>
+      <p:nvGrpSpPr>
+        <p:cNvPr id="1" name=""/>
+        <p:cNvGrpSpPr/>
+        <p:nvPr/>
+      </p:nvGrpSpPr>
+      <p:grpSpPr>
+        <a:xfrm>
+          <a:off x="0" y="0"/>
+          <a:ext cx="0" cy="0"/>
+          <a:chOff x="0" y="0"/>
+          <a:chExt cx="0" cy="0"/>
+        </a:xfrm>
+      </p:grpSpPr>
+      <p:sp>
+        <p:nvSpPr>
+          <p:cNvPr id="2" name="제목 1"/>
+          <p:cNvSpPr>
+            <a:spLocks noGrp="1"/>
+          </p:cNvSpPr>
+          <p:nvPr>
+            <p:ph type="ctrTitle"/>
+          </p:nvPr>
+        </p:nvSpPr>
+        <p:spPr>
+          <a:xfrm>
+            <a:off x="685800" y="1166887"/>
+            <a:ext cx="7772400" cy="1470025"/>
+          </a:xfrm>
+        </p:spPr>
+        <p:txBody>
+          <a:bodyPr/>
+          <a:lstStyle/>
+          <a:p>
+            <a:r>
+              <a:rPr lang="ko-KR" altLang="en-US" dirty="0">
+                <a:latin typeface="배달의민족 주아" pitchFamily="18" charset="-127"/>
+                <a:ea typeface="배달의민족 주아" pitchFamily="18" charset="-127"/>
+              </a:rPr>
+              <a:t>컨테이너 속성</a:t>
+            </a:r>
+          </a:p>
+        </p:txBody>
+      </p:sp>
+      <p:sp>
+        <p:nvSpPr>
+          <p:cNvPr id="3" name="TextBox 2"/>
+          <p:cNvSpPr txBox="1"/>
+          <p:nvPr/>
+        </p:nvSpPr>
+        <p:spPr>
+          <a:xfrm>
+            <a:off x="6948264" y="6093296"/>
+            <a:ext cx="1838965" cy="369332"/>
+          </a:xfrm>
+          <a:prstGeom prst="rect">
+            <a:avLst/>
+          </a:prstGeom>
+          <a:noFill/>
+        </p:spPr>
+        <p:txBody>
+          <a:bodyPr wrap="none" rtlCol="0">
+            <a:spAutoFit/>
+          </a:bodyPr>
+          <a:lstStyle>
+            <a:defPPr>
+              <a:defRPr lang="ko-KR"/>
+            </a:defPPr>
+            <a:lvl1pPr marL="0" algn="l" defTabSz="914400" rtl="0" eaLnBrk="1" latinLnBrk="1" hangingPunct="1">
+              <a:defRPr sz="1800" kern="1200">
+                <a:solidFill>
+                  <a:schemeClr val="tx1"/>
+                </a:solidFill>
+                <a:latin typeface="+mn-lt"/>
+                <a:ea typeface="+mn-ea"/>
+                <a:cs typeface="+mn-cs"/>
+              </a:defRPr>
+            </a:lvl1pPr>
+            <a:lvl2pPr marL="457200" algn="l" defTabSz="914400" rtl="0" eaLnBrk="1" latinLnBrk="1" hangingPunct="1">
+              <a:defRPr sz="1800" kern="1200">
+                <a:solidFill>
+                  <a:schemeClr val="tx1"/>
+                </a:solidFill>
+                <a:latin typeface="+mn-lt"/>
+                <a:ea typeface="+mn-ea"/>
+                <a:cs typeface="+mn-cs"/>
+              </a:defRPr>
+            </a:lvl2pPr>
+            <a:lvl3pPr marL="914400" algn="l" defTabSz="914400" rtl="0" eaLnBrk="1" latinLnBrk="1" hangingPunct="1">
+              <a:defRPr sz="1800" kern="1200">
+                <a:solidFill>
+                  <a:schemeClr val="tx1"/>
+                </a:solidFill>
+                <a:latin typeface="+mn-lt"/>
+                <a:ea typeface="+mn-ea"/>
+                <a:cs typeface="+mn-cs"/>
+              </a:defRPr>
+            </a:lvl3pPr>
+            <a:lvl4pPr marL="1371600" algn="l" defTabSz="914400" rtl="0" eaLnBrk="1" latinLnBrk="1" hangingPunct="1">
+              <a:defRPr sz="1800" kern="1200">
+                <a:solidFill>
+                  <a:schemeClr val="tx1"/>
+                </a:solidFill>
+                <a:latin typeface="+mn-lt"/>
+                <a:ea typeface="+mn-ea"/>
+                <a:cs typeface="+mn-cs"/>
+              </a:defRPr>
+            </a:lvl4pPr>
+            <a:lvl5pPr marL="1828800" algn="l" defTabSz="914400" rtl="0" eaLnBrk="1" latinLnBrk="1" hangingPunct="1">
+              <a:defRPr sz="1800" kern="1200">
+                <a:solidFill>
+                  <a:schemeClr val="tx1"/>
+                </a:solidFill>
+                <a:latin typeface="+mn-lt"/>
+                <a:ea typeface="+mn-ea"/>
+                <a:cs typeface="+mn-cs"/>
+              </a:defRPr>
+            </a:lvl5pPr>
+            <a:lvl6pPr marL="2286000" algn="l" defTabSz="914400" rtl="0" eaLnBrk="1" latinLnBrk="1" hangingPunct="1">
+              <a:defRPr sz="1800" kern="1200">
+                <a:solidFill>
+                  <a:schemeClr val="tx1"/>
+                </a:solidFill>
+                <a:latin typeface="+mn-lt"/>
+                <a:ea typeface="+mn-ea"/>
+                <a:cs typeface="+mn-cs"/>
+              </a:defRPr>
+            </a:lvl6pPr>
+            <a:lvl7pPr marL="2743200" algn="l" defTabSz="914400" rtl="0" eaLnBrk="1" latinLnBrk="1" hangingPunct="1">
+              <a:defRPr sz="1800" kern="1200">
+                <a:solidFill>
+                  <a:schemeClr val="tx1"/>
+                </a:solidFill>
+                <a:latin typeface="+mn-lt"/>
+                <a:ea typeface="+mn-ea"/>
+                <a:cs typeface="+mn-cs"/>
+              </a:defRPr>
+            </a:lvl7pPr>
+            <a:lvl8pPr marL="3200400" algn="l" defTabSz="914400" rtl="0" eaLnBrk="1" latinLnBrk="1" hangingPunct="1">
+              <a:defRPr sz="1800" kern="1200">
+                <a:solidFill>
+                  <a:schemeClr val="tx1"/>
+                </a:solidFill>
+                <a:latin typeface="+mn-lt"/>
+                <a:ea typeface="+mn-ea"/>
+                <a:cs typeface="+mn-cs"/>
+              </a:defRPr>
+            </a:lvl8pPr>
+            <a:lvl9pPr marL="3657600" algn="l" defTabSz="914400" rtl="0" eaLnBrk="1" latinLnBrk="1" hangingPunct="1">
+              <a:defRPr sz="1800" kern="1200">
+                <a:solidFill>
+                  <a:schemeClr val="tx1"/>
+                </a:solidFill>
+                <a:latin typeface="+mn-lt"/>
+                <a:ea typeface="+mn-ea"/>
+                <a:cs typeface="+mn-cs"/>
+              </a:defRPr>
+            </a:lvl9pPr>
+          </a:lstStyle>
+          <a:p>
+            <a:r>
+              <a:rPr lang="en-US" altLang="ko-KR" dirty="0">
+                <a:solidFill>
+                  <a:schemeClr val="accent5"/>
+                </a:solidFill>
+                <a:latin typeface="배달의민족 도현" pitchFamily="50" charset="-127"/>
+                <a:ea typeface="배달의민족 도현" pitchFamily="50" charset="-127"/>
+              </a:rPr>
+              <a:t>S</a:t>
+            </a:r>
+            <a:r>
+              <a:rPr lang="en-US" altLang="ko-KR" dirty="0">
+                <a:latin typeface="배달의민족 도현" pitchFamily="50" charset="-127"/>
+                <a:ea typeface="배달의민족 도현" pitchFamily="50" charset="-127"/>
+              </a:rPr>
+              <a:t>TART</a:t>
+            </a:r>
+            <a:r>
+              <a:rPr lang="en-US" altLang="ko-KR" dirty="0">
+                <a:solidFill>
+                  <a:schemeClr val="accent5"/>
+                </a:solidFill>
+                <a:latin typeface="배달의민족 도현" pitchFamily="50" charset="-127"/>
+                <a:ea typeface="배달의민족 도현" pitchFamily="50" charset="-127"/>
+              </a:rPr>
+              <a:t>C</a:t>
+            </a:r>
+            <a:r>
+              <a:rPr lang="en-US" altLang="ko-KR" dirty="0">
+                <a:latin typeface="배달의민족 도현" pitchFamily="50" charset="-127"/>
+                <a:ea typeface="배달의민족 도현" pitchFamily="50" charset="-127"/>
+              </a:rPr>
+              <a:t>ODING</a:t>
+            </a:r>
+            <a:endParaRPr lang="ko-KR" altLang="en-US" dirty="0">
+              <a:latin typeface="배달의민족 도현" pitchFamily="50" charset="-127"/>
+              <a:ea typeface="배달의민족 도현" pitchFamily="50" charset="-127"/>
+            </a:endParaRPr>
+          </a:p>
+        </p:txBody>
+      </p:sp>
+      <p:sp>
+        <p:nvSpPr>
+          <p:cNvPr id="4" name="제목 1"/>
+          <p:cNvSpPr txBox="1">
+            <a:spLocks/>
+          </p:cNvSpPr>
+          <p:nvPr/>
+        </p:nvSpPr>
+        <p:spPr>
+          <a:xfrm>
+            <a:off x="899592" y="3573016"/>
+            <a:ext cx="7344816" cy="2160240"/>
+          </a:xfrm>
+          <a:prstGeom prst="rect">
+            <a:avLst/>
+          </a:prstGeom>
+        </p:spPr>
+        <p:txBody>
+          <a:bodyPr vert="horz" lIns="91440" tIns="45720" rIns="91440" bIns="45720" rtlCol="0" anchor="ctr">
+            <a:normAutofit fontScale="92500" lnSpcReduction="20000"/>
+          </a:bodyPr>
+          <a:lstStyle>
+            <a:lvl1pPr algn="ctr" defTabSz="914400" rtl="0" eaLnBrk="1" latinLnBrk="1" hangingPunct="1">
+              <a:spcBef>
+                <a:spcPct val="0"/>
+              </a:spcBef>
+              <a:buNone/>
+              <a:defRPr sz="4400" kern="1200">
+                <a:solidFill>
+                  <a:schemeClr val="tx1"/>
+                </a:solidFill>
+                <a:latin typeface="+mj-lt"/>
+                <a:ea typeface="+mj-ea"/>
+                <a:cs typeface="+mj-cs"/>
+              </a:defRPr>
+            </a:lvl1pPr>
+          </a:lstStyle>
+          <a:p>
+            <a:r>
+              <a:rPr lang="en-US" altLang="ko-KR" sz="2800" dirty="0">
+                <a:solidFill>
+                  <a:schemeClr val="accent6"/>
+                </a:solidFill>
+                <a:latin typeface="배달의민족 주아" pitchFamily="18" charset="-127"/>
+                <a:ea typeface="배달의민족 주아" pitchFamily="18" charset="-127"/>
+              </a:rPr>
+              <a:t>display</a:t>
+            </a:r>
+          </a:p>
+          <a:p>
+            <a:r>
+              <a:rPr lang="en-US" altLang="ko-KR" sz="2800" dirty="0">
+                <a:solidFill>
+                  <a:schemeClr val="accent6"/>
+                </a:solidFill>
+                <a:latin typeface="배달의민족 주아" pitchFamily="18" charset="-127"/>
+                <a:ea typeface="배달의민족 주아" pitchFamily="18" charset="-127"/>
+              </a:rPr>
+              <a:t>flex-direction</a:t>
+            </a:r>
+          </a:p>
+          <a:p>
+            <a:r>
+              <a:rPr lang="en-US" altLang="ko-KR" sz="2800" dirty="0">
+                <a:solidFill>
+                  <a:schemeClr val="accent6"/>
+                </a:solidFill>
+                <a:latin typeface="배달의민족 주아" pitchFamily="18" charset="-127"/>
+                <a:ea typeface="배달의민족 주아" pitchFamily="18" charset="-127"/>
+              </a:rPr>
+              <a:t>justify-content</a:t>
+            </a:r>
+          </a:p>
+          <a:p>
+            <a:r>
+              <a:rPr lang="en-US" altLang="ko-KR" sz="2800" dirty="0">
+                <a:solidFill>
+                  <a:schemeClr val="accent6"/>
+                </a:solidFill>
+                <a:latin typeface="배달의민족 주아" pitchFamily="18" charset="-127"/>
+                <a:ea typeface="배달의민족 주아" pitchFamily="18" charset="-127"/>
+              </a:rPr>
+              <a:t>align-items</a:t>
+            </a:r>
+          </a:p>
+          <a:p>
+            <a:r>
+              <a:rPr lang="en-US" altLang="ko-KR" sz="2800" dirty="0">
+                <a:latin typeface="배달의민족 주아" pitchFamily="18" charset="-127"/>
+                <a:ea typeface="배달의민족 주아" pitchFamily="18" charset="-127"/>
+              </a:rPr>
+              <a:t>flex-wrap</a:t>
+            </a:r>
+          </a:p>
+          <a:p>
+            <a:r>
+              <a:rPr lang="en-US" altLang="ko-KR" sz="2800" dirty="0">
+                <a:latin typeface="배달의민족 주아" pitchFamily="18" charset="-127"/>
+                <a:ea typeface="배달의민족 주아" pitchFamily="18" charset="-127"/>
+              </a:rPr>
+              <a:t>flex-flow</a:t>
+            </a:r>
+          </a:p>
+          <a:p>
+            <a:endParaRPr lang="en-US" altLang="ko-KR" sz="2800" dirty="0">
+              <a:latin typeface="배달의민족 주아" pitchFamily="18" charset="-127"/>
+              <a:ea typeface="배달의민족 주아" pitchFamily="18" charset="-127"/>
+            </a:endParaRPr>
+          </a:p>
+        </p:txBody>
+      </p:sp>
+    </p:spTree>
+    <p:extLst>
+      <p:ext uri="{BB962C8B-B14F-4D97-AF65-F5344CB8AC3E}">
+        <p14:creationId xmlns:p14="http://schemas.microsoft.com/office/powerpoint/2010/main" val="943577245"/>
+      </p:ext>
+    </p:extLst>
+  </p:cSld>
+  <p:clrMapOvr>
+    <a:masterClrMapping/>
+  </p:clrMapOvr>
+  <p:timing>
+    <p:tnLst>
+      <p:par>
+        <p:cTn id="1" dur="indefinite" restart="never" nodeType="tmRoot">
+          <p:childTnLst>
+            <p:seq concurrent="1" nextAc="seek">
+              <p:cTn id="2" dur="indefinite" nodeType="mainSeq">
+                <p:childTnLst>
+                  <p:par>
+                    <p:cTn id="3" fill="hold">
+                      <p:stCondLst>
+                        <p:cond delay="indefinite"/>
+                      </p:stCondLst>
+                      <p:childTnLst>
+                        <p:par>
+                          <p:cTn id="4" fill="hold">
+                            <p:stCondLst>
+                              <p:cond delay="0"/>
+                            </p:stCondLst>
+                            <p:childTnLst>
+                              <p:par>
+                                <p:cTn id="5" presetID="10" presetClass="entr" presetSubtype="0" fill="hold" grpId="0" nodeType="clickEffect">
+                                  <p:stCondLst>
+                                    <p:cond delay="0"/>
+                                  </p:stCondLst>
+                                  <p:childTnLst>
+                                    <p:set>
+                                      <p:cBhvr>
+                                        <p:cTn id="6" dur="1" fill="hold">
+                                          <p:stCondLst>
+                                            <p:cond delay="0"/>
+                                          </p:stCondLst>
+                                        </p:cTn>
+                                        <p:tgtEl>
+                                          <p:spTgt spid="4"/>
+                                        </p:tgtEl>
+                                        <p:attrNameLst>
+                                          <p:attrName>style.visibility</p:attrName>
+                                        </p:attrNameLst>
+                                      </p:cBhvr>
+                                      <p:to>
+                                        <p:strVal val="visible"/>
+                                      </p:to>
+                                    </p:set>
+                                    <p:animEffect transition="in" filter="fade">
+                                      <p:cBhvr>
+                                        <p:cTn id="7" dur="500"/>
+                                        <p:tgtEl>
+                                          <p:spTgt spid="4"/>
+                                        </p:tgtEl>
+                                      </p:cBhvr>
+                                    </p:animEffect>
+                                  </p:childTnLst>
+                                </p:cTn>
+                              </p:par>
+                            </p:childTnLst>
+                          </p:cTn>
+                        </p:par>
+                      </p:childTnLst>
+                    </p:cTn>
+                  </p:par>
+                </p:childTnLst>
+              </p:cTn>
+              <p:prevCondLst>
+                <p:cond evt="onPrev" delay="0">
+                  <p:tgtEl>
+                    <p:sldTgt/>
+                  </p:tgtEl>
+                </p:cond>
+              </p:prevCondLst>
+              <p:nextCondLst>
+                <p:cond evt="onNext" delay="0">
+                  <p:tgtEl>
+                    <p:sldTgt/>
+                  </p:tgtEl>
+                </p:cond>
+              </p:nextCondLst>
+            </p:seq>
+          </p:childTnLst>
+        </p:cTn>
+      </p:par>
+    </p:tnLst>
+    <p:bldLst>
+      <p:bldP spid="4" grpId="0"/>
+    </p:bldLst>
+  </p:timing>
 </p:sld>
 </file>
 

--- a/프론트엔드기초(PPT)/CSS3 8강_CSS 플렉스박스 레이아웃.pptx
+++ b/프론트엔드기초(PPT)/CSS3 8강_CSS 플렉스박스 레이아웃.pptx
@@ -5,7 +5,7 @@
     <p:sldMasterId id="2147483648" r:id="rId1"/>
   </p:sldMasterIdLst>
   <p:notesMasterIdLst>
-    <p:notesMasterId r:id="rId17"/>
+    <p:notesMasterId r:id="rId18"/>
   </p:notesMasterIdLst>
   <p:sldIdLst>
     <p:sldId id="256" r:id="rId2"/>
@@ -13,16 +13,17 @@
     <p:sldId id="329" r:id="rId4"/>
     <p:sldId id="330" r:id="rId5"/>
     <p:sldId id="257" r:id="rId6"/>
-    <p:sldId id="324" r:id="rId7"/>
-    <p:sldId id="327" r:id="rId8"/>
-    <p:sldId id="328" r:id="rId9"/>
-    <p:sldId id="318" r:id="rId10"/>
-    <p:sldId id="325" r:id="rId11"/>
-    <p:sldId id="331" r:id="rId12"/>
-    <p:sldId id="332" r:id="rId13"/>
-    <p:sldId id="333" r:id="rId14"/>
-    <p:sldId id="334" r:id="rId15"/>
-    <p:sldId id="263" r:id="rId16"/>
+    <p:sldId id="335" r:id="rId7"/>
+    <p:sldId id="324" r:id="rId8"/>
+    <p:sldId id="327" r:id="rId9"/>
+    <p:sldId id="328" r:id="rId10"/>
+    <p:sldId id="318" r:id="rId11"/>
+    <p:sldId id="325" r:id="rId12"/>
+    <p:sldId id="331" r:id="rId13"/>
+    <p:sldId id="332" r:id="rId14"/>
+    <p:sldId id="333" r:id="rId15"/>
+    <p:sldId id="334" r:id="rId16"/>
+    <p:sldId id="263" r:id="rId17"/>
   </p:sldIdLst>
   <p:sldSz cx="9144000" cy="6858000" type="screen4x3"/>
   <p:notesSz cx="6858000" cy="9144000"/>
@@ -222,7 +223,7 @@
           <a:p>
             <a:fld id="{3547FDC5-66A3-47B5-9CCE-43836CF927EE}" type="datetimeFigureOut">
               <a:rPr lang="ko-KR" altLang="en-US" smtClean="0"/>
-              <a:t>2020-11-03</a:t>
+              <a:t>2021-06-15</a:t>
             </a:fld>
             <a:endParaRPr lang="ko-KR" altLang="en-US"/>
           </a:p>
@@ -668,7 +669,7 @@
           <a:p>
             <a:fld id="{FB30EDBD-1C2D-4C1E-B459-B60219FAB484}" type="datetimeFigureOut">
               <a:rPr lang="ko-KR" altLang="en-US" smtClean="0"/>
-              <a:t>2020-11-03</a:t>
+              <a:t>2021-06-15</a:t>
             </a:fld>
             <a:endParaRPr lang="ko-KR" altLang="en-US"/>
           </a:p>
@@ -831,7 +832,7 @@
           <a:p>
             <a:fld id="{FB30EDBD-1C2D-4C1E-B459-B60219FAB484}" type="datetimeFigureOut">
               <a:rPr lang="ko-KR" altLang="en-US" smtClean="0"/>
-              <a:t>2020-11-03</a:t>
+              <a:t>2021-06-15</a:t>
             </a:fld>
             <a:endParaRPr lang="ko-KR" altLang="en-US"/>
           </a:p>
@@ -1004,7 +1005,7 @@
           <a:p>
             <a:fld id="{FB30EDBD-1C2D-4C1E-B459-B60219FAB484}" type="datetimeFigureOut">
               <a:rPr lang="ko-KR" altLang="en-US" smtClean="0"/>
-              <a:t>2020-11-03</a:t>
+              <a:t>2021-06-15</a:t>
             </a:fld>
             <a:endParaRPr lang="ko-KR" altLang="en-US"/>
           </a:p>
@@ -1167,7 +1168,7 @@
           <a:p>
             <a:fld id="{FB30EDBD-1C2D-4C1E-B459-B60219FAB484}" type="datetimeFigureOut">
               <a:rPr lang="ko-KR" altLang="en-US" smtClean="0"/>
-              <a:t>2020-11-03</a:t>
+              <a:t>2021-06-15</a:t>
             </a:fld>
             <a:endParaRPr lang="ko-KR" altLang="en-US"/>
           </a:p>
@@ -1407,7 +1408,7 @@
           <a:p>
             <a:fld id="{FB30EDBD-1C2D-4C1E-B459-B60219FAB484}" type="datetimeFigureOut">
               <a:rPr lang="ko-KR" altLang="en-US" smtClean="0"/>
-              <a:t>2020-11-03</a:t>
+              <a:t>2021-06-15</a:t>
             </a:fld>
             <a:endParaRPr lang="ko-KR" altLang="en-US"/>
           </a:p>
@@ -1687,7 +1688,7 @@
           <a:p>
             <a:fld id="{FB30EDBD-1C2D-4C1E-B459-B60219FAB484}" type="datetimeFigureOut">
               <a:rPr lang="ko-KR" altLang="en-US" smtClean="0"/>
-              <a:t>2020-11-03</a:t>
+              <a:t>2021-06-15</a:t>
             </a:fld>
             <a:endParaRPr lang="ko-KR" altLang="en-US"/>
           </a:p>
@@ -2101,7 +2102,7 @@
           <a:p>
             <a:fld id="{FB30EDBD-1C2D-4C1E-B459-B60219FAB484}" type="datetimeFigureOut">
               <a:rPr lang="ko-KR" altLang="en-US" smtClean="0"/>
-              <a:t>2020-11-03</a:t>
+              <a:t>2021-06-15</a:t>
             </a:fld>
             <a:endParaRPr lang="ko-KR" altLang="en-US"/>
           </a:p>
@@ -2213,7 +2214,7 @@
           <a:p>
             <a:fld id="{FB30EDBD-1C2D-4C1E-B459-B60219FAB484}" type="datetimeFigureOut">
               <a:rPr lang="ko-KR" altLang="en-US" smtClean="0"/>
-              <a:t>2020-11-03</a:t>
+              <a:t>2021-06-15</a:t>
             </a:fld>
             <a:endParaRPr lang="ko-KR" altLang="en-US"/>
           </a:p>
@@ -2303,7 +2304,7 @@
           <a:p>
             <a:fld id="{FB30EDBD-1C2D-4C1E-B459-B60219FAB484}" type="datetimeFigureOut">
               <a:rPr lang="ko-KR" altLang="en-US" smtClean="0"/>
-              <a:t>2020-11-03</a:t>
+              <a:t>2021-06-15</a:t>
             </a:fld>
             <a:endParaRPr lang="ko-KR" altLang="en-US"/>
           </a:p>
@@ -2573,7 +2574,7 @@
           <a:p>
             <a:fld id="{FB30EDBD-1C2D-4C1E-B459-B60219FAB484}" type="datetimeFigureOut">
               <a:rPr lang="ko-KR" altLang="en-US" smtClean="0"/>
-              <a:t>2020-11-03</a:t>
+              <a:t>2021-06-15</a:t>
             </a:fld>
             <a:endParaRPr lang="ko-KR" altLang="en-US"/>
           </a:p>
@@ -2820,7 +2821,7 @@
           <a:p>
             <a:fld id="{FB30EDBD-1C2D-4C1E-B459-B60219FAB484}" type="datetimeFigureOut">
               <a:rPr lang="ko-KR" altLang="en-US" smtClean="0"/>
-              <a:t>2020-11-03</a:t>
+              <a:t>2021-06-15</a:t>
             </a:fld>
             <a:endParaRPr lang="ko-KR" altLang="en-US"/>
           </a:p>
@@ -3026,7 +3027,7 @@
           <a:p>
             <a:fld id="{FB30EDBD-1C2D-4C1E-B459-B60219FAB484}" type="datetimeFigureOut">
               <a:rPr lang="ko-KR" altLang="en-US" smtClean="0"/>
-              <a:t>2020-11-03</a:t>
+              <a:t>2021-06-15</a:t>
             </a:fld>
             <a:endParaRPr lang="ko-KR" altLang="en-US"/>
           </a:p>
@@ -3689,7 +3690,12 @@
             <p:ph type="ctrTitle"/>
           </p:nvPr>
         </p:nvSpPr>
-        <p:spPr/>
+        <p:spPr>
+          <a:xfrm>
+            <a:off x="685800" y="1166887"/>
+            <a:ext cx="7772400" cy="1470025"/>
+          </a:xfrm>
+        </p:spPr>
         <p:txBody>
           <a:bodyPr/>
           <a:lstStyle/>
@@ -3699,7 +3705,7 @@
                 <a:latin typeface="배달의민족 주아" pitchFamily="18" charset="-127"/>
                 <a:ea typeface="배달의민족 주아" pitchFamily="18" charset="-127"/>
               </a:rPr>
-              <a:t>아이템 속성</a:t>
+              <a:t>컨테이너 속성</a:t>
             </a:r>
           </a:p>
         </p:txBody>
@@ -3871,7 +3877,7 @@
         </p:nvSpPr>
         <p:spPr>
           <a:xfrm>
-            <a:off x="755576" y="3573016"/>
+            <a:off x="899592" y="3573016"/>
             <a:ext cx="7344816" cy="2160240"/>
           </a:xfrm>
           <a:prstGeom prst="rect">
@@ -3880,7 +3886,7 @@
         </p:spPr>
         <p:txBody>
           <a:bodyPr vert="horz" lIns="91440" tIns="45720" rIns="91440" bIns="45720" rtlCol="0" anchor="ctr">
-            <a:normAutofit lnSpcReduction="10000"/>
+            <a:normAutofit fontScale="92500" lnSpcReduction="20000"/>
           </a:bodyPr>
           <a:lstStyle>
             <a:lvl1pPr algn="ctr" defTabSz="914400" rtl="0" eaLnBrk="1" latinLnBrk="1" hangingPunct="1">
@@ -3901,10 +3907,49 @@
           <a:p>
             <a:r>
               <a:rPr lang="en-US" altLang="ko-KR" sz="2800" dirty="0">
+                <a:solidFill>
+                  <a:schemeClr val="accent6"/>
+                </a:solidFill>
                 <a:latin typeface="배달의민족 주아" pitchFamily="18" charset="-127"/>
                 <a:ea typeface="배달의민족 주아" pitchFamily="18" charset="-127"/>
               </a:rPr>
-              <a:t>flex-basis</a:t>
+              <a:t>display</a:t>
+            </a:r>
+          </a:p>
+          <a:p>
+            <a:r>
+              <a:rPr lang="en-US" altLang="ko-KR" sz="2800" dirty="0">
+                <a:solidFill>
+                  <a:schemeClr val="accent6"/>
+                </a:solidFill>
+                <a:latin typeface="배달의민족 주아" pitchFamily="18" charset="-127"/>
+                <a:ea typeface="배달의민족 주아" pitchFamily="18" charset="-127"/>
+              </a:rPr>
+              <a:t>flex-direction</a:t>
+            </a:r>
+          </a:p>
+          <a:p>
+            <a:r>
+              <a:rPr lang="en-US" altLang="ko-KR" sz="2800" dirty="0">
+                <a:solidFill>
+                  <a:schemeClr val="accent6"/>
+                </a:solidFill>
+                <a:latin typeface="배달의민족 주아" pitchFamily="18" charset="-127"/>
+                <a:ea typeface="배달의민족 주아" pitchFamily="18" charset="-127"/>
+              </a:rPr>
+              <a:t>justify-content</a:t>
+            </a:r>
+          </a:p>
+          <a:p>
+            <a:r>
+              <a:rPr lang="en-US" altLang="ko-KR" sz="2800" dirty="0">
+                <a:solidFill>
+                  <a:schemeClr val="accent6"/>
+                </a:solidFill>
+                <a:latin typeface="배달의민족 주아" pitchFamily="18" charset="-127"/>
+                <a:ea typeface="배달의민족 주아" pitchFamily="18" charset="-127"/>
+              </a:rPr>
+              <a:t>align-items</a:t>
             </a:r>
           </a:p>
           <a:p>
@@ -3913,7 +3958,7 @@
                 <a:latin typeface="배달의민족 주아" pitchFamily="18" charset="-127"/>
                 <a:ea typeface="배달의민족 주아" pitchFamily="18" charset="-127"/>
               </a:rPr>
-              <a:t>flex-grow</a:t>
+              <a:t>flex-wrap</a:t>
             </a:r>
           </a:p>
           <a:p>
@@ -3922,33 +3967,21 @@
                 <a:latin typeface="배달의민족 주아" pitchFamily="18" charset="-127"/>
                 <a:ea typeface="배달의민족 주아" pitchFamily="18" charset="-127"/>
               </a:rPr>
-              <a:t>flex-shrink</a:t>
-            </a:r>
-          </a:p>
-          <a:p>
-            <a:r>
-              <a:rPr lang="en-US" altLang="ko-KR" sz="2800" dirty="0">
-                <a:latin typeface="배달의민족 주아" pitchFamily="18" charset="-127"/>
-                <a:ea typeface="배달의민족 주아" pitchFamily="18" charset="-127"/>
-              </a:rPr>
-              <a:t>order</a:t>
-            </a:r>
-          </a:p>
-          <a:p>
-            <a:r>
-              <a:rPr lang="en-US" altLang="ko-KR" sz="2800" dirty="0">
-                <a:latin typeface="배달의민족 주아" pitchFamily="18" charset="-127"/>
-                <a:ea typeface="배달의민족 주아" pitchFamily="18" charset="-127"/>
-              </a:rPr>
-              <a:t>align-self</a:t>
-            </a:r>
+              <a:t>flex-flow</a:t>
+            </a:r>
+          </a:p>
+          <a:p>
+            <a:endParaRPr lang="en-US" altLang="ko-KR" sz="2800" dirty="0">
+              <a:latin typeface="배달의민족 주아" pitchFamily="18" charset="-127"/>
+              <a:ea typeface="배달의민족 주아" pitchFamily="18" charset="-127"/>
+            </a:endParaRPr>
           </a:p>
         </p:txBody>
       </p:sp>
     </p:spTree>
     <p:extLst>
       <p:ext uri="{BB962C8B-B14F-4D97-AF65-F5344CB8AC3E}">
-        <p14:creationId xmlns:p14="http://schemas.microsoft.com/office/powerpoint/2010/main" val="40464314"/>
+        <p14:creationId xmlns:p14="http://schemas.microsoft.com/office/powerpoint/2010/main" val="943577245"/>
       </p:ext>
     </p:extLst>
   </p:cSld>
@@ -4071,6 +4104,388 @@
             <p:ph type="ctrTitle"/>
           </p:nvPr>
         </p:nvSpPr>
+        <p:spPr/>
+        <p:txBody>
+          <a:bodyPr/>
+          <a:lstStyle/>
+          <a:p>
+            <a:r>
+              <a:rPr lang="ko-KR" altLang="en-US" dirty="0">
+                <a:latin typeface="배달의민족 주아" pitchFamily="18" charset="-127"/>
+                <a:ea typeface="배달의민족 주아" pitchFamily="18" charset="-127"/>
+              </a:rPr>
+              <a:t>아이템 속성</a:t>
+            </a:r>
+          </a:p>
+        </p:txBody>
+      </p:sp>
+      <p:sp>
+        <p:nvSpPr>
+          <p:cNvPr id="3" name="TextBox 2"/>
+          <p:cNvSpPr txBox="1"/>
+          <p:nvPr/>
+        </p:nvSpPr>
+        <p:spPr>
+          <a:xfrm>
+            <a:off x="6948264" y="6093296"/>
+            <a:ext cx="1838965" cy="369332"/>
+          </a:xfrm>
+          <a:prstGeom prst="rect">
+            <a:avLst/>
+          </a:prstGeom>
+          <a:noFill/>
+        </p:spPr>
+        <p:txBody>
+          <a:bodyPr wrap="none" rtlCol="0">
+            <a:spAutoFit/>
+          </a:bodyPr>
+          <a:lstStyle>
+            <a:defPPr>
+              <a:defRPr lang="ko-KR"/>
+            </a:defPPr>
+            <a:lvl1pPr marL="0" algn="l" defTabSz="914400" rtl="0" eaLnBrk="1" latinLnBrk="1" hangingPunct="1">
+              <a:defRPr sz="1800" kern="1200">
+                <a:solidFill>
+                  <a:schemeClr val="tx1"/>
+                </a:solidFill>
+                <a:latin typeface="+mn-lt"/>
+                <a:ea typeface="+mn-ea"/>
+                <a:cs typeface="+mn-cs"/>
+              </a:defRPr>
+            </a:lvl1pPr>
+            <a:lvl2pPr marL="457200" algn="l" defTabSz="914400" rtl="0" eaLnBrk="1" latinLnBrk="1" hangingPunct="1">
+              <a:defRPr sz="1800" kern="1200">
+                <a:solidFill>
+                  <a:schemeClr val="tx1"/>
+                </a:solidFill>
+                <a:latin typeface="+mn-lt"/>
+                <a:ea typeface="+mn-ea"/>
+                <a:cs typeface="+mn-cs"/>
+              </a:defRPr>
+            </a:lvl2pPr>
+            <a:lvl3pPr marL="914400" algn="l" defTabSz="914400" rtl="0" eaLnBrk="1" latinLnBrk="1" hangingPunct="1">
+              <a:defRPr sz="1800" kern="1200">
+                <a:solidFill>
+                  <a:schemeClr val="tx1"/>
+                </a:solidFill>
+                <a:latin typeface="+mn-lt"/>
+                <a:ea typeface="+mn-ea"/>
+                <a:cs typeface="+mn-cs"/>
+              </a:defRPr>
+            </a:lvl3pPr>
+            <a:lvl4pPr marL="1371600" algn="l" defTabSz="914400" rtl="0" eaLnBrk="1" latinLnBrk="1" hangingPunct="1">
+              <a:defRPr sz="1800" kern="1200">
+                <a:solidFill>
+                  <a:schemeClr val="tx1"/>
+                </a:solidFill>
+                <a:latin typeface="+mn-lt"/>
+                <a:ea typeface="+mn-ea"/>
+                <a:cs typeface="+mn-cs"/>
+              </a:defRPr>
+            </a:lvl4pPr>
+            <a:lvl5pPr marL="1828800" algn="l" defTabSz="914400" rtl="0" eaLnBrk="1" latinLnBrk="1" hangingPunct="1">
+              <a:defRPr sz="1800" kern="1200">
+                <a:solidFill>
+                  <a:schemeClr val="tx1"/>
+                </a:solidFill>
+                <a:latin typeface="+mn-lt"/>
+                <a:ea typeface="+mn-ea"/>
+                <a:cs typeface="+mn-cs"/>
+              </a:defRPr>
+            </a:lvl5pPr>
+            <a:lvl6pPr marL="2286000" algn="l" defTabSz="914400" rtl="0" eaLnBrk="1" latinLnBrk="1" hangingPunct="1">
+              <a:defRPr sz="1800" kern="1200">
+                <a:solidFill>
+                  <a:schemeClr val="tx1"/>
+                </a:solidFill>
+                <a:latin typeface="+mn-lt"/>
+                <a:ea typeface="+mn-ea"/>
+                <a:cs typeface="+mn-cs"/>
+              </a:defRPr>
+            </a:lvl6pPr>
+            <a:lvl7pPr marL="2743200" algn="l" defTabSz="914400" rtl="0" eaLnBrk="1" latinLnBrk="1" hangingPunct="1">
+              <a:defRPr sz="1800" kern="1200">
+                <a:solidFill>
+                  <a:schemeClr val="tx1"/>
+                </a:solidFill>
+                <a:latin typeface="+mn-lt"/>
+                <a:ea typeface="+mn-ea"/>
+                <a:cs typeface="+mn-cs"/>
+              </a:defRPr>
+            </a:lvl7pPr>
+            <a:lvl8pPr marL="3200400" algn="l" defTabSz="914400" rtl="0" eaLnBrk="1" latinLnBrk="1" hangingPunct="1">
+              <a:defRPr sz="1800" kern="1200">
+                <a:solidFill>
+                  <a:schemeClr val="tx1"/>
+                </a:solidFill>
+                <a:latin typeface="+mn-lt"/>
+                <a:ea typeface="+mn-ea"/>
+                <a:cs typeface="+mn-cs"/>
+              </a:defRPr>
+            </a:lvl8pPr>
+            <a:lvl9pPr marL="3657600" algn="l" defTabSz="914400" rtl="0" eaLnBrk="1" latinLnBrk="1" hangingPunct="1">
+              <a:defRPr sz="1800" kern="1200">
+                <a:solidFill>
+                  <a:schemeClr val="tx1"/>
+                </a:solidFill>
+                <a:latin typeface="+mn-lt"/>
+                <a:ea typeface="+mn-ea"/>
+                <a:cs typeface="+mn-cs"/>
+              </a:defRPr>
+            </a:lvl9pPr>
+          </a:lstStyle>
+          <a:p>
+            <a:r>
+              <a:rPr lang="en-US" altLang="ko-KR" dirty="0">
+                <a:solidFill>
+                  <a:schemeClr val="accent5"/>
+                </a:solidFill>
+                <a:latin typeface="배달의민족 도현" pitchFamily="50" charset="-127"/>
+                <a:ea typeface="배달의민족 도현" pitchFamily="50" charset="-127"/>
+              </a:rPr>
+              <a:t>S</a:t>
+            </a:r>
+            <a:r>
+              <a:rPr lang="en-US" altLang="ko-KR" dirty="0">
+                <a:latin typeface="배달의민족 도현" pitchFamily="50" charset="-127"/>
+                <a:ea typeface="배달의민족 도현" pitchFamily="50" charset="-127"/>
+              </a:rPr>
+              <a:t>TART</a:t>
+            </a:r>
+            <a:r>
+              <a:rPr lang="en-US" altLang="ko-KR" dirty="0">
+                <a:solidFill>
+                  <a:schemeClr val="accent5"/>
+                </a:solidFill>
+                <a:latin typeface="배달의민족 도현" pitchFamily="50" charset="-127"/>
+                <a:ea typeface="배달의민족 도현" pitchFamily="50" charset="-127"/>
+              </a:rPr>
+              <a:t>C</a:t>
+            </a:r>
+            <a:r>
+              <a:rPr lang="en-US" altLang="ko-KR" dirty="0">
+                <a:latin typeface="배달의민족 도현" pitchFamily="50" charset="-127"/>
+                <a:ea typeface="배달의민족 도현" pitchFamily="50" charset="-127"/>
+              </a:rPr>
+              <a:t>ODING</a:t>
+            </a:r>
+            <a:endParaRPr lang="ko-KR" altLang="en-US" dirty="0">
+              <a:latin typeface="배달의민족 도현" pitchFamily="50" charset="-127"/>
+              <a:ea typeface="배달의민족 도현" pitchFamily="50" charset="-127"/>
+            </a:endParaRPr>
+          </a:p>
+        </p:txBody>
+      </p:sp>
+      <p:sp>
+        <p:nvSpPr>
+          <p:cNvPr id="4" name="제목 1"/>
+          <p:cNvSpPr txBox="1">
+            <a:spLocks/>
+          </p:cNvSpPr>
+          <p:nvPr/>
+        </p:nvSpPr>
+        <p:spPr>
+          <a:xfrm>
+            <a:off x="755576" y="3573016"/>
+            <a:ext cx="7344816" cy="2160240"/>
+          </a:xfrm>
+          <a:prstGeom prst="rect">
+            <a:avLst/>
+          </a:prstGeom>
+        </p:spPr>
+        <p:txBody>
+          <a:bodyPr vert="horz" lIns="91440" tIns="45720" rIns="91440" bIns="45720" rtlCol="0" anchor="ctr">
+            <a:normAutofit lnSpcReduction="10000"/>
+          </a:bodyPr>
+          <a:lstStyle>
+            <a:lvl1pPr algn="ctr" defTabSz="914400" rtl="0" eaLnBrk="1" latinLnBrk="1" hangingPunct="1">
+              <a:spcBef>
+                <a:spcPct val="0"/>
+              </a:spcBef>
+              <a:buNone/>
+              <a:defRPr sz="4400" kern="1200">
+                <a:solidFill>
+                  <a:schemeClr val="tx1"/>
+                </a:solidFill>
+                <a:latin typeface="+mj-lt"/>
+                <a:ea typeface="+mj-ea"/>
+                <a:cs typeface="+mj-cs"/>
+              </a:defRPr>
+            </a:lvl1pPr>
+          </a:lstStyle>
+          <a:p>
+            <a:r>
+              <a:rPr lang="en-US" altLang="ko-KR" sz="2800" dirty="0">
+                <a:latin typeface="배달의민족 주아" pitchFamily="18" charset="-127"/>
+                <a:ea typeface="배달의민족 주아" pitchFamily="18" charset="-127"/>
+              </a:rPr>
+              <a:t>flex-basis</a:t>
+            </a:r>
+          </a:p>
+          <a:p>
+            <a:r>
+              <a:rPr lang="en-US" altLang="ko-KR" sz="2800" dirty="0">
+                <a:latin typeface="배달의민족 주아" pitchFamily="18" charset="-127"/>
+                <a:ea typeface="배달의민족 주아" pitchFamily="18" charset="-127"/>
+              </a:rPr>
+              <a:t>flex-grow</a:t>
+            </a:r>
+          </a:p>
+          <a:p>
+            <a:r>
+              <a:rPr lang="en-US" altLang="ko-KR" sz="2800" dirty="0">
+                <a:latin typeface="배달의민족 주아" pitchFamily="18" charset="-127"/>
+                <a:ea typeface="배달의민족 주아" pitchFamily="18" charset="-127"/>
+              </a:rPr>
+              <a:t>flex-shrink</a:t>
+            </a:r>
+          </a:p>
+          <a:p>
+            <a:r>
+              <a:rPr lang="en-US" altLang="ko-KR" sz="2800" dirty="0">
+                <a:latin typeface="배달의민족 주아" pitchFamily="18" charset="-127"/>
+                <a:ea typeface="배달의민족 주아" pitchFamily="18" charset="-127"/>
+              </a:rPr>
+              <a:t>order</a:t>
+            </a:r>
+          </a:p>
+          <a:p>
+            <a:r>
+              <a:rPr lang="en-US" altLang="ko-KR" sz="2800" dirty="0">
+                <a:latin typeface="배달의민족 주아" pitchFamily="18" charset="-127"/>
+                <a:ea typeface="배달의민족 주아" pitchFamily="18" charset="-127"/>
+              </a:rPr>
+              <a:t>align-self</a:t>
+            </a:r>
+          </a:p>
+        </p:txBody>
+      </p:sp>
+    </p:spTree>
+    <p:extLst>
+      <p:ext uri="{BB962C8B-B14F-4D97-AF65-F5344CB8AC3E}">
+        <p14:creationId xmlns:p14="http://schemas.microsoft.com/office/powerpoint/2010/main" val="40464314"/>
+      </p:ext>
+    </p:extLst>
+  </p:cSld>
+  <p:clrMapOvr>
+    <a:masterClrMapping/>
+  </p:clrMapOvr>
+  <p:timing>
+    <p:tnLst>
+      <p:par>
+        <p:cTn id="1" dur="indefinite" restart="never" nodeType="tmRoot">
+          <p:childTnLst>
+            <p:seq concurrent="1" nextAc="seek">
+              <p:cTn id="2" dur="indefinite" nodeType="mainSeq">
+                <p:childTnLst>
+                  <p:par>
+                    <p:cTn id="3" fill="hold">
+                      <p:stCondLst>
+                        <p:cond delay="indefinite"/>
+                      </p:stCondLst>
+                      <p:childTnLst>
+                        <p:par>
+                          <p:cTn id="4" fill="hold">
+                            <p:stCondLst>
+                              <p:cond delay="0"/>
+                            </p:stCondLst>
+                            <p:childTnLst>
+                              <p:par>
+                                <p:cTn id="5" presetID="10" presetClass="entr" presetSubtype="0" fill="hold" grpId="0" nodeType="clickEffect">
+                                  <p:stCondLst>
+                                    <p:cond delay="0"/>
+                                  </p:stCondLst>
+                                  <p:childTnLst>
+                                    <p:set>
+                                      <p:cBhvr>
+                                        <p:cTn id="6" dur="1" fill="hold">
+                                          <p:stCondLst>
+                                            <p:cond delay="0"/>
+                                          </p:stCondLst>
+                                        </p:cTn>
+                                        <p:tgtEl>
+                                          <p:spTgt spid="4"/>
+                                        </p:tgtEl>
+                                        <p:attrNameLst>
+                                          <p:attrName>style.visibility</p:attrName>
+                                        </p:attrNameLst>
+                                      </p:cBhvr>
+                                      <p:to>
+                                        <p:strVal val="visible"/>
+                                      </p:to>
+                                    </p:set>
+                                    <p:animEffect transition="in" filter="fade">
+                                      <p:cBhvr>
+                                        <p:cTn id="7" dur="500"/>
+                                        <p:tgtEl>
+                                          <p:spTgt spid="4"/>
+                                        </p:tgtEl>
+                                      </p:cBhvr>
+                                    </p:animEffect>
+                                  </p:childTnLst>
+                                </p:cTn>
+                              </p:par>
+                            </p:childTnLst>
+                          </p:cTn>
+                        </p:par>
+                      </p:childTnLst>
+                    </p:cTn>
+                  </p:par>
+                </p:childTnLst>
+              </p:cTn>
+              <p:prevCondLst>
+                <p:cond evt="onPrev" delay="0">
+                  <p:tgtEl>
+                    <p:sldTgt/>
+                  </p:tgtEl>
+                </p:cond>
+              </p:prevCondLst>
+              <p:nextCondLst>
+                <p:cond evt="onNext" delay="0">
+                  <p:tgtEl>
+                    <p:sldTgt/>
+                  </p:tgtEl>
+                </p:cond>
+              </p:nextCondLst>
+            </p:seq>
+          </p:childTnLst>
+        </p:cTn>
+      </p:par>
+    </p:tnLst>
+    <p:bldLst>
+      <p:bldP spid="4" grpId="0"/>
+    </p:bldLst>
+  </p:timing>
+</p:sld>
+</file>
+
+<file path=ppt/slides/slide12.xml><?xml version="1.0" encoding="utf-8"?>
+<p:sld xmlns:a="http://schemas.openxmlformats.org/drawingml/2006/main" xmlns:r="http://schemas.openxmlformats.org/officeDocument/2006/relationships" xmlns:p="http://schemas.openxmlformats.org/presentationml/2006/main">
+  <p:cSld>
+    <p:spTree>
+      <p:nvGrpSpPr>
+        <p:cNvPr id="1" name=""/>
+        <p:cNvGrpSpPr/>
+        <p:nvPr/>
+      </p:nvGrpSpPr>
+      <p:grpSpPr>
+        <a:xfrm>
+          <a:off x="0" y="0"/>
+          <a:ext cx="0" cy="0"/>
+          <a:chOff x="0" y="0"/>
+          <a:chExt cx="0" cy="0"/>
+        </a:xfrm>
+      </p:grpSpPr>
+      <p:sp>
+        <p:nvSpPr>
+          <p:cNvPr id="2" name="제목 1"/>
+          <p:cNvSpPr>
+            <a:spLocks noGrp="1"/>
+          </p:cNvSpPr>
+          <p:nvPr>
+            <p:ph type="ctrTitle"/>
+          </p:nvPr>
+        </p:nvSpPr>
         <p:spPr>
           <a:xfrm>
             <a:off x="685800" y="0"/>
@@ -4541,7 +4956,7 @@
 </p:sld>
 </file>
 
-<file path=ppt/slides/slide12.xml><?xml version="1.0" encoding="utf-8"?>
+<file path=ppt/slides/slide13.xml><?xml version="1.0" encoding="utf-8"?>
 <p:sld xmlns:a="http://schemas.openxmlformats.org/drawingml/2006/main" xmlns:r="http://schemas.openxmlformats.org/officeDocument/2006/relationships" xmlns:p="http://schemas.openxmlformats.org/presentationml/2006/main">
   <p:cSld>
     <p:spTree>
@@ -5152,7 +5567,7 @@
 </p:sld>
 </file>
 
-<file path=ppt/slides/slide13.xml><?xml version="1.0" encoding="utf-8"?>
+<file path=ppt/slides/slide14.xml><?xml version="1.0" encoding="utf-8"?>
 <p:sld xmlns:a="http://schemas.openxmlformats.org/drawingml/2006/main" xmlns:r="http://schemas.openxmlformats.org/officeDocument/2006/relationships" xmlns:p="http://schemas.openxmlformats.org/presentationml/2006/main">
   <p:cSld>
     <p:spTree>
@@ -5887,7 +6302,7 @@
 </p:sld>
 </file>
 
-<file path=ppt/slides/slide14.xml><?xml version="1.0" encoding="utf-8"?>
+<file path=ppt/slides/slide15.xml><?xml version="1.0" encoding="utf-8"?>
 <p:sld xmlns:a="http://schemas.openxmlformats.org/drawingml/2006/main" xmlns:r="http://schemas.openxmlformats.org/officeDocument/2006/relationships" xmlns:p="http://schemas.openxmlformats.org/presentationml/2006/main">
   <p:cSld>
     <p:spTree>
@@ -6582,7 +6997,7 @@
 </p:sld>
 </file>
 
-<file path=ppt/slides/slide15.xml><?xml version="1.0" encoding="utf-8"?>
+<file path=ppt/slides/slide16.xml><?xml version="1.0" encoding="utf-8"?>
 <p:sld xmlns:a="http://schemas.openxmlformats.org/drawingml/2006/main" xmlns:r="http://schemas.openxmlformats.org/officeDocument/2006/relationships" xmlns:p="http://schemas.openxmlformats.org/presentationml/2006/main">
   <p:cSld>
     <p:spTree>
@@ -8318,6 +8733,36 @@
           <a:chExt cx="0" cy="0"/>
         </a:xfrm>
       </p:grpSpPr>
+    </p:spTree>
+    <p:extLst>
+      <p:ext uri="{BB962C8B-B14F-4D97-AF65-F5344CB8AC3E}">
+        <p14:creationId xmlns:p14="http://schemas.microsoft.com/office/powerpoint/2010/main" val="2450007292"/>
+      </p:ext>
+    </p:extLst>
+  </p:cSld>
+  <p:clrMapOvr>
+    <a:masterClrMapping/>
+  </p:clrMapOvr>
+</p:sld>
+</file>
+
+<file path=ppt/slides/slide7.xml><?xml version="1.0" encoding="utf-8"?>
+<p:sld xmlns:a="http://schemas.openxmlformats.org/drawingml/2006/main" xmlns:r="http://schemas.openxmlformats.org/officeDocument/2006/relationships" xmlns:p="http://schemas.openxmlformats.org/presentationml/2006/main">
+  <p:cSld>
+    <p:spTree>
+      <p:nvGrpSpPr>
+        <p:cNvPr id="1" name=""/>
+        <p:cNvGrpSpPr/>
+        <p:nvPr/>
+      </p:nvGrpSpPr>
+      <p:grpSpPr>
+        <a:xfrm>
+          <a:off x="0" y="0"/>
+          <a:ext cx="0" cy="0"/>
+          <a:chOff x="0" y="0"/>
+          <a:chExt cx="0" cy="0"/>
+        </a:xfrm>
+      </p:grpSpPr>
       <p:sp>
         <p:nvSpPr>
           <p:cNvPr id="4" name="제목 1"/>
@@ -8850,7 +9295,7 @@
 </p:sld>
 </file>
 
-<file path=ppt/slides/slide7.xml><?xml version="1.0" encoding="utf-8"?>
+<file path=ppt/slides/slide8.xml><?xml version="1.0" encoding="utf-8"?>
 <p:sld xmlns:a="http://schemas.openxmlformats.org/drawingml/2006/main" xmlns:r="http://schemas.openxmlformats.org/officeDocument/2006/relationships" xmlns:p="http://schemas.openxmlformats.org/presentationml/2006/main">
   <p:cSld>
     <p:spTree>
@@ -9382,7 +9827,7 @@
 </p:sld>
 </file>
 
-<file path=ppt/slides/slide8.xml><?xml version="1.0" encoding="utf-8"?>
+<file path=ppt/slides/slide9.xml><?xml version="1.0" encoding="utf-8"?>
 <p:sld xmlns:a="http://schemas.openxmlformats.org/drawingml/2006/main" xmlns:r="http://schemas.openxmlformats.org/officeDocument/2006/relationships" xmlns:p="http://schemas.openxmlformats.org/presentationml/2006/main">
   <p:cSld>
     <p:spTree>
@@ -10043,420 +10488,6 @@
   <p:clrMapOvr>
     <a:masterClrMapping/>
   </p:clrMapOvr>
-</p:sld>
-</file>
-
-<file path=ppt/slides/slide9.xml><?xml version="1.0" encoding="utf-8"?>
-<p:sld xmlns:a="http://schemas.openxmlformats.org/drawingml/2006/main" xmlns:r="http://schemas.openxmlformats.org/officeDocument/2006/relationships" xmlns:p="http://schemas.openxmlformats.org/presentationml/2006/main">
-  <p:cSld>
-    <p:spTree>
-      <p:nvGrpSpPr>
-        <p:cNvPr id="1" name=""/>
-        <p:cNvGrpSpPr/>
-        <p:nvPr/>
-      </p:nvGrpSpPr>
-      <p:grpSpPr>
-        <a:xfrm>
-          <a:off x="0" y="0"/>
-          <a:ext cx="0" cy="0"/>
-          <a:chOff x="0" y="0"/>
-          <a:chExt cx="0" cy="0"/>
-        </a:xfrm>
-      </p:grpSpPr>
-      <p:sp>
-        <p:nvSpPr>
-          <p:cNvPr id="2" name="제목 1"/>
-          <p:cNvSpPr>
-            <a:spLocks noGrp="1"/>
-          </p:cNvSpPr>
-          <p:nvPr>
-            <p:ph type="ctrTitle"/>
-          </p:nvPr>
-        </p:nvSpPr>
-        <p:spPr>
-          <a:xfrm>
-            <a:off x="685800" y="1166887"/>
-            <a:ext cx="7772400" cy="1470025"/>
-          </a:xfrm>
-        </p:spPr>
-        <p:txBody>
-          <a:bodyPr/>
-          <a:lstStyle/>
-          <a:p>
-            <a:r>
-              <a:rPr lang="ko-KR" altLang="en-US" dirty="0">
-                <a:latin typeface="배달의민족 주아" pitchFamily="18" charset="-127"/>
-                <a:ea typeface="배달의민족 주아" pitchFamily="18" charset="-127"/>
-              </a:rPr>
-              <a:t>컨테이너 속성</a:t>
-            </a:r>
-          </a:p>
-        </p:txBody>
-      </p:sp>
-      <p:sp>
-        <p:nvSpPr>
-          <p:cNvPr id="3" name="TextBox 2"/>
-          <p:cNvSpPr txBox="1"/>
-          <p:nvPr/>
-        </p:nvSpPr>
-        <p:spPr>
-          <a:xfrm>
-            <a:off x="6948264" y="6093296"/>
-            <a:ext cx="1838965" cy="369332"/>
-          </a:xfrm>
-          <a:prstGeom prst="rect">
-            <a:avLst/>
-          </a:prstGeom>
-          <a:noFill/>
-        </p:spPr>
-        <p:txBody>
-          <a:bodyPr wrap="none" rtlCol="0">
-            <a:spAutoFit/>
-          </a:bodyPr>
-          <a:lstStyle>
-            <a:defPPr>
-              <a:defRPr lang="ko-KR"/>
-            </a:defPPr>
-            <a:lvl1pPr marL="0" algn="l" defTabSz="914400" rtl="0" eaLnBrk="1" latinLnBrk="1" hangingPunct="1">
-              <a:defRPr sz="1800" kern="1200">
-                <a:solidFill>
-                  <a:schemeClr val="tx1"/>
-                </a:solidFill>
-                <a:latin typeface="+mn-lt"/>
-                <a:ea typeface="+mn-ea"/>
-                <a:cs typeface="+mn-cs"/>
-              </a:defRPr>
-            </a:lvl1pPr>
-            <a:lvl2pPr marL="457200" algn="l" defTabSz="914400" rtl="0" eaLnBrk="1" latinLnBrk="1" hangingPunct="1">
-              <a:defRPr sz="1800" kern="1200">
-                <a:solidFill>
-                  <a:schemeClr val="tx1"/>
-                </a:solidFill>
-                <a:latin typeface="+mn-lt"/>
-                <a:ea typeface="+mn-ea"/>
-                <a:cs typeface="+mn-cs"/>
-              </a:defRPr>
-            </a:lvl2pPr>
-            <a:lvl3pPr marL="914400" algn="l" defTabSz="914400" rtl="0" eaLnBrk="1" latinLnBrk="1" hangingPunct="1">
-              <a:defRPr sz="1800" kern="1200">
-                <a:solidFill>
-                  <a:schemeClr val="tx1"/>
-                </a:solidFill>
-                <a:latin typeface="+mn-lt"/>
-                <a:ea typeface="+mn-ea"/>
-                <a:cs typeface="+mn-cs"/>
-              </a:defRPr>
-            </a:lvl3pPr>
-            <a:lvl4pPr marL="1371600" algn="l" defTabSz="914400" rtl="0" eaLnBrk="1" latinLnBrk="1" hangingPunct="1">
-              <a:defRPr sz="1800" kern="1200">
-                <a:solidFill>
-                  <a:schemeClr val="tx1"/>
-                </a:solidFill>
-                <a:latin typeface="+mn-lt"/>
-                <a:ea typeface="+mn-ea"/>
-                <a:cs typeface="+mn-cs"/>
-              </a:defRPr>
-            </a:lvl4pPr>
-            <a:lvl5pPr marL="1828800" algn="l" defTabSz="914400" rtl="0" eaLnBrk="1" latinLnBrk="1" hangingPunct="1">
-              <a:defRPr sz="1800" kern="1200">
-                <a:solidFill>
-                  <a:schemeClr val="tx1"/>
-                </a:solidFill>
-                <a:latin typeface="+mn-lt"/>
-                <a:ea typeface="+mn-ea"/>
-                <a:cs typeface="+mn-cs"/>
-              </a:defRPr>
-            </a:lvl5pPr>
-            <a:lvl6pPr marL="2286000" algn="l" defTabSz="914400" rtl="0" eaLnBrk="1" latinLnBrk="1" hangingPunct="1">
-              <a:defRPr sz="1800" kern="1200">
-                <a:solidFill>
-                  <a:schemeClr val="tx1"/>
-                </a:solidFill>
-                <a:latin typeface="+mn-lt"/>
-                <a:ea typeface="+mn-ea"/>
-                <a:cs typeface="+mn-cs"/>
-              </a:defRPr>
-            </a:lvl6pPr>
-            <a:lvl7pPr marL="2743200" algn="l" defTabSz="914400" rtl="0" eaLnBrk="1" latinLnBrk="1" hangingPunct="1">
-              <a:defRPr sz="1800" kern="1200">
-                <a:solidFill>
-                  <a:schemeClr val="tx1"/>
-                </a:solidFill>
-                <a:latin typeface="+mn-lt"/>
-                <a:ea typeface="+mn-ea"/>
-                <a:cs typeface="+mn-cs"/>
-              </a:defRPr>
-            </a:lvl7pPr>
-            <a:lvl8pPr marL="3200400" algn="l" defTabSz="914400" rtl="0" eaLnBrk="1" latinLnBrk="1" hangingPunct="1">
-              <a:defRPr sz="1800" kern="1200">
-                <a:solidFill>
-                  <a:schemeClr val="tx1"/>
-                </a:solidFill>
-                <a:latin typeface="+mn-lt"/>
-                <a:ea typeface="+mn-ea"/>
-                <a:cs typeface="+mn-cs"/>
-              </a:defRPr>
-            </a:lvl8pPr>
-            <a:lvl9pPr marL="3657600" algn="l" defTabSz="914400" rtl="0" eaLnBrk="1" latinLnBrk="1" hangingPunct="1">
-              <a:defRPr sz="1800" kern="1200">
-                <a:solidFill>
-                  <a:schemeClr val="tx1"/>
-                </a:solidFill>
-                <a:latin typeface="+mn-lt"/>
-                <a:ea typeface="+mn-ea"/>
-                <a:cs typeface="+mn-cs"/>
-              </a:defRPr>
-            </a:lvl9pPr>
-          </a:lstStyle>
-          <a:p>
-            <a:r>
-              <a:rPr lang="en-US" altLang="ko-KR" dirty="0">
-                <a:solidFill>
-                  <a:schemeClr val="accent5"/>
-                </a:solidFill>
-                <a:latin typeface="배달의민족 도현" pitchFamily="50" charset="-127"/>
-                <a:ea typeface="배달의민족 도현" pitchFamily="50" charset="-127"/>
-              </a:rPr>
-              <a:t>S</a:t>
-            </a:r>
-            <a:r>
-              <a:rPr lang="en-US" altLang="ko-KR" dirty="0">
-                <a:latin typeface="배달의민족 도현" pitchFamily="50" charset="-127"/>
-                <a:ea typeface="배달의민족 도현" pitchFamily="50" charset="-127"/>
-              </a:rPr>
-              <a:t>TART</a:t>
-            </a:r>
-            <a:r>
-              <a:rPr lang="en-US" altLang="ko-KR" dirty="0">
-                <a:solidFill>
-                  <a:schemeClr val="accent5"/>
-                </a:solidFill>
-                <a:latin typeface="배달의민족 도현" pitchFamily="50" charset="-127"/>
-                <a:ea typeface="배달의민족 도현" pitchFamily="50" charset="-127"/>
-              </a:rPr>
-              <a:t>C</a:t>
-            </a:r>
-            <a:r>
-              <a:rPr lang="en-US" altLang="ko-KR" dirty="0">
-                <a:latin typeface="배달의민족 도현" pitchFamily="50" charset="-127"/>
-                <a:ea typeface="배달의민족 도현" pitchFamily="50" charset="-127"/>
-              </a:rPr>
-              <a:t>ODING</a:t>
-            </a:r>
-            <a:endParaRPr lang="ko-KR" altLang="en-US" dirty="0">
-              <a:latin typeface="배달의민족 도현" pitchFamily="50" charset="-127"/>
-              <a:ea typeface="배달의민족 도현" pitchFamily="50" charset="-127"/>
-            </a:endParaRPr>
-          </a:p>
-        </p:txBody>
-      </p:sp>
-      <p:sp>
-        <p:nvSpPr>
-          <p:cNvPr id="4" name="제목 1"/>
-          <p:cNvSpPr txBox="1">
-            <a:spLocks/>
-          </p:cNvSpPr>
-          <p:nvPr/>
-        </p:nvSpPr>
-        <p:spPr>
-          <a:xfrm>
-            <a:off x="899592" y="3573016"/>
-            <a:ext cx="7344816" cy="2160240"/>
-          </a:xfrm>
-          <a:prstGeom prst="rect">
-            <a:avLst/>
-          </a:prstGeom>
-        </p:spPr>
-        <p:txBody>
-          <a:bodyPr vert="horz" lIns="91440" tIns="45720" rIns="91440" bIns="45720" rtlCol="0" anchor="ctr">
-            <a:normAutofit fontScale="92500" lnSpcReduction="20000"/>
-          </a:bodyPr>
-          <a:lstStyle>
-            <a:lvl1pPr algn="ctr" defTabSz="914400" rtl="0" eaLnBrk="1" latinLnBrk="1" hangingPunct="1">
-              <a:spcBef>
-                <a:spcPct val="0"/>
-              </a:spcBef>
-              <a:buNone/>
-              <a:defRPr sz="4400" kern="1200">
-                <a:solidFill>
-                  <a:schemeClr val="tx1"/>
-                </a:solidFill>
-                <a:latin typeface="+mj-lt"/>
-                <a:ea typeface="+mj-ea"/>
-                <a:cs typeface="+mj-cs"/>
-              </a:defRPr>
-            </a:lvl1pPr>
-          </a:lstStyle>
-          <a:p>
-            <a:r>
-              <a:rPr lang="en-US" altLang="ko-KR" sz="2800" dirty="0">
-                <a:solidFill>
-                  <a:schemeClr val="accent6"/>
-                </a:solidFill>
-                <a:latin typeface="배달의민족 주아" pitchFamily="18" charset="-127"/>
-                <a:ea typeface="배달의민족 주아" pitchFamily="18" charset="-127"/>
-              </a:rPr>
-              <a:t>display</a:t>
-            </a:r>
-          </a:p>
-          <a:p>
-            <a:r>
-              <a:rPr lang="en-US" altLang="ko-KR" sz="2800" dirty="0">
-                <a:solidFill>
-                  <a:schemeClr val="accent6"/>
-                </a:solidFill>
-                <a:latin typeface="배달의민족 주아" pitchFamily="18" charset="-127"/>
-                <a:ea typeface="배달의민족 주아" pitchFamily="18" charset="-127"/>
-              </a:rPr>
-              <a:t>flex-direction</a:t>
-            </a:r>
-          </a:p>
-          <a:p>
-            <a:r>
-              <a:rPr lang="en-US" altLang="ko-KR" sz="2800" dirty="0">
-                <a:solidFill>
-                  <a:schemeClr val="accent6"/>
-                </a:solidFill>
-                <a:latin typeface="배달의민족 주아" pitchFamily="18" charset="-127"/>
-                <a:ea typeface="배달의민족 주아" pitchFamily="18" charset="-127"/>
-              </a:rPr>
-              <a:t>justify-content</a:t>
-            </a:r>
-          </a:p>
-          <a:p>
-            <a:r>
-              <a:rPr lang="en-US" altLang="ko-KR" sz="2800" dirty="0">
-                <a:solidFill>
-                  <a:schemeClr val="accent6"/>
-                </a:solidFill>
-                <a:latin typeface="배달의민족 주아" pitchFamily="18" charset="-127"/>
-                <a:ea typeface="배달의민족 주아" pitchFamily="18" charset="-127"/>
-              </a:rPr>
-              <a:t>align-items</a:t>
-            </a:r>
-          </a:p>
-          <a:p>
-            <a:r>
-              <a:rPr lang="en-US" altLang="ko-KR" sz="2800" dirty="0">
-                <a:latin typeface="배달의민족 주아" pitchFamily="18" charset="-127"/>
-                <a:ea typeface="배달의민족 주아" pitchFamily="18" charset="-127"/>
-              </a:rPr>
-              <a:t>flex-wrap</a:t>
-            </a:r>
-          </a:p>
-          <a:p>
-            <a:r>
-              <a:rPr lang="en-US" altLang="ko-KR" sz="2800" dirty="0">
-                <a:latin typeface="배달의민족 주아" pitchFamily="18" charset="-127"/>
-                <a:ea typeface="배달의민족 주아" pitchFamily="18" charset="-127"/>
-              </a:rPr>
-              <a:t>flex-flow</a:t>
-            </a:r>
-          </a:p>
-          <a:p>
-            <a:endParaRPr lang="en-US" altLang="ko-KR" sz="2800" dirty="0">
-              <a:latin typeface="배달의민족 주아" pitchFamily="18" charset="-127"/>
-              <a:ea typeface="배달의민족 주아" pitchFamily="18" charset="-127"/>
-            </a:endParaRPr>
-          </a:p>
-        </p:txBody>
-      </p:sp>
-    </p:spTree>
-    <p:extLst>
-      <p:ext uri="{BB962C8B-B14F-4D97-AF65-F5344CB8AC3E}">
-        <p14:creationId xmlns:p14="http://schemas.microsoft.com/office/powerpoint/2010/main" val="943577245"/>
-      </p:ext>
-    </p:extLst>
-  </p:cSld>
-  <p:clrMapOvr>
-    <a:masterClrMapping/>
-  </p:clrMapOvr>
-  <p:timing>
-    <p:tnLst>
-      <p:par>
-        <p:cTn id="1" dur="indefinite" restart="never" nodeType="tmRoot">
-          <p:childTnLst>
-            <p:seq concurrent="1" nextAc="seek">
-              <p:cTn id="2" dur="indefinite" nodeType="mainSeq">
-                <p:childTnLst>
-                  <p:par>
-                    <p:cTn id="3" fill="hold">
-                      <p:stCondLst>
-                        <p:cond delay="indefinite"/>
-                      </p:stCondLst>
-                      <p:childTnLst>
-                        <p:par>
-                          <p:cTn id="4" fill="hold">
-                            <p:stCondLst>
-                              <p:cond delay="0"/>
-                            </p:stCondLst>
-                            <p:childTnLst>
-                              <p:par>
-                                <p:cTn id="5" presetID="10" presetClass="entr" presetSubtype="0" fill="hold" grpId="0" nodeType="clickEffect">
-                                  <p:stCondLst>
-                                    <p:cond delay="0"/>
-                                  </p:stCondLst>
-                                  <p:childTnLst>
-                                    <p:set>
-                                      <p:cBhvr>
-                                        <p:cTn id="6" dur="1" fill="hold">
-                                          <p:stCondLst>
-                                            <p:cond delay="0"/>
-                                          </p:stCondLst>
-                                        </p:cTn>
-                                        <p:tgtEl>
-                                          <p:spTgt spid="4"/>
-                                        </p:tgtEl>
-                                        <p:attrNameLst>
-                                          <p:attrName>style.visibility</p:attrName>
-                                        </p:attrNameLst>
-                                      </p:cBhvr>
-                                      <p:to>
-                                        <p:strVal val="visible"/>
-                                      </p:to>
-                                    </p:set>
-                                    <p:animEffect transition="in" filter="fade">
-                                      <p:cBhvr>
-                                        <p:cTn id="7" dur="500"/>
-                                        <p:tgtEl>
-                                          <p:spTgt spid="4"/>
-                                        </p:tgtEl>
-                                      </p:cBhvr>
-                                    </p:animEffect>
-                                  </p:childTnLst>
-                                </p:cTn>
-                              </p:par>
-                            </p:childTnLst>
-                          </p:cTn>
-                        </p:par>
-                      </p:childTnLst>
-                    </p:cTn>
-                  </p:par>
-                </p:childTnLst>
-              </p:cTn>
-              <p:prevCondLst>
-                <p:cond evt="onPrev" delay="0">
-                  <p:tgtEl>
-                    <p:sldTgt/>
-                  </p:tgtEl>
-                </p:cond>
-              </p:prevCondLst>
-              <p:nextCondLst>
-                <p:cond evt="onNext" delay="0">
-                  <p:tgtEl>
-                    <p:sldTgt/>
-                  </p:tgtEl>
-                </p:cond>
-              </p:nextCondLst>
-            </p:seq>
-          </p:childTnLst>
-        </p:cTn>
-      </p:par>
-    </p:tnLst>
-    <p:bldLst>
-      <p:bldP spid="4" grpId="0"/>
-    </p:bldLst>
-  </p:timing>
 </p:sld>
 </file>
 
